--- a/report.pptx
+++ b/report.pptx
@@ -4,26 +4,25 @@
   <p:sldMasterIdLst>
     <p:sldMasterId id="2147483749" r:id="rId1"/>
   </p:sldMasterIdLst>
+  <p:notesMasterIdLst>
+    <p:notesMasterId r:id="rId14"/>
+  </p:notesMasterIdLst>
+  <p:handoutMasterIdLst>
+    <p:handoutMasterId r:id="rId15"/>
+  </p:handoutMasterIdLst>
   <p:sldIdLst>
     <p:sldId id="256" r:id="rId2"/>
-    <p:sldId id="258" r:id="rId3"/>
-    <p:sldId id="257" r:id="rId4"/>
-    <p:sldId id="261" r:id="rId5"/>
-    <p:sldId id="262" r:id="rId6"/>
-    <p:sldId id="263" r:id="rId7"/>
-    <p:sldId id="264" r:id="rId8"/>
-    <p:sldId id="265" r:id="rId9"/>
-    <p:sldId id="266" r:id="rId10"/>
-    <p:sldId id="267" r:id="rId11"/>
-    <p:sldId id="268" r:id="rId12"/>
-    <p:sldId id="269" r:id="rId13"/>
-    <p:sldId id="270" r:id="rId14"/>
-    <p:sldId id="271" r:id="rId15"/>
-    <p:sldId id="272" r:id="rId16"/>
-    <p:sldId id="259" r:id="rId17"/>
-    <p:sldId id="260" r:id="rId18"/>
-    <p:sldId id="273" r:id="rId19"/>
-    <p:sldId id="274" r:id="rId20"/>
+    <p:sldId id="277" r:id="rId3"/>
+    <p:sldId id="278" r:id="rId4"/>
+    <p:sldId id="284" r:id="rId5"/>
+    <p:sldId id="279" r:id="rId6"/>
+    <p:sldId id="285" r:id="rId7"/>
+    <p:sldId id="260" r:id="rId8"/>
+    <p:sldId id="273" r:id="rId9"/>
+    <p:sldId id="274" r:id="rId10"/>
+    <p:sldId id="286" r:id="rId11"/>
+    <p:sldId id="275" r:id="rId12"/>
+    <p:sldId id="276" r:id="rId13"/>
   </p:sldIdLst>
   <p:sldSz cx="12192000" cy="6858000"/>
   <p:notesSz cx="6858000" cy="9144000"/>
@@ -122,11 +121,1614 @@
       </a:defRPr>
     </a:lvl9pPr>
   </p:defaultTextStyle>
+  <p:extLst>
+    <p:ext uri="{521415D9-36F7-43E2-AB2F-B90AF26B5E84}">
+      <p14:sectionLst xmlns:p14="http://schemas.microsoft.com/office/powerpoint/2010/main">
+        <p14:section name="預設章節" id="{FD9EAC86-A03F-400B-83E2-384289A651E8}">
+          <p14:sldIdLst>
+            <p14:sldId id="256"/>
+            <p14:sldId id="277"/>
+            <p14:sldId id="278"/>
+            <p14:sldId id="284"/>
+            <p14:sldId id="279"/>
+            <p14:sldId id="285"/>
+            <p14:sldId id="260"/>
+            <p14:sldId id="273"/>
+            <p14:sldId id="274"/>
+            <p14:sldId id="286"/>
+            <p14:sldId id="275"/>
+            <p14:sldId id="276"/>
+          </p14:sldIdLst>
+        </p14:section>
+      </p14:sectionLst>
+    </p:ext>
+    <p:ext uri="{EFAFB233-063F-42B5-8137-9DF3F51BA10A}">
+      <p15:sldGuideLst xmlns:p15="http://schemas.microsoft.com/office/powerpoint/2012/main">
+        <p15:guide id="1" orient="horz" pos="2160" userDrawn="1">
+          <p15:clr>
+            <a:srgbClr val="A4A3A4"/>
+          </p15:clr>
+        </p15:guide>
+        <p15:guide id="2" pos="3840" userDrawn="1">
+          <p15:clr>
+            <a:srgbClr val="A4A3A4"/>
+          </p15:clr>
+        </p15:guide>
+      </p15:sldGuideLst>
+    </p:ext>
+    <p:ext uri="{2D200454-40CA-4A62-9FC3-DE9A4176ACB9}">
+      <p15:notesGuideLst xmlns:p15="http://schemas.microsoft.com/office/powerpoint/2012/main"/>
+    </p:ext>
+  </p:extLst>
 </p:presentation>
 </file>
 
+<file path=ppt/handoutMasters/handoutMaster1.xml><?xml version="1.0" encoding="utf-8"?>
+<p:handoutMaster xmlns:a="http://schemas.openxmlformats.org/drawingml/2006/main" xmlns:r="http://schemas.openxmlformats.org/officeDocument/2006/relationships" xmlns:p="http://schemas.openxmlformats.org/presentationml/2006/main">
+  <p:cSld>
+    <p:bg>
+      <p:bgRef idx="1001">
+        <a:schemeClr val="bg1"/>
+      </p:bgRef>
+    </p:bg>
+    <p:spTree>
+      <p:nvGrpSpPr>
+        <p:cNvPr id="1" name=""/>
+        <p:cNvGrpSpPr/>
+        <p:nvPr/>
+      </p:nvGrpSpPr>
+      <p:grpSpPr>
+        <a:xfrm>
+          <a:off x="0" y="0"/>
+          <a:ext cx="0" cy="0"/>
+          <a:chOff x="0" y="0"/>
+          <a:chExt cx="0" cy="0"/>
+        </a:xfrm>
+      </p:grpSpPr>
+      <p:sp>
+        <p:nvSpPr>
+          <p:cNvPr id="2" name="頁首版面配置區 1">
+            <a:extLst>
+              <a:ext uri="{FF2B5EF4-FFF2-40B4-BE49-F238E27FC236}">
+                <a16:creationId xmlns:a16="http://schemas.microsoft.com/office/drawing/2014/main" id="{F4740C02-FD2B-4EA3-8778-89D633590A36}"/>
+              </a:ext>
+            </a:extLst>
+          </p:cNvPr>
+          <p:cNvSpPr>
+            <a:spLocks noGrp="1"/>
+          </p:cNvSpPr>
+          <p:nvPr>
+            <p:ph type="hdr" sz="quarter"/>
+          </p:nvPr>
+        </p:nvSpPr>
+        <p:spPr>
+          <a:xfrm>
+            <a:off x="0" y="0"/>
+            <a:ext cx="2971800" cy="458788"/>
+          </a:xfrm>
+          <a:prstGeom prst="rect">
+            <a:avLst/>
+          </a:prstGeom>
+        </p:spPr>
+        <p:txBody>
+          <a:bodyPr vert="horz" lIns="91440" tIns="45720" rIns="91440" bIns="45720" rtlCol="0"/>
+          <a:lstStyle>
+            <a:lvl1pPr algn="l">
+              <a:defRPr sz="1200"/>
+            </a:lvl1pPr>
+          </a:lstStyle>
+          <a:p>
+            <a:endParaRPr lang="zh-TW" altLang="en-US"/>
+          </a:p>
+        </p:txBody>
+      </p:sp>
+      <p:sp>
+        <p:nvSpPr>
+          <p:cNvPr id="3" name="日期版面配置區 2">
+            <a:extLst>
+              <a:ext uri="{FF2B5EF4-FFF2-40B4-BE49-F238E27FC236}">
+                <a16:creationId xmlns:a16="http://schemas.microsoft.com/office/drawing/2014/main" id="{B29CADDD-B494-4899-8935-FB380A8966E2}"/>
+              </a:ext>
+            </a:extLst>
+          </p:cNvPr>
+          <p:cNvSpPr>
+            <a:spLocks noGrp="1"/>
+          </p:cNvSpPr>
+          <p:nvPr>
+            <p:ph type="dt" sz="quarter" idx="1"/>
+          </p:nvPr>
+        </p:nvSpPr>
+        <p:spPr>
+          <a:xfrm>
+            <a:off x="3884613" y="0"/>
+            <a:ext cx="2971800" cy="458788"/>
+          </a:xfrm>
+          <a:prstGeom prst="rect">
+            <a:avLst/>
+          </a:prstGeom>
+        </p:spPr>
+        <p:txBody>
+          <a:bodyPr vert="horz" lIns="91440" tIns="45720" rIns="91440" bIns="45720" rtlCol="0"/>
+          <a:lstStyle>
+            <a:lvl1pPr algn="r">
+              <a:defRPr sz="1200"/>
+            </a:lvl1pPr>
+          </a:lstStyle>
+          <a:p>
+            <a:fld id="{89592F28-9DD4-4633-81B5-5332EA1CF2E5}" type="datetimeFigureOut">
+              <a:rPr lang="zh-TW" altLang="en-US" smtClean="0"/>
+              <a:t>2021/1/6</a:t>
+            </a:fld>
+            <a:endParaRPr lang="zh-TW" altLang="en-US"/>
+          </a:p>
+        </p:txBody>
+      </p:sp>
+      <p:sp>
+        <p:nvSpPr>
+          <p:cNvPr id="4" name="頁尾版面配置區 3">
+            <a:extLst>
+              <a:ext uri="{FF2B5EF4-FFF2-40B4-BE49-F238E27FC236}">
+                <a16:creationId xmlns:a16="http://schemas.microsoft.com/office/drawing/2014/main" id="{23ABA657-3A4E-4BCE-B73C-FC32C024B72C}"/>
+              </a:ext>
+            </a:extLst>
+          </p:cNvPr>
+          <p:cNvSpPr>
+            <a:spLocks noGrp="1"/>
+          </p:cNvSpPr>
+          <p:nvPr>
+            <p:ph type="ftr" sz="quarter" idx="2"/>
+          </p:nvPr>
+        </p:nvSpPr>
+        <p:spPr>
+          <a:xfrm>
+            <a:off x="0" y="8685213"/>
+            <a:ext cx="2971800" cy="458787"/>
+          </a:xfrm>
+          <a:prstGeom prst="rect">
+            <a:avLst/>
+          </a:prstGeom>
+        </p:spPr>
+        <p:txBody>
+          <a:bodyPr vert="horz" lIns="91440" tIns="45720" rIns="91440" bIns="45720" rtlCol="0" anchor="b"/>
+          <a:lstStyle>
+            <a:lvl1pPr algn="l">
+              <a:defRPr sz="1200"/>
+            </a:lvl1pPr>
+          </a:lstStyle>
+          <a:p>
+            <a:endParaRPr lang="zh-TW" altLang="en-US"/>
+          </a:p>
+        </p:txBody>
+      </p:sp>
+      <p:sp>
+        <p:nvSpPr>
+          <p:cNvPr id="5" name="投影片編號版面配置區 4">
+            <a:extLst>
+              <a:ext uri="{FF2B5EF4-FFF2-40B4-BE49-F238E27FC236}">
+                <a16:creationId xmlns:a16="http://schemas.microsoft.com/office/drawing/2014/main" id="{C669F965-DF1A-4034-92AD-13AAF85ED22D}"/>
+              </a:ext>
+            </a:extLst>
+          </p:cNvPr>
+          <p:cNvSpPr>
+            <a:spLocks noGrp="1"/>
+          </p:cNvSpPr>
+          <p:nvPr>
+            <p:ph type="sldNum" sz="quarter" idx="3"/>
+          </p:nvPr>
+        </p:nvSpPr>
+        <p:spPr>
+          <a:xfrm>
+            <a:off x="3884613" y="8685213"/>
+            <a:ext cx="2971800" cy="458787"/>
+          </a:xfrm>
+          <a:prstGeom prst="rect">
+            <a:avLst/>
+          </a:prstGeom>
+        </p:spPr>
+        <p:txBody>
+          <a:bodyPr vert="horz" lIns="91440" tIns="45720" rIns="91440" bIns="45720" rtlCol="0" anchor="b"/>
+          <a:lstStyle>
+            <a:lvl1pPr algn="r">
+              <a:defRPr sz="1200"/>
+            </a:lvl1pPr>
+          </a:lstStyle>
+          <a:p>
+            <a:fld id="{F85DF30F-2F44-411F-934B-28760EFD17A5}" type="slidenum">
+              <a:rPr lang="zh-TW" altLang="en-US" smtClean="0"/>
+              <a:t>‹#›</a:t>
+            </a:fld>
+            <a:endParaRPr lang="zh-TW" altLang="en-US"/>
+          </a:p>
+        </p:txBody>
+      </p:sp>
+    </p:spTree>
+    <p:extLst>
+      <p:ext uri="{BB962C8B-B14F-4D97-AF65-F5344CB8AC3E}">
+        <p14:creationId xmlns:p14="http://schemas.microsoft.com/office/powerpoint/2010/main" val="3128961702"/>
+      </p:ext>
+    </p:extLst>
+  </p:cSld>
+  <p:clrMap bg1="lt1" tx1="dk1" bg2="lt2" tx2="dk2" accent1="accent1" accent2="accent2" accent3="accent3" accent4="accent4" accent5="accent5" accent6="accent6" hlink="hlink" folHlink="folHlink"/>
+</p:handoutMaster>
+</file>
+
+<file path=ppt/notesMasters/notesMaster1.xml><?xml version="1.0" encoding="utf-8"?>
+<p:notesMaster xmlns:a="http://schemas.openxmlformats.org/drawingml/2006/main" xmlns:r="http://schemas.openxmlformats.org/officeDocument/2006/relationships" xmlns:p="http://schemas.openxmlformats.org/presentationml/2006/main">
+  <p:cSld>
+    <p:bg>
+      <p:bgRef idx="1001">
+        <a:schemeClr val="bg1"/>
+      </p:bgRef>
+    </p:bg>
+    <p:spTree>
+      <p:nvGrpSpPr>
+        <p:cNvPr id="1" name=""/>
+        <p:cNvGrpSpPr/>
+        <p:nvPr/>
+      </p:nvGrpSpPr>
+      <p:grpSpPr>
+        <a:xfrm>
+          <a:off x="0" y="0"/>
+          <a:ext cx="0" cy="0"/>
+          <a:chOff x="0" y="0"/>
+          <a:chExt cx="0" cy="0"/>
+        </a:xfrm>
+      </p:grpSpPr>
+      <p:sp>
+        <p:nvSpPr>
+          <p:cNvPr id="2" name="頁首版面配置區 1"/>
+          <p:cNvSpPr>
+            <a:spLocks noGrp="1"/>
+          </p:cNvSpPr>
+          <p:nvPr>
+            <p:ph type="hdr" sz="quarter"/>
+          </p:nvPr>
+        </p:nvSpPr>
+        <p:spPr>
+          <a:xfrm>
+            <a:off x="0" y="0"/>
+            <a:ext cx="2971800" cy="458788"/>
+          </a:xfrm>
+          <a:prstGeom prst="rect">
+            <a:avLst/>
+          </a:prstGeom>
+        </p:spPr>
+        <p:txBody>
+          <a:bodyPr vert="horz" lIns="91440" tIns="45720" rIns="91440" bIns="45720" rtlCol="0"/>
+          <a:lstStyle>
+            <a:lvl1pPr algn="l">
+              <a:defRPr sz="1200"/>
+            </a:lvl1pPr>
+          </a:lstStyle>
+          <a:p>
+            <a:endParaRPr lang="zh-TW" altLang="en-US"/>
+          </a:p>
+        </p:txBody>
+      </p:sp>
+      <p:sp>
+        <p:nvSpPr>
+          <p:cNvPr id="3" name="日期版面配置區 2"/>
+          <p:cNvSpPr>
+            <a:spLocks noGrp="1"/>
+          </p:cNvSpPr>
+          <p:nvPr>
+            <p:ph type="dt" idx="1"/>
+          </p:nvPr>
+        </p:nvSpPr>
+        <p:spPr>
+          <a:xfrm>
+            <a:off x="3884613" y="0"/>
+            <a:ext cx="2971800" cy="458788"/>
+          </a:xfrm>
+          <a:prstGeom prst="rect">
+            <a:avLst/>
+          </a:prstGeom>
+        </p:spPr>
+        <p:txBody>
+          <a:bodyPr vert="horz" lIns="91440" tIns="45720" rIns="91440" bIns="45720" rtlCol="0"/>
+          <a:lstStyle>
+            <a:lvl1pPr algn="r">
+              <a:defRPr sz="1200"/>
+            </a:lvl1pPr>
+          </a:lstStyle>
+          <a:p>
+            <a:fld id="{915EECDF-0C7A-4F1E-8B86-E75FE6139240}" type="datetimeFigureOut">
+              <a:rPr lang="zh-TW" altLang="en-US" smtClean="0"/>
+              <a:t>2021/1/6</a:t>
+            </a:fld>
+            <a:endParaRPr lang="zh-TW" altLang="en-US"/>
+          </a:p>
+        </p:txBody>
+      </p:sp>
+      <p:sp>
+        <p:nvSpPr>
+          <p:cNvPr id="4" name="投影片影像版面配置區 3"/>
+          <p:cNvSpPr>
+            <a:spLocks noGrp="1" noRot="1" noChangeAspect="1"/>
+          </p:cNvSpPr>
+          <p:nvPr>
+            <p:ph type="sldImg" idx="2"/>
+          </p:nvPr>
+        </p:nvSpPr>
+        <p:spPr>
+          <a:xfrm>
+            <a:off x="685800" y="1143000"/>
+            <a:ext cx="5486400" cy="3086100"/>
+          </a:xfrm>
+          <a:prstGeom prst="rect">
+            <a:avLst/>
+          </a:prstGeom>
+          <a:noFill/>
+          <a:ln w="12700">
+            <a:solidFill>
+              <a:prstClr val="black"/>
+            </a:solidFill>
+          </a:ln>
+        </p:spPr>
+        <p:txBody>
+          <a:bodyPr vert="horz" lIns="91440" tIns="45720" rIns="91440" bIns="45720" rtlCol="0" anchor="ctr"/>
+          <a:lstStyle/>
+          <a:p>
+            <a:endParaRPr lang="zh-TW" altLang="en-US"/>
+          </a:p>
+        </p:txBody>
+      </p:sp>
+      <p:sp>
+        <p:nvSpPr>
+          <p:cNvPr id="5" name="備忘稿版面配置區 4"/>
+          <p:cNvSpPr>
+            <a:spLocks noGrp="1"/>
+          </p:cNvSpPr>
+          <p:nvPr>
+            <p:ph type="body" sz="quarter" idx="3"/>
+          </p:nvPr>
+        </p:nvSpPr>
+        <p:spPr>
+          <a:xfrm>
+            <a:off x="685800" y="4400550"/>
+            <a:ext cx="5486400" cy="3600450"/>
+          </a:xfrm>
+          <a:prstGeom prst="rect">
+            <a:avLst/>
+          </a:prstGeom>
+        </p:spPr>
+        <p:txBody>
+          <a:bodyPr vert="horz" lIns="91440" tIns="45720" rIns="91440" bIns="45720" rtlCol="0"/>
+          <a:lstStyle/>
+          <a:p>
+            <a:pPr lvl="0"/>
+            <a:r>
+              <a:rPr lang="zh-TW" altLang="en-US"/>
+              <a:t>按一下以編輯母片文字樣式</a:t>
+            </a:r>
+          </a:p>
+          <a:p>
+            <a:pPr lvl="1"/>
+            <a:r>
+              <a:rPr lang="zh-TW" altLang="en-US"/>
+              <a:t>第二層</a:t>
+            </a:r>
+          </a:p>
+          <a:p>
+            <a:pPr lvl="2"/>
+            <a:r>
+              <a:rPr lang="zh-TW" altLang="en-US"/>
+              <a:t>第三層</a:t>
+            </a:r>
+          </a:p>
+          <a:p>
+            <a:pPr lvl="3"/>
+            <a:r>
+              <a:rPr lang="zh-TW" altLang="en-US"/>
+              <a:t>第四層</a:t>
+            </a:r>
+          </a:p>
+          <a:p>
+            <a:pPr lvl="4"/>
+            <a:r>
+              <a:rPr lang="zh-TW" altLang="en-US"/>
+              <a:t>第五層</a:t>
+            </a:r>
+          </a:p>
+        </p:txBody>
+      </p:sp>
+      <p:sp>
+        <p:nvSpPr>
+          <p:cNvPr id="6" name="頁尾版面配置區 5"/>
+          <p:cNvSpPr>
+            <a:spLocks noGrp="1"/>
+          </p:cNvSpPr>
+          <p:nvPr>
+            <p:ph type="ftr" sz="quarter" idx="4"/>
+          </p:nvPr>
+        </p:nvSpPr>
+        <p:spPr>
+          <a:xfrm>
+            <a:off x="0" y="8685213"/>
+            <a:ext cx="2971800" cy="458787"/>
+          </a:xfrm>
+          <a:prstGeom prst="rect">
+            <a:avLst/>
+          </a:prstGeom>
+        </p:spPr>
+        <p:txBody>
+          <a:bodyPr vert="horz" lIns="91440" tIns="45720" rIns="91440" bIns="45720" rtlCol="0" anchor="b"/>
+          <a:lstStyle>
+            <a:lvl1pPr algn="l">
+              <a:defRPr sz="1200"/>
+            </a:lvl1pPr>
+          </a:lstStyle>
+          <a:p>
+            <a:endParaRPr lang="zh-TW" altLang="en-US"/>
+          </a:p>
+        </p:txBody>
+      </p:sp>
+      <p:sp>
+        <p:nvSpPr>
+          <p:cNvPr id="7" name="投影片編號版面配置區 6"/>
+          <p:cNvSpPr>
+            <a:spLocks noGrp="1"/>
+          </p:cNvSpPr>
+          <p:nvPr>
+            <p:ph type="sldNum" sz="quarter" idx="5"/>
+          </p:nvPr>
+        </p:nvSpPr>
+        <p:spPr>
+          <a:xfrm>
+            <a:off x="3884613" y="8685213"/>
+            <a:ext cx="2971800" cy="458787"/>
+          </a:xfrm>
+          <a:prstGeom prst="rect">
+            <a:avLst/>
+          </a:prstGeom>
+        </p:spPr>
+        <p:txBody>
+          <a:bodyPr vert="horz" lIns="91440" tIns="45720" rIns="91440" bIns="45720" rtlCol="0" anchor="b"/>
+          <a:lstStyle>
+            <a:lvl1pPr algn="r">
+              <a:defRPr sz="1200"/>
+            </a:lvl1pPr>
+          </a:lstStyle>
+          <a:p>
+            <a:fld id="{123B58F8-6590-4729-89F9-7B14986C13EA}" type="slidenum">
+              <a:rPr lang="zh-TW" altLang="en-US" smtClean="0"/>
+              <a:t>‹#›</a:t>
+            </a:fld>
+            <a:endParaRPr lang="zh-TW" altLang="en-US"/>
+          </a:p>
+        </p:txBody>
+      </p:sp>
+    </p:spTree>
+    <p:extLst>
+      <p:ext uri="{BB962C8B-B14F-4D97-AF65-F5344CB8AC3E}">
+        <p14:creationId xmlns:p14="http://schemas.microsoft.com/office/powerpoint/2010/main" val="580428178"/>
+      </p:ext>
+    </p:extLst>
+  </p:cSld>
+  <p:clrMap bg1="lt1" tx1="dk1" bg2="lt2" tx2="dk2" accent1="accent1" accent2="accent2" accent3="accent3" accent4="accent4" accent5="accent5" accent6="accent6" hlink="hlink" folHlink="folHlink"/>
+  <p:notesStyle>
+    <a:lvl1pPr marL="0" algn="l" defTabSz="914400" rtl="0" eaLnBrk="1" latinLnBrk="0" hangingPunct="1">
+      <a:defRPr sz="1200" kern="1200">
+        <a:solidFill>
+          <a:schemeClr val="tx1"/>
+        </a:solidFill>
+        <a:latin typeface="+mn-lt"/>
+        <a:ea typeface="+mn-ea"/>
+        <a:cs typeface="+mn-cs"/>
+      </a:defRPr>
+    </a:lvl1pPr>
+    <a:lvl2pPr marL="457200" algn="l" defTabSz="914400" rtl="0" eaLnBrk="1" latinLnBrk="0" hangingPunct="1">
+      <a:defRPr sz="1200" kern="1200">
+        <a:solidFill>
+          <a:schemeClr val="tx1"/>
+        </a:solidFill>
+        <a:latin typeface="+mn-lt"/>
+        <a:ea typeface="+mn-ea"/>
+        <a:cs typeface="+mn-cs"/>
+      </a:defRPr>
+    </a:lvl2pPr>
+    <a:lvl3pPr marL="914400" algn="l" defTabSz="914400" rtl="0" eaLnBrk="1" latinLnBrk="0" hangingPunct="1">
+      <a:defRPr sz="1200" kern="1200">
+        <a:solidFill>
+          <a:schemeClr val="tx1"/>
+        </a:solidFill>
+        <a:latin typeface="+mn-lt"/>
+        <a:ea typeface="+mn-ea"/>
+        <a:cs typeface="+mn-cs"/>
+      </a:defRPr>
+    </a:lvl3pPr>
+    <a:lvl4pPr marL="1371600" algn="l" defTabSz="914400" rtl="0" eaLnBrk="1" latinLnBrk="0" hangingPunct="1">
+      <a:defRPr sz="1200" kern="1200">
+        <a:solidFill>
+          <a:schemeClr val="tx1"/>
+        </a:solidFill>
+        <a:latin typeface="+mn-lt"/>
+        <a:ea typeface="+mn-ea"/>
+        <a:cs typeface="+mn-cs"/>
+      </a:defRPr>
+    </a:lvl4pPr>
+    <a:lvl5pPr marL="1828800" algn="l" defTabSz="914400" rtl="0" eaLnBrk="1" latinLnBrk="0" hangingPunct="1">
+      <a:defRPr sz="1200" kern="1200">
+        <a:solidFill>
+          <a:schemeClr val="tx1"/>
+        </a:solidFill>
+        <a:latin typeface="+mn-lt"/>
+        <a:ea typeface="+mn-ea"/>
+        <a:cs typeface="+mn-cs"/>
+      </a:defRPr>
+    </a:lvl5pPr>
+    <a:lvl6pPr marL="2286000" algn="l" defTabSz="914400" rtl="0" eaLnBrk="1" latinLnBrk="0" hangingPunct="1">
+      <a:defRPr sz="1200" kern="1200">
+        <a:solidFill>
+          <a:schemeClr val="tx1"/>
+        </a:solidFill>
+        <a:latin typeface="+mn-lt"/>
+        <a:ea typeface="+mn-ea"/>
+        <a:cs typeface="+mn-cs"/>
+      </a:defRPr>
+    </a:lvl6pPr>
+    <a:lvl7pPr marL="2743200" algn="l" defTabSz="914400" rtl="0" eaLnBrk="1" latinLnBrk="0" hangingPunct="1">
+      <a:defRPr sz="1200" kern="1200">
+        <a:solidFill>
+          <a:schemeClr val="tx1"/>
+        </a:solidFill>
+        <a:latin typeface="+mn-lt"/>
+        <a:ea typeface="+mn-ea"/>
+        <a:cs typeface="+mn-cs"/>
+      </a:defRPr>
+    </a:lvl7pPr>
+    <a:lvl8pPr marL="3200400" algn="l" defTabSz="914400" rtl="0" eaLnBrk="1" latinLnBrk="0" hangingPunct="1">
+      <a:defRPr sz="1200" kern="1200">
+        <a:solidFill>
+          <a:schemeClr val="tx1"/>
+        </a:solidFill>
+        <a:latin typeface="+mn-lt"/>
+        <a:ea typeface="+mn-ea"/>
+        <a:cs typeface="+mn-cs"/>
+      </a:defRPr>
+    </a:lvl8pPr>
+    <a:lvl9pPr marL="3657600" algn="l" defTabSz="914400" rtl="0" eaLnBrk="1" latinLnBrk="0" hangingPunct="1">
+      <a:defRPr sz="1200" kern="1200">
+        <a:solidFill>
+          <a:schemeClr val="tx1"/>
+        </a:solidFill>
+        <a:latin typeface="+mn-lt"/>
+        <a:ea typeface="+mn-ea"/>
+        <a:cs typeface="+mn-cs"/>
+      </a:defRPr>
+    </a:lvl9pPr>
+  </p:notesStyle>
+</p:notesMaster>
+</file>
+
 <file path=ppt/slideLayouts/slideLayout1.xml><?xml version="1.0" encoding="utf-8"?>
-<p:sldLayout xmlns:a="http://schemas.openxmlformats.org/drawingml/2006/main" xmlns:r="http://schemas.openxmlformats.org/officeDocument/2006/relationships" xmlns:p="http://schemas.openxmlformats.org/presentationml/2006/main" showMasterSp="0" type="title" preserve="1">
+<p:sldLayout xmlns:a="http://schemas.openxmlformats.org/drawingml/2006/main" xmlns:r="http://schemas.openxmlformats.org/officeDocument/2006/relationships" xmlns:p="http://schemas.openxmlformats.org/presentationml/2006/main" preserve="1" userDrawn="1">
+  <p:cSld name="自訂版面配置">
+    <p:spTree>
+      <p:nvGrpSpPr>
+        <p:cNvPr id="1" name=""/>
+        <p:cNvGrpSpPr/>
+        <p:nvPr/>
+      </p:nvGrpSpPr>
+      <p:grpSpPr>
+        <a:xfrm>
+          <a:off x="0" y="0"/>
+          <a:ext cx="0" cy="0"/>
+          <a:chOff x="0" y="0"/>
+          <a:chExt cx="0" cy="0"/>
+        </a:xfrm>
+      </p:grpSpPr>
+      <p:sp>
+        <p:nvSpPr>
+          <p:cNvPr id="2" name="標題 1">
+            <a:extLst>
+              <a:ext uri="{FF2B5EF4-FFF2-40B4-BE49-F238E27FC236}">
+                <a16:creationId xmlns:a16="http://schemas.microsoft.com/office/drawing/2014/main" id="{95676F57-C6A0-4BB1-B2E2-E4A4889122D2}"/>
+              </a:ext>
+            </a:extLst>
+          </p:cNvPr>
+          <p:cNvSpPr>
+            <a:spLocks noGrp="1"/>
+          </p:cNvSpPr>
+          <p:nvPr>
+            <p:ph type="title" hasCustomPrompt="1"/>
+          </p:nvPr>
+        </p:nvSpPr>
+        <p:spPr>
+          <a:xfrm>
+            <a:off x="1066798" y="593253"/>
+            <a:ext cx="10088881" cy="1450757"/>
+          </a:xfrm>
+        </p:spPr>
+        <p:txBody>
+          <a:bodyPr/>
+          <a:lstStyle>
+            <a:lvl1pPr algn="ctr">
+              <a:defRPr/>
+            </a:lvl1pPr>
+          </a:lstStyle>
+          <a:p>
+            <a:r>
+              <a:rPr lang="en-US" altLang="zh-TW" dirty="0"/>
+              <a:t>Placeholder</a:t>
+            </a:r>
+            <a:endParaRPr lang="zh-TW" altLang="en-US" dirty="0"/>
+          </a:p>
+        </p:txBody>
+      </p:sp>
+      <p:sp>
+        <p:nvSpPr>
+          <p:cNvPr id="3" name="日期版面配置區 2">
+            <a:extLst>
+              <a:ext uri="{FF2B5EF4-FFF2-40B4-BE49-F238E27FC236}">
+                <a16:creationId xmlns:a16="http://schemas.microsoft.com/office/drawing/2014/main" id="{E16627C0-4FB7-488B-9954-3E9EEDCFCEE9}"/>
+              </a:ext>
+            </a:extLst>
+          </p:cNvPr>
+          <p:cNvSpPr>
+            <a:spLocks noGrp="1"/>
+          </p:cNvSpPr>
+          <p:nvPr>
+            <p:ph type="dt" sz="half" idx="10"/>
+          </p:nvPr>
+        </p:nvSpPr>
+        <p:spPr/>
+        <p:txBody>
+          <a:bodyPr/>
+          <a:lstStyle/>
+          <a:p>
+            <a:fld id="{54AD86E9-CCC2-4BC7-A55E-B00CF861B0A8}" type="datetime1">
+              <a:rPr lang="en-US" altLang="zh-TW" smtClean="0"/>
+              <a:t>1/6/2021</a:t>
+            </a:fld>
+            <a:endParaRPr lang="en-US" dirty="0"/>
+          </a:p>
+        </p:txBody>
+      </p:sp>
+      <p:sp>
+        <p:nvSpPr>
+          <p:cNvPr id="4" name="頁尾版面配置區 3">
+            <a:extLst>
+              <a:ext uri="{FF2B5EF4-FFF2-40B4-BE49-F238E27FC236}">
+                <a16:creationId xmlns:a16="http://schemas.microsoft.com/office/drawing/2014/main" id="{C0C7FB05-8157-4022-A227-E7761EC7D8B3}"/>
+              </a:ext>
+            </a:extLst>
+          </p:cNvPr>
+          <p:cNvSpPr>
+            <a:spLocks noGrp="1"/>
+          </p:cNvSpPr>
+          <p:nvPr>
+            <p:ph type="ftr" sz="quarter" idx="11"/>
+          </p:nvPr>
+        </p:nvSpPr>
+        <p:spPr/>
+        <p:txBody>
+          <a:bodyPr/>
+          <a:lstStyle/>
+          <a:p>
+            <a:endParaRPr lang="en-US" dirty="0"/>
+          </a:p>
+        </p:txBody>
+      </p:sp>
+      <p:sp>
+        <p:nvSpPr>
+          <p:cNvPr id="5" name="投影片編號版面配置區 4">
+            <a:extLst>
+              <a:ext uri="{FF2B5EF4-FFF2-40B4-BE49-F238E27FC236}">
+                <a16:creationId xmlns:a16="http://schemas.microsoft.com/office/drawing/2014/main" id="{3F0C2240-9A48-4F55-B970-19A62C8B767B}"/>
+              </a:ext>
+            </a:extLst>
+          </p:cNvPr>
+          <p:cNvSpPr>
+            <a:spLocks noGrp="1"/>
+          </p:cNvSpPr>
+          <p:nvPr>
+            <p:ph type="sldNum" sz="quarter" idx="12"/>
+          </p:nvPr>
+        </p:nvSpPr>
+        <p:spPr/>
+        <p:txBody>
+          <a:bodyPr/>
+          <a:lstStyle/>
+          <a:p>
+            <a:fld id="{3A98EE3D-8CD1-4C3F-BD1C-C98C9596463C}" type="slidenum">
+              <a:rPr lang="en-US" smtClean="0"/>
+              <a:t>‹#›</a:t>
+            </a:fld>
+            <a:endParaRPr lang="en-US" dirty="0"/>
+          </a:p>
+        </p:txBody>
+      </p:sp>
+      <p:cxnSp>
+        <p:nvCxnSpPr>
+          <p:cNvPr id="6" name="Straight Connector 9">
+            <a:extLst>
+              <a:ext uri="{FF2B5EF4-FFF2-40B4-BE49-F238E27FC236}">
+                <a16:creationId xmlns:a16="http://schemas.microsoft.com/office/drawing/2014/main" id="{08E8973F-A4BC-44BF-BD20-19FC31EDC352}"/>
+              </a:ext>
+            </a:extLst>
+          </p:cNvPr>
+          <p:cNvCxnSpPr>
+            <a:cxnSpLocks/>
+          </p:cNvCxnSpPr>
+          <p:nvPr userDrawn="1"/>
+        </p:nvCxnSpPr>
+        <p:spPr>
+          <a:xfrm>
+            <a:off x="1066799" y="1988820"/>
+            <a:ext cx="10088881" cy="0"/>
+          </a:xfrm>
+          <a:prstGeom prst="line">
+            <a:avLst/>
+          </a:prstGeom>
+          <a:ln w="12700">
+            <a:solidFill>
+              <a:schemeClr val="tx1">
+                <a:lumMod val="75000"/>
+                <a:lumOff val="25000"/>
+              </a:schemeClr>
+            </a:solidFill>
+          </a:ln>
+        </p:spPr>
+        <p:style>
+          <a:lnRef idx="1">
+            <a:schemeClr val="accent1"/>
+          </a:lnRef>
+          <a:fillRef idx="0">
+            <a:schemeClr val="accent1"/>
+          </a:fillRef>
+          <a:effectRef idx="0">
+            <a:schemeClr val="accent1"/>
+          </a:effectRef>
+          <a:fontRef idx="minor">
+            <a:schemeClr val="tx1"/>
+          </a:fontRef>
+        </p:style>
+      </p:cxnSp>
+      <p:sp>
+        <p:nvSpPr>
+          <p:cNvPr id="7" name="Text Placeholder 2">
+            <a:extLst>
+              <a:ext uri="{FF2B5EF4-FFF2-40B4-BE49-F238E27FC236}">
+                <a16:creationId xmlns:a16="http://schemas.microsoft.com/office/drawing/2014/main" id="{6F6382D0-04D2-4543-9B21-05CD4647C5B6}"/>
+              </a:ext>
+            </a:extLst>
+          </p:cNvPr>
+          <p:cNvSpPr>
+            <a:spLocks noGrp="1"/>
+          </p:cNvSpPr>
+          <p:nvPr>
+            <p:ph idx="1"/>
+          </p:nvPr>
+        </p:nvSpPr>
+        <p:spPr>
+          <a:xfrm>
+            <a:off x="1066798" y="2108201"/>
+            <a:ext cx="10088881" cy="3760891"/>
+          </a:xfrm>
+          <a:prstGeom prst="rect">
+            <a:avLst/>
+          </a:prstGeom>
+        </p:spPr>
+        <p:txBody>
+          <a:bodyPr lIns="109728" tIns="109728" rIns="109728" bIns="91440"/>
+          <a:lstStyle/>
+          <a:p>
+            <a:pPr lvl="0"/>
+            <a:r>
+              <a:rPr lang="en-US" dirty="0"/>
+              <a:t>Click to edit Master text styles</a:t>
+            </a:r>
+          </a:p>
+          <a:p>
+            <a:pPr lvl="1"/>
+            <a:r>
+              <a:rPr lang="en-US" dirty="0"/>
+              <a:t>Second level</a:t>
+            </a:r>
+          </a:p>
+          <a:p>
+            <a:pPr lvl="2"/>
+            <a:r>
+              <a:rPr lang="en-US" dirty="0"/>
+              <a:t>Third level</a:t>
+            </a:r>
+          </a:p>
+          <a:p>
+            <a:pPr lvl="3"/>
+            <a:r>
+              <a:rPr lang="en-US" dirty="0"/>
+              <a:t>Fourth level</a:t>
+            </a:r>
+          </a:p>
+          <a:p>
+            <a:pPr lvl="4"/>
+            <a:r>
+              <a:rPr lang="en-US" dirty="0"/>
+              <a:t>Fifth level</a:t>
+            </a:r>
+          </a:p>
+        </p:txBody>
+      </p:sp>
+    </p:spTree>
+    <p:extLst>
+      <p:ext uri="{BB962C8B-B14F-4D97-AF65-F5344CB8AC3E}">
+        <p14:creationId xmlns:p14="http://schemas.microsoft.com/office/powerpoint/2010/main" val="1432264405"/>
+      </p:ext>
+    </p:extLst>
+  </p:cSld>
+  <p:clrMapOvr>
+    <a:masterClrMapping/>
+  </p:clrMapOvr>
+</p:sldLayout>
+</file>
+
+<file path=ppt/slideLayouts/slideLayout10.xml><?xml version="1.0" encoding="utf-8"?>
+<p:sldLayout xmlns:a="http://schemas.openxmlformats.org/drawingml/2006/main" xmlns:r="http://schemas.openxmlformats.org/officeDocument/2006/relationships" xmlns:p="http://schemas.openxmlformats.org/presentationml/2006/main" type="picTx" preserve="1">
+  <p:cSld name="Picture with Caption">
+    <p:spTree>
+      <p:nvGrpSpPr>
+        <p:cNvPr id="1" name=""/>
+        <p:cNvGrpSpPr/>
+        <p:nvPr/>
+      </p:nvGrpSpPr>
+      <p:grpSpPr>
+        <a:xfrm>
+          <a:off x="0" y="0"/>
+          <a:ext cx="0" cy="0"/>
+          <a:chOff x="0" y="0"/>
+          <a:chExt cx="0" cy="0"/>
+        </a:xfrm>
+      </p:grpSpPr>
+      <p:sp>
+        <p:nvSpPr>
+          <p:cNvPr id="8" name="Rectangle 7">
+            <a:extLst>
+              <a:ext uri="{FF2B5EF4-FFF2-40B4-BE49-F238E27FC236}">
+                <a16:creationId xmlns:a16="http://schemas.microsoft.com/office/drawing/2014/main" id="{DA134939-39C0-4522-A125-A13DFDA66490}"/>
+              </a:ext>
+            </a:extLst>
+          </p:cNvPr>
+          <p:cNvSpPr/>
+          <p:nvPr/>
+        </p:nvSpPr>
+        <p:spPr>
+          <a:xfrm>
+            <a:off x="0" y="4578350"/>
+            <a:ext cx="12188825" cy="2279650"/>
+          </a:xfrm>
+          <a:prstGeom prst="rect">
+            <a:avLst/>
+          </a:prstGeom>
+          <a:solidFill>
+            <a:srgbClr val="262626"/>
+          </a:solidFill>
+          <a:ln>
+            <a:noFill/>
+          </a:ln>
+        </p:spPr>
+        <p:style>
+          <a:lnRef idx="2">
+            <a:schemeClr val="accent1">
+              <a:shade val="50000"/>
+            </a:schemeClr>
+          </a:lnRef>
+          <a:fillRef idx="1">
+            <a:schemeClr val="accent1"/>
+          </a:fillRef>
+          <a:effectRef idx="0">
+            <a:schemeClr val="accent1"/>
+          </a:effectRef>
+          <a:fontRef idx="minor">
+            <a:schemeClr val="lt1"/>
+          </a:fontRef>
+        </p:style>
+      </p:sp>
+      <p:sp>
+        <p:nvSpPr>
+          <p:cNvPr id="3" name="Picture Placeholder 2"/>
+          <p:cNvSpPr>
+            <a:spLocks noGrp="1" noChangeAspect="1"/>
+          </p:cNvSpPr>
+          <p:nvPr>
+            <p:ph type="pic" idx="1"/>
+          </p:nvPr>
+        </p:nvSpPr>
+        <p:spPr>
+          <a:xfrm>
+            <a:off x="15" y="0"/>
+            <a:ext cx="12191985" cy="4578350"/>
+          </a:xfrm>
+          <a:solidFill>
+            <a:schemeClr val="bg1">
+              <a:lumMod val="85000"/>
+            </a:schemeClr>
+          </a:solidFill>
+        </p:spPr>
+        <p:txBody>
+          <a:bodyPr lIns="457200" tIns="457200" anchor="t"/>
+          <a:lstStyle>
+            <a:lvl1pPr marL="0" indent="0">
+              <a:buNone/>
+              <a:defRPr sz="3200"/>
+            </a:lvl1pPr>
+            <a:lvl2pPr marL="457200" indent="0">
+              <a:buNone/>
+              <a:defRPr sz="2800"/>
+            </a:lvl2pPr>
+            <a:lvl3pPr marL="914400" indent="0">
+              <a:buNone/>
+              <a:defRPr sz="2400"/>
+            </a:lvl3pPr>
+            <a:lvl4pPr marL="1371600" indent="0">
+              <a:buNone/>
+              <a:defRPr sz="2000"/>
+            </a:lvl4pPr>
+            <a:lvl5pPr marL="1828800" indent="0">
+              <a:buNone/>
+              <a:defRPr sz="2000"/>
+            </a:lvl5pPr>
+            <a:lvl6pPr marL="2286000" indent="0">
+              <a:buNone/>
+              <a:defRPr sz="2000"/>
+            </a:lvl6pPr>
+            <a:lvl7pPr marL="2743200" indent="0">
+              <a:buNone/>
+              <a:defRPr sz="2000"/>
+            </a:lvl7pPr>
+            <a:lvl8pPr marL="3200400" indent="0">
+              <a:buNone/>
+              <a:defRPr sz="2000"/>
+            </a:lvl8pPr>
+            <a:lvl9pPr marL="3657600" indent="0">
+              <a:buNone/>
+              <a:defRPr sz="2000"/>
+            </a:lvl9pPr>
+          </a:lstStyle>
+          <a:p>
+            <a:r>
+              <a:rPr lang="en-US"/>
+              <a:t>Click icon to add picture</a:t>
+            </a:r>
+            <a:endParaRPr lang="en-US" dirty="0"/>
+          </a:p>
+        </p:txBody>
+      </p:sp>
+      <p:sp>
+        <p:nvSpPr>
+          <p:cNvPr id="2" name="Title 1"/>
+          <p:cNvSpPr>
+            <a:spLocks noGrp="1"/>
+          </p:cNvSpPr>
+          <p:nvPr>
+            <p:ph type="title"/>
+          </p:nvPr>
+        </p:nvSpPr>
+        <p:spPr>
+          <a:xfrm>
+            <a:off x="1097279" y="4799362"/>
+            <a:ext cx="10113645" cy="743682"/>
+          </a:xfrm>
+        </p:spPr>
+        <p:txBody>
+          <a:bodyPr tIns="0" bIns="0" anchor="b">
+            <a:noAutofit/>
+          </a:bodyPr>
+          <a:lstStyle>
+            <a:lvl1pPr>
+              <a:defRPr sz="3600" b="0">
+                <a:solidFill>
+                  <a:srgbClr val="FFFFFF"/>
+                </a:solidFill>
+              </a:defRPr>
+            </a:lvl1pPr>
+          </a:lstStyle>
+          <a:p>
+            <a:r>
+              <a:rPr lang="en-US"/>
+              <a:t>Click to edit Master title style</a:t>
+            </a:r>
+            <a:endParaRPr lang="en-US" dirty="0"/>
+          </a:p>
+        </p:txBody>
+      </p:sp>
+      <p:sp>
+        <p:nvSpPr>
+          <p:cNvPr id="4" name="Text Placeholder 3"/>
+          <p:cNvSpPr>
+            <a:spLocks noGrp="1"/>
+          </p:cNvSpPr>
+          <p:nvPr>
+            <p:ph type="body" sz="half" idx="2"/>
+          </p:nvPr>
+        </p:nvSpPr>
+        <p:spPr>
+          <a:xfrm>
+            <a:off x="1097279" y="5715000"/>
+            <a:ext cx="10113264" cy="609600"/>
+          </a:xfrm>
+        </p:spPr>
+        <p:txBody>
+          <a:bodyPr lIns="91440" tIns="0" rIns="91440" bIns="0">
+            <a:normAutofit/>
+          </a:bodyPr>
+          <a:lstStyle>
+            <a:lvl1pPr marL="0" indent="0">
+              <a:spcBef>
+                <a:spcPts val="0"/>
+              </a:spcBef>
+              <a:spcAft>
+                <a:spcPts val="600"/>
+              </a:spcAft>
+              <a:buNone/>
+              <a:defRPr sz="1800">
+                <a:solidFill>
+                  <a:srgbClr val="FFFFFF"/>
+                </a:solidFill>
+              </a:defRPr>
+            </a:lvl1pPr>
+            <a:lvl2pPr marL="457200" indent="0">
+              <a:buNone/>
+              <a:defRPr sz="1200"/>
+            </a:lvl2pPr>
+            <a:lvl3pPr marL="914400" indent="0">
+              <a:buNone/>
+              <a:defRPr sz="1000"/>
+            </a:lvl3pPr>
+            <a:lvl4pPr marL="1371600" indent="0">
+              <a:buNone/>
+              <a:defRPr sz="900"/>
+            </a:lvl4pPr>
+            <a:lvl5pPr marL="1828800" indent="0">
+              <a:buNone/>
+              <a:defRPr sz="900"/>
+            </a:lvl5pPr>
+            <a:lvl6pPr marL="2286000" indent="0">
+              <a:buNone/>
+              <a:defRPr sz="900"/>
+            </a:lvl6pPr>
+            <a:lvl7pPr marL="2743200" indent="0">
+              <a:buNone/>
+              <a:defRPr sz="900"/>
+            </a:lvl7pPr>
+            <a:lvl8pPr marL="3200400" indent="0">
+              <a:buNone/>
+              <a:defRPr sz="900"/>
+            </a:lvl8pPr>
+            <a:lvl9pPr marL="3657600" indent="0">
+              <a:buNone/>
+              <a:defRPr sz="900"/>
+            </a:lvl9pPr>
+          </a:lstStyle>
+          <a:p>
+            <a:pPr lvl="0"/>
+            <a:r>
+              <a:rPr lang="en-US"/>
+              <a:t>Click to edit Master text styles</a:t>
+            </a:r>
+          </a:p>
+        </p:txBody>
+      </p:sp>
+      <p:sp>
+        <p:nvSpPr>
+          <p:cNvPr id="5" name="Date Placeholder 4"/>
+          <p:cNvSpPr>
+            <a:spLocks noGrp="1"/>
+          </p:cNvSpPr>
+          <p:nvPr>
+            <p:ph type="dt" sz="half" idx="10"/>
+          </p:nvPr>
+        </p:nvSpPr>
+        <p:spPr/>
+        <p:txBody>
+          <a:bodyPr/>
+          <a:lstStyle>
+            <a:lvl1pPr>
+              <a:defRPr/>
+            </a:lvl1pPr>
+          </a:lstStyle>
+          <a:p>
+            <a:fld id="{A83D1EAE-5330-46D7-BC68-59FB9F62F5E4}" type="datetime1">
+              <a:rPr lang="en-US" altLang="zh-TW" smtClean="0"/>
+              <a:t>1/6/2021</a:t>
+            </a:fld>
+            <a:endParaRPr lang="en-US" dirty="0"/>
+          </a:p>
+        </p:txBody>
+      </p:sp>
+      <p:sp>
+        <p:nvSpPr>
+          <p:cNvPr id="6" name="Footer Placeholder 5"/>
+          <p:cNvSpPr>
+            <a:spLocks noGrp="1"/>
+          </p:cNvSpPr>
+          <p:nvPr>
+            <p:ph type="ftr" sz="quarter" idx="11"/>
+          </p:nvPr>
+        </p:nvSpPr>
+        <p:spPr>
+          <a:xfrm>
+            <a:off x="1097279" y="6446838"/>
+            <a:ext cx="6818262" cy="365125"/>
+          </a:xfrm>
+        </p:spPr>
+        <p:txBody>
+          <a:bodyPr/>
+          <a:lstStyle/>
+          <a:p>
+            <a:pPr algn="l"/>
+            <a:endParaRPr lang="en-US" dirty="0"/>
+          </a:p>
+        </p:txBody>
+      </p:sp>
+      <p:sp>
+        <p:nvSpPr>
+          <p:cNvPr id="7" name="Slide Number Placeholder 6"/>
+          <p:cNvSpPr>
+            <a:spLocks noGrp="1"/>
+          </p:cNvSpPr>
+          <p:nvPr>
+            <p:ph type="sldNum" sz="quarter" idx="12"/>
+          </p:nvPr>
+        </p:nvSpPr>
+        <p:spPr/>
+        <p:txBody>
+          <a:bodyPr/>
+          <a:lstStyle/>
+          <a:p>
+            <a:fld id="{3A98EE3D-8CD1-4C3F-BD1C-C98C9596463C}" type="slidenum">
+              <a:rPr lang="en-US" smtClean="0"/>
+              <a:t>‹#›</a:t>
+            </a:fld>
+            <a:endParaRPr lang="en-US" dirty="0"/>
+          </a:p>
+        </p:txBody>
+      </p:sp>
+    </p:spTree>
+    <p:extLst>
+      <p:ext uri="{BB962C8B-B14F-4D97-AF65-F5344CB8AC3E}">
+        <p14:creationId xmlns:p14="http://schemas.microsoft.com/office/powerpoint/2010/main" val="1437588400"/>
+      </p:ext>
+    </p:extLst>
+  </p:cSld>
+  <p:clrMapOvr>
+    <a:masterClrMapping/>
+  </p:clrMapOvr>
+</p:sldLayout>
+</file>
+
+<file path=ppt/slideLayouts/slideLayout11.xml><?xml version="1.0" encoding="utf-8"?>
+<p:sldLayout xmlns:a="http://schemas.openxmlformats.org/drawingml/2006/main" xmlns:r="http://schemas.openxmlformats.org/officeDocument/2006/relationships" xmlns:p="http://schemas.openxmlformats.org/presentationml/2006/main" type="vertTx" preserve="1">
+  <p:cSld name="Title and Vertical Text">
+    <p:spTree>
+      <p:nvGrpSpPr>
+        <p:cNvPr id="1" name=""/>
+        <p:cNvGrpSpPr/>
+        <p:nvPr/>
+      </p:nvGrpSpPr>
+      <p:grpSpPr>
+        <a:xfrm>
+          <a:off x="0" y="0"/>
+          <a:ext cx="0" cy="0"/>
+          <a:chOff x="0" y="0"/>
+          <a:chExt cx="0" cy="0"/>
+        </a:xfrm>
+      </p:grpSpPr>
+      <p:sp>
+        <p:nvSpPr>
+          <p:cNvPr id="2" name="Title 1"/>
+          <p:cNvSpPr>
+            <a:spLocks noGrp="1"/>
+          </p:cNvSpPr>
+          <p:nvPr>
+            <p:ph type="title"/>
+          </p:nvPr>
+        </p:nvSpPr>
+        <p:spPr/>
+        <p:txBody>
+          <a:bodyPr/>
+          <a:lstStyle/>
+          <a:p>
+            <a:r>
+              <a:rPr lang="en-US"/>
+              <a:t>Click to edit Master title style</a:t>
+            </a:r>
+            <a:endParaRPr lang="en-US" dirty="0"/>
+          </a:p>
+        </p:txBody>
+      </p:sp>
+      <p:sp>
+        <p:nvSpPr>
+          <p:cNvPr id="3" name="Vertical Text Placeholder 2"/>
+          <p:cNvSpPr>
+            <a:spLocks noGrp="1"/>
+          </p:cNvSpPr>
+          <p:nvPr>
+            <p:ph type="body" orient="vert" idx="1"/>
+          </p:nvPr>
+        </p:nvSpPr>
+        <p:spPr/>
+        <p:txBody>
+          <a:bodyPr vert="eaVert" lIns="45720" tIns="0" rIns="45720" bIns="0"/>
+          <a:lstStyle/>
+          <a:p>
+            <a:pPr lvl="0"/>
+            <a:r>
+              <a:rPr lang="en-US"/>
+              <a:t>Click to edit Master text styles</a:t>
+            </a:r>
+          </a:p>
+          <a:p>
+            <a:pPr lvl="1"/>
+            <a:r>
+              <a:rPr lang="en-US"/>
+              <a:t>Second level</a:t>
+            </a:r>
+          </a:p>
+          <a:p>
+            <a:pPr lvl="2"/>
+            <a:r>
+              <a:rPr lang="en-US"/>
+              <a:t>Third level</a:t>
+            </a:r>
+          </a:p>
+          <a:p>
+            <a:pPr lvl="3"/>
+            <a:r>
+              <a:rPr lang="en-US"/>
+              <a:t>Fourth level</a:t>
+            </a:r>
+          </a:p>
+          <a:p>
+            <a:pPr lvl="4"/>
+            <a:r>
+              <a:rPr lang="en-US"/>
+              <a:t>Fifth level</a:t>
+            </a:r>
+            <a:endParaRPr lang="en-US" dirty="0"/>
+          </a:p>
+        </p:txBody>
+      </p:sp>
+      <p:sp>
+        <p:nvSpPr>
+          <p:cNvPr id="7" name="Date Placeholder 6">
+            <a:extLst>
+              <a:ext uri="{FF2B5EF4-FFF2-40B4-BE49-F238E27FC236}">
+                <a16:creationId xmlns:a16="http://schemas.microsoft.com/office/drawing/2014/main" id="{7D5506EE-1026-4F35-9ACC-BD05BE0F9B36}"/>
+              </a:ext>
+            </a:extLst>
+          </p:cNvPr>
+          <p:cNvSpPr>
+            <a:spLocks noGrp="1"/>
+          </p:cNvSpPr>
+          <p:nvPr>
+            <p:ph type="dt" sz="half" idx="10"/>
+          </p:nvPr>
+        </p:nvSpPr>
+        <p:spPr/>
+        <p:txBody>
+          <a:bodyPr/>
+          <a:lstStyle/>
+          <a:p>
+            <a:fld id="{F3A6F6D9-F122-4264-BDEF-65F83AD3AB90}" type="datetime1">
+              <a:rPr lang="en-US" altLang="zh-TW" smtClean="0"/>
+              <a:t>1/6/2021</a:t>
+            </a:fld>
+            <a:endParaRPr lang="en-US" dirty="0"/>
+          </a:p>
+        </p:txBody>
+      </p:sp>
+      <p:sp>
+        <p:nvSpPr>
+          <p:cNvPr id="8" name="Footer Placeholder 7">
+            <a:extLst>
+              <a:ext uri="{FF2B5EF4-FFF2-40B4-BE49-F238E27FC236}">
+                <a16:creationId xmlns:a16="http://schemas.microsoft.com/office/drawing/2014/main" id="{B7696E5F-8D95-4450-AE52-5438E6EDE2BF}"/>
+              </a:ext>
+            </a:extLst>
+          </p:cNvPr>
+          <p:cNvSpPr>
+            <a:spLocks noGrp="1"/>
+          </p:cNvSpPr>
+          <p:nvPr>
+            <p:ph type="ftr" sz="quarter" idx="11"/>
+          </p:nvPr>
+        </p:nvSpPr>
+        <p:spPr/>
+        <p:txBody>
+          <a:bodyPr/>
+          <a:lstStyle/>
+          <a:p>
+            <a:endParaRPr lang="en-US" dirty="0"/>
+          </a:p>
+        </p:txBody>
+      </p:sp>
+      <p:sp>
+        <p:nvSpPr>
+          <p:cNvPr id="9" name="Slide Number Placeholder 8">
+            <a:extLst>
+              <a:ext uri="{FF2B5EF4-FFF2-40B4-BE49-F238E27FC236}">
+                <a16:creationId xmlns:a16="http://schemas.microsoft.com/office/drawing/2014/main" id="{999B2253-74CC-409E-BEB0-F8EFCFCB5629}"/>
+              </a:ext>
+            </a:extLst>
+          </p:cNvPr>
+          <p:cNvSpPr>
+            <a:spLocks noGrp="1"/>
+          </p:cNvSpPr>
+          <p:nvPr>
+            <p:ph type="sldNum" sz="quarter" idx="12"/>
+          </p:nvPr>
+        </p:nvSpPr>
+        <p:spPr/>
+        <p:txBody>
+          <a:bodyPr/>
+          <a:lstStyle/>
+          <a:p>
+            <a:fld id="{3A98EE3D-8CD1-4C3F-BD1C-C98C9596463C}" type="slidenum">
+              <a:rPr lang="en-US" smtClean="0"/>
+              <a:t>‹#›</a:t>
+            </a:fld>
+            <a:endParaRPr lang="en-US" dirty="0"/>
+          </a:p>
+        </p:txBody>
+      </p:sp>
+    </p:spTree>
+    <p:extLst>
+      <p:ext uri="{BB962C8B-B14F-4D97-AF65-F5344CB8AC3E}">
+        <p14:creationId xmlns:p14="http://schemas.microsoft.com/office/powerpoint/2010/main" val="3785037868"/>
+      </p:ext>
+    </p:extLst>
+  </p:cSld>
+  <p:clrMapOvr>
+    <a:masterClrMapping/>
+  </p:clrMapOvr>
+</p:sldLayout>
+</file>
+
+<file path=ppt/slideLayouts/slideLayout12.xml><?xml version="1.0" encoding="utf-8"?>
+<p:sldLayout xmlns:a="http://schemas.openxmlformats.org/drawingml/2006/main" xmlns:r="http://schemas.openxmlformats.org/officeDocument/2006/relationships" xmlns:p="http://schemas.openxmlformats.org/presentationml/2006/main" type="vertTitleAndTx" preserve="1">
+  <p:cSld name="Vertical Title and Text">
+    <p:spTree>
+      <p:nvGrpSpPr>
+        <p:cNvPr id="1" name=""/>
+        <p:cNvGrpSpPr/>
+        <p:nvPr/>
+      </p:nvGrpSpPr>
+      <p:grpSpPr>
+        <a:xfrm>
+          <a:off x="0" y="0"/>
+          <a:ext cx="0" cy="0"/>
+          <a:chOff x="0" y="0"/>
+          <a:chExt cx="0" cy="0"/>
+        </a:xfrm>
+      </p:grpSpPr>
+      <p:sp>
+        <p:nvSpPr>
+          <p:cNvPr id="9" name="Rectangle 8">
+            <a:extLst>
+              <a:ext uri="{FF2B5EF4-FFF2-40B4-BE49-F238E27FC236}">
+                <a16:creationId xmlns:a16="http://schemas.microsoft.com/office/drawing/2014/main" id="{E1B68A5B-D9FA-424B-A4EB-30E7223836B3}"/>
+              </a:ext>
+            </a:extLst>
+          </p:cNvPr>
+          <p:cNvSpPr/>
+          <p:nvPr/>
+        </p:nvSpPr>
+        <p:spPr>
+          <a:xfrm>
+            <a:off x="3175" y="6400800"/>
+            <a:ext cx="12188825" cy="457200"/>
+          </a:xfrm>
+          <a:prstGeom prst="rect">
+            <a:avLst/>
+          </a:prstGeom>
+          <a:solidFill>
+            <a:srgbClr val="262626"/>
+          </a:solidFill>
+          <a:ln>
+            <a:noFill/>
+          </a:ln>
+        </p:spPr>
+        <p:style>
+          <a:lnRef idx="2">
+            <a:schemeClr val="accent1">
+              <a:shade val="50000"/>
+            </a:schemeClr>
+          </a:lnRef>
+          <a:fillRef idx="1">
+            <a:schemeClr val="accent1"/>
+          </a:fillRef>
+          <a:effectRef idx="0">
+            <a:schemeClr val="accent1"/>
+          </a:effectRef>
+          <a:fontRef idx="minor">
+            <a:schemeClr val="lt1"/>
+          </a:fontRef>
+        </p:style>
+      </p:sp>
+      <p:sp>
+        <p:nvSpPr>
+          <p:cNvPr id="2" name="Vertical Title 1"/>
+          <p:cNvSpPr>
+            <a:spLocks noGrp="1"/>
+          </p:cNvSpPr>
+          <p:nvPr>
+            <p:ph type="title" orient="vert"/>
+          </p:nvPr>
+        </p:nvSpPr>
+        <p:spPr>
+          <a:xfrm>
+            <a:off x="8724900" y="412302"/>
+            <a:ext cx="2628900" cy="5759898"/>
+          </a:xfrm>
+        </p:spPr>
+        <p:txBody>
+          <a:bodyPr vert="eaVert"/>
+          <a:lstStyle/>
+          <a:p>
+            <a:r>
+              <a:rPr lang="en-US"/>
+              <a:t>Click to edit Master title style</a:t>
+            </a:r>
+            <a:endParaRPr lang="en-US" dirty="0"/>
+          </a:p>
+        </p:txBody>
+      </p:sp>
+      <p:sp>
+        <p:nvSpPr>
+          <p:cNvPr id="3" name="Vertical Text Placeholder 2"/>
+          <p:cNvSpPr>
+            <a:spLocks noGrp="1"/>
+          </p:cNvSpPr>
+          <p:nvPr>
+            <p:ph type="body" orient="vert" idx="1"/>
+          </p:nvPr>
+        </p:nvSpPr>
+        <p:spPr>
+          <a:xfrm>
+            <a:off x="838200" y="412302"/>
+            <a:ext cx="7734300" cy="5759898"/>
+          </a:xfrm>
+        </p:spPr>
+        <p:txBody>
+          <a:bodyPr vert="eaVert" lIns="45720" tIns="0" rIns="45720" bIns="0"/>
+          <a:lstStyle/>
+          <a:p>
+            <a:pPr lvl="0"/>
+            <a:r>
+              <a:rPr lang="en-US"/>
+              <a:t>Click to edit Master text styles</a:t>
+            </a:r>
+          </a:p>
+          <a:p>
+            <a:pPr lvl="1"/>
+            <a:r>
+              <a:rPr lang="en-US"/>
+              <a:t>Second level</a:t>
+            </a:r>
+          </a:p>
+          <a:p>
+            <a:pPr lvl="2"/>
+            <a:r>
+              <a:rPr lang="en-US"/>
+              <a:t>Third level</a:t>
+            </a:r>
+          </a:p>
+          <a:p>
+            <a:pPr lvl="3"/>
+            <a:r>
+              <a:rPr lang="en-US"/>
+              <a:t>Fourth level</a:t>
+            </a:r>
+          </a:p>
+          <a:p>
+            <a:pPr lvl="4"/>
+            <a:r>
+              <a:rPr lang="en-US"/>
+              <a:t>Fifth level</a:t>
+            </a:r>
+            <a:endParaRPr lang="en-US" dirty="0"/>
+          </a:p>
+        </p:txBody>
+      </p:sp>
+      <p:sp>
+        <p:nvSpPr>
+          <p:cNvPr id="7" name="Date Placeholder 6">
+            <a:extLst>
+              <a:ext uri="{FF2B5EF4-FFF2-40B4-BE49-F238E27FC236}">
+                <a16:creationId xmlns:a16="http://schemas.microsoft.com/office/drawing/2014/main" id="{AF33D6B0-F070-45C4-A472-19F432BE3932}"/>
+              </a:ext>
+            </a:extLst>
+          </p:cNvPr>
+          <p:cNvSpPr>
+            <a:spLocks noGrp="1"/>
+          </p:cNvSpPr>
+          <p:nvPr>
+            <p:ph type="dt" sz="half" idx="10"/>
+          </p:nvPr>
+        </p:nvSpPr>
+        <p:spPr/>
+        <p:txBody>
+          <a:bodyPr/>
+          <a:lstStyle/>
+          <a:p>
+            <a:fld id="{34B27DB8-40F9-41CB-A568-81384A94E031}" type="datetime1">
+              <a:rPr lang="en-US" altLang="zh-TW" smtClean="0"/>
+              <a:t>1/6/2021</a:t>
+            </a:fld>
+            <a:endParaRPr lang="en-US" dirty="0"/>
+          </a:p>
+        </p:txBody>
+      </p:sp>
+      <p:sp>
+        <p:nvSpPr>
+          <p:cNvPr id="8" name="Footer Placeholder 7">
+            <a:extLst>
+              <a:ext uri="{FF2B5EF4-FFF2-40B4-BE49-F238E27FC236}">
+                <a16:creationId xmlns:a16="http://schemas.microsoft.com/office/drawing/2014/main" id="{9975399F-DAB2-410D-967F-ED17E6F796E7}"/>
+              </a:ext>
+            </a:extLst>
+          </p:cNvPr>
+          <p:cNvSpPr>
+            <a:spLocks noGrp="1"/>
+          </p:cNvSpPr>
+          <p:nvPr>
+            <p:ph type="ftr" sz="quarter" idx="11"/>
+          </p:nvPr>
+        </p:nvSpPr>
+        <p:spPr/>
+        <p:txBody>
+          <a:bodyPr/>
+          <a:lstStyle/>
+          <a:p>
+            <a:endParaRPr lang="en-US" dirty="0"/>
+          </a:p>
+        </p:txBody>
+      </p:sp>
+      <p:sp>
+        <p:nvSpPr>
+          <p:cNvPr id="10" name="Slide Number Placeholder 9">
+            <a:extLst>
+              <a:ext uri="{FF2B5EF4-FFF2-40B4-BE49-F238E27FC236}">
+                <a16:creationId xmlns:a16="http://schemas.microsoft.com/office/drawing/2014/main" id="{F762A46F-6BE5-4D12-9412-5CA7672EA8EC}"/>
+              </a:ext>
+            </a:extLst>
+          </p:cNvPr>
+          <p:cNvSpPr>
+            <a:spLocks noGrp="1"/>
+          </p:cNvSpPr>
+          <p:nvPr>
+            <p:ph type="sldNum" sz="quarter" idx="12"/>
+          </p:nvPr>
+        </p:nvSpPr>
+        <p:spPr/>
+        <p:txBody>
+          <a:bodyPr/>
+          <a:lstStyle/>
+          <a:p>
+            <a:fld id="{3A98EE3D-8CD1-4C3F-BD1C-C98C9596463C}" type="slidenum">
+              <a:rPr lang="en-US" smtClean="0"/>
+              <a:t>‹#›</a:t>
+            </a:fld>
+            <a:endParaRPr lang="en-US" dirty="0"/>
+          </a:p>
+        </p:txBody>
+      </p:sp>
+    </p:spTree>
+    <p:extLst>
+      <p:ext uri="{BB962C8B-B14F-4D97-AF65-F5344CB8AC3E}">
+        <p14:creationId xmlns:p14="http://schemas.microsoft.com/office/powerpoint/2010/main" val="549327768"/>
+      </p:ext>
+    </p:extLst>
+  </p:cSld>
+  <p:clrMapOvr>
+    <a:masterClrMapping/>
+  </p:clrMapOvr>
+</p:sldLayout>
+</file>
+
+<file path=ppt/slideLayouts/slideLayout2.xml><?xml version="1.0" encoding="utf-8"?>
+<p:sldLayout xmlns:a="http://schemas.openxmlformats.org/drawingml/2006/main" xmlns:r="http://schemas.openxmlformats.org/officeDocument/2006/relationships" xmlns:p="http://schemas.openxmlformats.org/presentationml/2006/main" type="title" preserve="1">
   <p:cSld name="Title Slide">
     <p:spTree>
       <p:nvGrpSpPr>
@@ -367,9 +1969,9 @@
           <a:bodyPr/>
           <a:lstStyle/>
           <a:p>
-            <a:fld id="{9184DA70-C731-4C70-880D-CCD4705E623C}" type="datetime1">
-              <a:rPr lang="en-US" smtClean="0"/>
-              <a:t>1/5/2021</a:t>
+            <a:fld id="{157B1CF5-F4EB-474E-9305-4C8B97777649}" type="datetime1">
+              <a:rPr lang="en-US" altLang="zh-TW" smtClean="0"/>
+              <a:t>1/6/2021</a:t>
             </a:fld>
             <a:endParaRPr lang="en-US" dirty="0"/>
           </a:p>
@@ -442,437 +2044,7 @@
 </p:sldLayout>
 </file>
 
-<file path=ppt/slideLayouts/slideLayout10.xml><?xml version="1.0" encoding="utf-8"?>
-<p:sldLayout xmlns:a="http://schemas.openxmlformats.org/drawingml/2006/main" xmlns:r="http://schemas.openxmlformats.org/officeDocument/2006/relationships" xmlns:p="http://schemas.openxmlformats.org/presentationml/2006/main" type="vertTx" preserve="1">
-  <p:cSld name="Title and Vertical Text">
-    <p:spTree>
-      <p:nvGrpSpPr>
-        <p:cNvPr id="1" name=""/>
-        <p:cNvGrpSpPr/>
-        <p:nvPr/>
-      </p:nvGrpSpPr>
-      <p:grpSpPr>
-        <a:xfrm>
-          <a:off x="0" y="0"/>
-          <a:ext cx="0" cy="0"/>
-          <a:chOff x="0" y="0"/>
-          <a:chExt cx="0" cy="0"/>
-        </a:xfrm>
-      </p:grpSpPr>
-      <p:sp>
-        <p:nvSpPr>
-          <p:cNvPr id="2" name="Title 1"/>
-          <p:cNvSpPr>
-            <a:spLocks noGrp="1"/>
-          </p:cNvSpPr>
-          <p:nvPr>
-            <p:ph type="title"/>
-          </p:nvPr>
-        </p:nvSpPr>
-        <p:spPr/>
-        <p:txBody>
-          <a:bodyPr/>
-          <a:lstStyle/>
-          <a:p>
-            <a:r>
-              <a:rPr lang="en-US"/>
-              <a:t>Click to edit Master title style</a:t>
-            </a:r>
-            <a:endParaRPr lang="en-US" dirty="0"/>
-          </a:p>
-        </p:txBody>
-      </p:sp>
-      <p:sp>
-        <p:nvSpPr>
-          <p:cNvPr id="3" name="Vertical Text Placeholder 2"/>
-          <p:cNvSpPr>
-            <a:spLocks noGrp="1"/>
-          </p:cNvSpPr>
-          <p:nvPr>
-            <p:ph type="body" orient="vert" idx="1"/>
-          </p:nvPr>
-        </p:nvSpPr>
-        <p:spPr/>
-        <p:txBody>
-          <a:bodyPr vert="eaVert" lIns="45720" tIns="0" rIns="45720" bIns="0"/>
-          <a:lstStyle/>
-          <a:p>
-            <a:pPr lvl="0"/>
-            <a:r>
-              <a:rPr lang="en-US"/>
-              <a:t>Click to edit Master text styles</a:t>
-            </a:r>
-          </a:p>
-          <a:p>
-            <a:pPr lvl="1"/>
-            <a:r>
-              <a:rPr lang="en-US"/>
-              <a:t>Second level</a:t>
-            </a:r>
-          </a:p>
-          <a:p>
-            <a:pPr lvl="2"/>
-            <a:r>
-              <a:rPr lang="en-US"/>
-              <a:t>Third level</a:t>
-            </a:r>
-          </a:p>
-          <a:p>
-            <a:pPr lvl="3"/>
-            <a:r>
-              <a:rPr lang="en-US"/>
-              <a:t>Fourth level</a:t>
-            </a:r>
-          </a:p>
-          <a:p>
-            <a:pPr lvl="4"/>
-            <a:r>
-              <a:rPr lang="en-US"/>
-              <a:t>Fifth level</a:t>
-            </a:r>
-            <a:endParaRPr lang="en-US" dirty="0"/>
-          </a:p>
-        </p:txBody>
-      </p:sp>
-      <p:sp>
-        <p:nvSpPr>
-          <p:cNvPr id="7" name="Date Placeholder 6">
-            <a:extLst>
-              <a:ext uri="{FF2B5EF4-FFF2-40B4-BE49-F238E27FC236}">
-                <a16:creationId xmlns:a16="http://schemas.microsoft.com/office/drawing/2014/main" id="{7D5506EE-1026-4F35-9ACC-BD05BE0F9B36}"/>
-              </a:ext>
-            </a:extLst>
-          </p:cNvPr>
-          <p:cNvSpPr>
-            <a:spLocks noGrp="1"/>
-          </p:cNvSpPr>
-          <p:nvPr>
-            <p:ph type="dt" sz="half" idx="10"/>
-          </p:nvPr>
-        </p:nvSpPr>
-        <p:spPr/>
-        <p:txBody>
-          <a:bodyPr/>
-          <a:lstStyle/>
-          <a:p>
-            <a:fld id="{B612A279-0833-481D-8C56-F67FD0AC6C50}" type="datetime1">
-              <a:rPr lang="en-US" smtClean="0"/>
-              <a:t>1/5/2021</a:t>
-            </a:fld>
-            <a:endParaRPr lang="en-US" dirty="0"/>
-          </a:p>
-        </p:txBody>
-      </p:sp>
-      <p:sp>
-        <p:nvSpPr>
-          <p:cNvPr id="8" name="Footer Placeholder 7">
-            <a:extLst>
-              <a:ext uri="{FF2B5EF4-FFF2-40B4-BE49-F238E27FC236}">
-                <a16:creationId xmlns:a16="http://schemas.microsoft.com/office/drawing/2014/main" id="{B7696E5F-8D95-4450-AE52-5438E6EDE2BF}"/>
-              </a:ext>
-            </a:extLst>
-          </p:cNvPr>
-          <p:cNvSpPr>
-            <a:spLocks noGrp="1"/>
-          </p:cNvSpPr>
-          <p:nvPr>
-            <p:ph type="ftr" sz="quarter" idx="11"/>
-          </p:nvPr>
-        </p:nvSpPr>
-        <p:spPr/>
-        <p:txBody>
-          <a:bodyPr/>
-          <a:lstStyle/>
-          <a:p>
-            <a:endParaRPr lang="en-US" dirty="0"/>
-          </a:p>
-        </p:txBody>
-      </p:sp>
-      <p:sp>
-        <p:nvSpPr>
-          <p:cNvPr id="9" name="Slide Number Placeholder 8">
-            <a:extLst>
-              <a:ext uri="{FF2B5EF4-FFF2-40B4-BE49-F238E27FC236}">
-                <a16:creationId xmlns:a16="http://schemas.microsoft.com/office/drawing/2014/main" id="{999B2253-74CC-409E-BEB0-F8EFCFCB5629}"/>
-              </a:ext>
-            </a:extLst>
-          </p:cNvPr>
-          <p:cNvSpPr>
-            <a:spLocks noGrp="1"/>
-          </p:cNvSpPr>
-          <p:nvPr>
-            <p:ph type="sldNum" sz="quarter" idx="12"/>
-          </p:nvPr>
-        </p:nvSpPr>
-        <p:spPr/>
-        <p:txBody>
-          <a:bodyPr/>
-          <a:lstStyle/>
-          <a:p>
-            <a:fld id="{3A98EE3D-8CD1-4C3F-BD1C-C98C9596463C}" type="slidenum">
-              <a:rPr lang="en-US" smtClean="0"/>
-              <a:t>‹#›</a:t>
-            </a:fld>
-            <a:endParaRPr lang="en-US" dirty="0"/>
-          </a:p>
-        </p:txBody>
-      </p:sp>
-    </p:spTree>
-    <p:extLst>
-      <p:ext uri="{BB962C8B-B14F-4D97-AF65-F5344CB8AC3E}">
-        <p14:creationId xmlns:p14="http://schemas.microsoft.com/office/powerpoint/2010/main" val="3785037868"/>
-      </p:ext>
-    </p:extLst>
-  </p:cSld>
-  <p:clrMapOvr>
-    <a:masterClrMapping/>
-  </p:clrMapOvr>
-</p:sldLayout>
-</file>
-
-<file path=ppt/slideLayouts/slideLayout11.xml><?xml version="1.0" encoding="utf-8"?>
-<p:sldLayout xmlns:a="http://schemas.openxmlformats.org/drawingml/2006/main" xmlns:r="http://schemas.openxmlformats.org/officeDocument/2006/relationships" xmlns:p="http://schemas.openxmlformats.org/presentationml/2006/main" showMasterSp="0" type="vertTitleAndTx" preserve="1">
-  <p:cSld name="Vertical Title and Text">
-    <p:spTree>
-      <p:nvGrpSpPr>
-        <p:cNvPr id="1" name=""/>
-        <p:cNvGrpSpPr/>
-        <p:nvPr/>
-      </p:nvGrpSpPr>
-      <p:grpSpPr>
-        <a:xfrm>
-          <a:off x="0" y="0"/>
-          <a:ext cx="0" cy="0"/>
-          <a:chOff x="0" y="0"/>
-          <a:chExt cx="0" cy="0"/>
-        </a:xfrm>
-      </p:grpSpPr>
-      <p:sp>
-        <p:nvSpPr>
-          <p:cNvPr id="9" name="Rectangle 8">
-            <a:extLst>
-              <a:ext uri="{FF2B5EF4-FFF2-40B4-BE49-F238E27FC236}">
-                <a16:creationId xmlns:a16="http://schemas.microsoft.com/office/drawing/2014/main" id="{E1B68A5B-D9FA-424B-A4EB-30E7223836B3}"/>
-              </a:ext>
-            </a:extLst>
-          </p:cNvPr>
-          <p:cNvSpPr/>
-          <p:nvPr/>
-        </p:nvSpPr>
-        <p:spPr>
-          <a:xfrm>
-            <a:off x="3175" y="6400800"/>
-            <a:ext cx="12188825" cy="457200"/>
-          </a:xfrm>
-          <a:prstGeom prst="rect">
-            <a:avLst/>
-          </a:prstGeom>
-          <a:solidFill>
-            <a:srgbClr val="262626"/>
-          </a:solidFill>
-          <a:ln>
-            <a:noFill/>
-          </a:ln>
-        </p:spPr>
-        <p:style>
-          <a:lnRef idx="2">
-            <a:schemeClr val="accent1">
-              <a:shade val="50000"/>
-            </a:schemeClr>
-          </a:lnRef>
-          <a:fillRef idx="1">
-            <a:schemeClr val="accent1"/>
-          </a:fillRef>
-          <a:effectRef idx="0">
-            <a:schemeClr val="accent1"/>
-          </a:effectRef>
-          <a:fontRef idx="minor">
-            <a:schemeClr val="lt1"/>
-          </a:fontRef>
-        </p:style>
-      </p:sp>
-      <p:sp>
-        <p:nvSpPr>
-          <p:cNvPr id="2" name="Vertical Title 1"/>
-          <p:cNvSpPr>
-            <a:spLocks noGrp="1"/>
-          </p:cNvSpPr>
-          <p:nvPr>
-            <p:ph type="title" orient="vert"/>
-          </p:nvPr>
-        </p:nvSpPr>
-        <p:spPr>
-          <a:xfrm>
-            <a:off x="8724900" y="412302"/>
-            <a:ext cx="2628900" cy="5759898"/>
-          </a:xfrm>
-        </p:spPr>
-        <p:txBody>
-          <a:bodyPr vert="eaVert"/>
-          <a:lstStyle/>
-          <a:p>
-            <a:r>
-              <a:rPr lang="en-US"/>
-              <a:t>Click to edit Master title style</a:t>
-            </a:r>
-            <a:endParaRPr lang="en-US" dirty="0"/>
-          </a:p>
-        </p:txBody>
-      </p:sp>
-      <p:sp>
-        <p:nvSpPr>
-          <p:cNvPr id="3" name="Vertical Text Placeholder 2"/>
-          <p:cNvSpPr>
-            <a:spLocks noGrp="1"/>
-          </p:cNvSpPr>
-          <p:nvPr>
-            <p:ph type="body" orient="vert" idx="1"/>
-          </p:nvPr>
-        </p:nvSpPr>
-        <p:spPr>
-          <a:xfrm>
-            <a:off x="838200" y="412302"/>
-            <a:ext cx="7734300" cy="5759898"/>
-          </a:xfrm>
-        </p:spPr>
-        <p:txBody>
-          <a:bodyPr vert="eaVert" lIns="45720" tIns="0" rIns="45720" bIns="0"/>
-          <a:lstStyle/>
-          <a:p>
-            <a:pPr lvl="0"/>
-            <a:r>
-              <a:rPr lang="en-US"/>
-              <a:t>Click to edit Master text styles</a:t>
-            </a:r>
-          </a:p>
-          <a:p>
-            <a:pPr lvl="1"/>
-            <a:r>
-              <a:rPr lang="en-US"/>
-              <a:t>Second level</a:t>
-            </a:r>
-          </a:p>
-          <a:p>
-            <a:pPr lvl="2"/>
-            <a:r>
-              <a:rPr lang="en-US"/>
-              <a:t>Third level</a:t>
-            </a:r>
-          </a:p>
-          <a:p>
-            <a:pPr lvl="3"/>
-            <a:r>
-              <a:rPr lang="en-US"/>
-              <a:t>Fourth level</a:t>
-            </a:r>
-          </a:p>
-          <a:p>
-            <a:pPr lvl="4"/>
-            <a:r>
-              <a:rPr lang="en-US"/>
-              <a:t>Fifth level</a:t>
-            </a:r>
-            <a:endParaRPr lang="en-US" dirty="0"/>
-          </a:p>
-        </p:txBody>
-      </p:sp>
-      <p:sp>
-        <p:nvSpPr>
-          <p:cNvPr id="7" name="Date Placeholder 6">
-            <a:extLst>
-              <a:ext uri="{FF2B5EF4-FFF2-40B4-BE49-F238E27FC236}">
-                <a16:creationId xmlns:a16="http://schemas.microsoft.com/office/drawing/2014/main" id="{AF33D6B0-F070-45C4-A472-19F432BE3932}"/>
-              </a:ext>
-            </a:extLst>
-          </p:cNvPr>
-          <p:cNvSpPr>
-            <a:spLocks noGrp="1"/>
-          </p:cNvSpPr>
-          <p:nvPr>
-            <p:ph type="dt" sz="half" idx="10"/>
-          </p:nvPr>
-        </p:nvSpPr>
-        <p:spPr/>
-        <p:txBody>
-          <a:bodyPr/>
-          <a:lstStyle/>
-          <a:p>
-            <a:fld id="{6587DA83-5663-4C9C-B9AA-0B40A3DAFF81}" type="datetime1">
-              <a:rPr lang="en-US" smtClean="0"/>
-              <a:t>1/5/2021</a:t>
-            </a:fld>
-            <a:endParaRPr lang="en-US" dirty="0"/>
-          </a:p>
-        </p:txBody>
-      </p:sp>
-      <p:sp>
-        <p:nvSpPr>
-          <p:cNvPr id="8" name="Footer Placeholder 7">
-            <a:extLst>
-              <a:ext uri="{FF2B5EF4-FFF2-40B4-BE49-F238E27FC236}">
-                <a16:creationId xmlns:a16="http://schemas.microsoft.com/office/drawing/2014/main" id="{9975399F-DAB2-410D-967F-ED17E6F796E7}"/>
-              </a:ext>
-            </a:extLst>
-          </p:cNvPr>
-          <p:cNvSpPr>
-            <a:spLocks noGrp="1"/>
-          </p:cNvSpPr>
-          <p:nvPr>
-            <p:ph type="ftr" sz="quarter" idx="11"/>
-          </p:nvPr>
-        </p:nvSpPr>
-        <p:spPr/>
-        <p:txBody>
-          <a:bodyPr/>
-          <a:lstStyle/>
-          <a:p>
-            <a:endParaRPr lang="en-US" dirty="0"/>
-          </a:p>
-        </p:txBody>
-      </p:sp>
-      <p:sp>
-        <p:nvSpPr>
-          <p:cNvPr id="10" name="Slide Number Placeholder 9">
-            <a:extLst>
-              <a:ext uri="{FF2B5EF4-FFF2-40B4-BE49-F238E27FC236}">
-                <a16:creationId xmlns:a16="http://schemas.microsoft.com/office/drawing/2014/main" id="{F762A46F-6BE5-4D12-9412-5CA7672EA8EC}"/>
-              </a:ext>
-            </a:extLst>
-          </p:cNvPr>
-          <p:cNvSpPr>
-            <a:spLocks noGrp="1"/>
-          </p:cNvSpPr>
-          <p:nvPr>
-            <p:ph type="sldNum" sz="quarter" idx="12"/>
-          </p:nvPr>
-        </p:nvSpPr>
-        <p:spPr/>
-        <p:txBody>
-          <a:bodyPr/>
-          <a:lstStyle/>
-          <a:p>
-            <a:fld id="{3A98EE3D-8CD1-4C3F-BD1C-C98C9596463C}" type="slidenum">
-              <a:rPr lang="en-US" smtClean="0"/>
-              <a:t>‹#›</a:t>
-            </a:fld>
-            <a:endParaRPr lang="en-US" dirty="0"/>
-          </a:p>
-        </p:txBody>
-      </p:sp>
-    </p:spTree>
-    <p:extLst>
-      <p:ext uri="{BB962C8B-B14F-4D97-AF65-F5344CB8AC3E}">
-        <p14:creationId xmlns:p14="http://schemas.microsoft.com/office/powerpoint/2010/main" val="549327768"/>
-      </p:ext>
-    </p:extLst>
-  </p:cSld>
-  <p:clrMapOvr>
-    <a:masterClrMapping/>
-  </p:clrMapOvr>
-</p:sldLayout>
-</file>
-
-<file path=ppt/slideLayouts/slideLayout2.xml><?xml version="1.0" encoding="utf-8"?>
+<file path=ppt/slideLayouts/slideLayout3.xml><?xml version="1.0" encoding="utf-8"?>
 <p:sldLayout xmlns:a="http://schemas.openxmlformats.org/drawingml/2006/main" xmlns:r="http://schemas.openxmlformats.org/officeDocument/2006/relationships" xmlns:p="http://schemas.openxmlformats.org/presentationml/2006/main" type="obj" preserve="1">
   <p:cSld name="Title and Content">
     <p:spTree>
@@ -896,7 +2068,100 @@
             <a:spLocks noGrp="1"/>
           </p:cNvSpPr>
           <p:nvPr>
-            <p:ph type="title"/>
+            <p:ph type="title" hasCustomPrompt="1"/>
+          </p:nvPr>
+        </p:nvSpPr>
+        <p:spPr>
+          <a:xfrm>
+            <a:off x="1066800" y="460011"/>
+            <a:ext cx="10058400" cy="1450757"/>
+          </a:xfrm>
+        </p:spPr>
+        <p:txBody>
+          <a:bodyPr/>
+          <a:lstStyle>
+            <a:lvl1pPr algn="ctr">
+              <a:defRPr/>
+            </a:lvl1pPr>
+          </a:lstStyle>
+          <a:p>
+            <a:r>
+              <a:rPr lang="en-US" dirty="0"/>
+              <a:t>Click to edit Master title style</a:t>
+            </a:r>
+          </a:p>
+        </p:txBody>
+      </p:sp>
+      <p:sp>
+        <p:nvSpPr>
+          <p:cNvPr id="3" name="Content Placeholder 2"/>
+          <p:cNvSpPr>
+            <a:spLocks noGrp="1"/>
+          </p:cNvSpPr>
+          <p:nvPr>
+            <p:ph idx="1"/>
+          </p:nvPr>
+        </p:nvSpPr>
+        <p:spPr>
+          <a:xfrm>
+            <a:off x="1213661" y="2108201"/>
+            <a:ext cx="10058400" cy="3760891"/>
+          </a:xfrm>
+        </p:spPr>
+        <p:txBody>
+          <a:bodyPr/>
+          <a:lstStyle/>
+          <a:p>
+            <a:pPr lvl="0"/>
+            <a:r>
+              <a:rPr lang="en-US" dirty="0"/>
+              <a:t>Click to edit Master text styles</a:t>
+            </a:r>
+          </a:p>
+          <a:p>
+            <a:pPr lvl="1"/>
+            <a:r>
+              <a:rPr lang="en-US" dirty="0"/>
+              <a:t>Second level</a:t>
+            </a:r>
+          </a:p>
+          <a:p>
+            <a:pPr lvl="2"/>
+            <a:r>
+              <a:rPr lang="en-US" dirty="0"/>
+              <a:t>Third level</a:t>
+            </a:r>
+          </a:p>
+          <a:p>
+            <a:pPr lvl="3"/>
+            <a:r>
+              <a:rPr lang="en-US" dirty="0"/>
+              <a:t>Fourth level</a:t>
+            </a:r>
+          </a:p>
+          <a:p>
+            <a:pPr lvl="4"/>
+            <a:r>
+              <a:rPr lang="en-US" dirty="0"/>
+              <a:t>Fifth level</a:t>
+            </a:r>
+          </a:p>
+        </p:txBody>
+      </p:sp>
+      <p:sp>
+        <p:nvSpPr>
+          <p:cNvPr id="7" name="Date Placeholder 6">
+            <a:extLst>
+              <a:ext uri="{FF2B5EF4-FFF2-40B4-BE49-F238E27FC236}">
+                <a16:creationId xmlns:a16="http://schemas.microsoft.com/office/drawing/2014/main" id="{354D8B55-9EA8-4B81-8E84-9B93B0A27559}"/>
+              </a:ext>
+            </a:extLst>
+          </p:cNvPr>
+          <p:cNvSpPr>
+            <a:spLocks noGrp="1"/>
+          </p:cNvSpPr>
+          <p:nvPr>
+            <p:ph type="dt" sz="half" idx="10"/>
           </p:nvPr>
         </p:nvSpPr>
         <p:spPr/>
@@ -904,90 +2169,9 @@
           <a:bodyPr/>
           <a:lstStyle/>
           <a:p>
-            <a:r>
-              <a:rPr lang="en-US"/>
-              <a:t>Click to edit Master title style</a:t>
-            </a:r>
-            <a:endParaRPr lang="en-US" dirty="0"/>
-          </a:p>
-        </p:txBody>
-      </p:sp>
-      <p:sp>
-        <p:nvSpPr>
-          <p:cNvPr id="3" name="Content Placeholder 2"/>
-          <p:cNvSpPr>
-            <a:spLocks noGrp="1"/>
-          </p:cNvSpPr>
-          <p:nvPr>
-            <p:ph idx="1"/>
-          </p:nvPr>
-        </p:nvSpPr>
-        <p:spPr/>
-        <p:txBody>
-          <a:bodyPr/>
-          <a:lstStyle/>
-          <a:p>
-            <a:pPr lvl="0"/>
-            <a:r>
-              <a:rPr lang="en-US"/>
-              <a:t>Click to edit Master text styles</a:t>
-            </a:r>
-          </a:p>
-          <a:p>
-            <a:pPr lvl="1"/>
-            <a:r>
-              <a:rPr lang="en-US"/>
-              <a:t>Second level</a:t>
-            </a:r>
-          </a:p>
-          <a:p>
-            <a:pPr lvl="2"/>
-            <a:r>
-              <a:rPr lang="en-US"/>
-              <a:t>Third level</a:t>
-            </a:r>
-          </a:p>
-          <a:p>
-            <a:pPr lvl="3"/>
-            <a:r>
-              <a:rPr lang="en-US"/>
-              <a:t>Fourth level</a:t>
-            </a:r>
-          </a:p>
-          <a:p>
-            <a:pPr lvl="4"/>
-            <a:r>
-              <a:rPr lang="en-US"/>
-              <a:t>Fifth level</a:t>
-            </a:r>
-            <a:endParaRPr lang="en-US" dirty="0"/>
-          </a:p>
-        </p:txBody>
-      </p:sp>
-      <p:sp>
-        <p:nvSpPr>
-          <p:cNvPr id="7" name="Date Placeholder 6">
-            <a:extLst>
-              <a:ext uri="{FF2B5EF4-FFF2-40B4-BE49-F238E27FC236}">
-                <a16:creationId xmlns:a16="http://schemas.microsoft.com/office/drawing/2014/main" id="{354D8B55-9EA8-4B81-8E84-9B93B0A27559}"/>
-              </a:ext>
-            </a:extLst>
-          </p:cNvPr>
-          <p:cNvSpPr>
-            <a:spLocks noGrp="1"/>
-          </p:cNvSpPr>
-          <p:nvPr>
-            <p:ph type="dt" sz="half" idx="10"/>
-          </p:nvPr>
-        </p:nvSpPr>
-        <p:spPr/>
-        <p:txBody>
-          <a:bodyPr/>
-          <a:lstStyle/>
-          <a:p>
-            <a:fld id="{4BE1D723-8F53-4F53-90B0-1982A396982E}" type="datetime1">
-              <a:rPr lang="en-US" smtClean="0"/>
-              <a:t>1/5/2021</a:t>
+            <a:fld id="{532D8406-B92D-4FA0-B63D-1BD0F4160BC4}" type="datetime1">
+              <a:rPr lang="en-US" altLang="zh-TW" smtClean="0"/>
+              <a:t>1/6/2021</a:t>
             </a:fld>
             <a:endParaRPr lang="en-US" dirty="0"/>
           </a:p>
@@ -1060,17 +2244,9 @@
 </p:sldLayout>
 </file>
 
-<file path=ppt/slideLayouts/slideLayout3.xml><?xml version="1.0" encoding="utf-8"?>
-<p:sldLayout xmlns:a="http://schemas.openxmlformats.org/drawingml/2006/main" xmlns:r="http://schemas.openxmlformats.org/officeDocument/2006/relationships" xmlns:p="http://schemas.openxmlformats.org/presentationml/2006/main" showMasterSp="0" type="secHead" preserve="1">
+<file path=ppt/slideLayouts/slideLayout4.xml><?xml version="1.0" encoding="utf-8"?>
+<p:sldLayout xmlns:a="http://schemas.openxmlformats.org/drawingml/2006/main" xmlns:r="http://schemas.openxmlformats.org/officeDocument/2006/relationships" xmlns:p="http://schemas.openxmlformats.org/presentationml/2006/main" type="secHead" preserve="1">
   <p:cSld name="Section Header">
-    <p:bg>
-      <p:bgPr>
-        <a:solidFill>
-          <a:schemeClr val="bg1"/>
-        </a:solidFill>
-        <a:effectLst/>
-      </p:bgPr>
-    </p:bg>
     <p:spTree>
       <p:nvGrpSpPr>
         <p:cNvPr id="1" name=""/>
@@ -1166,10 +2342,9 @@
           </a:lstStyle>
           <a:p>
             <a:r>
-              <a:rPr lang="en-US"/>
+              <a:rPr lang="en-US" dirty="0"/>
               <a:t>Click to edit Master title style</a:t>
             </a:r>
-            <a:endParaRPr lang="en-US" dirty="0"/>
           </a:p>
         </p:txBody>
       </p:sp>
@@ -1358,9 +2533,9 @@
           <a:bodyPr/>
           <a:lstStyle/>
           <a:p>
-            <a:fld id="{97669AF7-7BEB-44E4-9852-375E34362B5B}" type="datetime1">
-              <a:rPr lang="en-US" smtClean="0"/>
-              <a:t>1/5/2021</a:t>
+            <a:fld id="{8ED9FE3C-5C2C-4DD4-A33D-99FB2BA43414}" type="datetime1">
+              <a:rPr lang="en-US" altLang="zh-TW" smtClean="0"/>
+              <a:t>1/6/2021</a:t>
             </a:fld>
             <a:endParaRPr lang="en-US" dirty="0"/>
           </a:p>
@@ -1433,7 +2608,7 @@
 </p:sldLayout>
 </file>
 
-<file path=ppt/slideLayouts/slideLayout4.xml><?xml version="1.0" encoding="utf-8"?>
+<file path=ppt/slideLayouts/slideLayout5.xml><?xml version="1.0" encoding="utf-8"?>
 <p:sldLayout xmlns:a="http://schemas.openxmlformats.org/drawingml/2006/main" xmlns:r="http://schemas.openxmlformats.org/officeDocument/2006/relationships" xmlns:p="http://schemas.openxmlformats.org/presentationml/2006/main" type="twoObj" preserve="1">
   <p:cSld name="Two Content">
     <p:spTree>
@@ -1613,9 +2788,9 @@
           <a:bodyPr/>
           <a:lstStyle/>
           <a:p>
-            <a:fld id="{BAAAC38D-0552-4C82-B593-E6124DFADBE2}" type="datetime1">
-              <a:rPr lang="en-US" smtClean="0"/>
-              <a:t>1/5/2021</a:t>
+            <a:fld id="{AF27AFBF-984F-471C-9937-6E1BB345AF55}" type="datetime1">
+              <a:rPr lang="en-US" altLang="zh-TW" smtClean="0"/>
+              <a:t>1/6/2021</a:t>
             </a:fld>
             <a:endParaRPr lang="en-US" dirty="0"/>
           </a:p>
@@ -1688,7 +2863,7 @@
 </p:sldLayout>
 </file>
 
-<file path=ppt/slideLayouts/slideLayout5.xml><?xml version="1.0" encoding="utf-8"?>
+<file path=ppt/slideLayouts/slideLayout6.xml><?xml version="1.0" encoding="utf-8"?>
 <p:sldLayout xmlns:a="http://schemas.openxmlformats.org/drawingml/2006/main" xmlns:r="http://schemas.openxmlformats.org/officeDocument/2006/relationships" xmlns:p="http://schemas.openxmlformats.org/presentationml/2006/main" type="twoTxTwoObj" preserve="1">
   <p:cSld name="Comparison">
     <p:spTree>
@@ -2010,9 +3185,9 @@
           <a:bodyPr/>
           <a:lstStyle/>
           <a:p>
-            <a:fld id="{D9DF0F1C-5577-4ACB-BB62-DF8F3C494C7E}" type="datetime1">
-              <a:rPr lang="en-US" smtClean="0"/>
-              <a:t>1/5/2021</a:t>
+            <a:fld id="{9A126350-F40D-49C8-8889-8A547535E500}" type="datetime1">
+              <a:rPr lang="en-US" altLang="zh-TW" smtClean="0"/>
+              <a:t>1/6/2021</a:t>
             </a:fld>
             <a:endParaRPr lang="en-US" dirty="0"/>
           </a:p>
@@ -2085,7 +3260,7 @@
 </p:sldLayout>
 </file>
 
-<file path=ppt/slideLayouts/slideLayout6.xml><?xml version="1.0" encoding="utf-8"?>
+<file path=ppt/slideLayouts/slideLayout7.xml><?xml version="1.0" encoding="utf-8"?>
 <p:sldLayout xmlns:a="http://schemas.openxmlformats.org/drawingml/2006/main" xmlns:r="http://schemas.openxmlformats.org/officeDocument/2006/relationships" xmlns:p="http://schemas.openxmlformats.org/presentationml/2006/main" type="titleOnly" preserve="1">
   <p:cSld name="Title Only">
     <p:spTree>
@@ -2146,9 +3321,9 @@
           <a:bodyPr/>
           <a:lstStyle/>
           <a:p>
-            <a:fld id="{1775B394-D9F9-4F0C-B15D-605F45CB9E9F}" type="datetime1">
-              <a:rPr lang="en-US" smtClean="0"/>
-              <a:t>1/5/2021</a:t>
+            <a:fld id="{6BC887DF-03FF-40B8-ABE1-9E7B01931BA6}" type="datetime1">
+              <a:rPr lang="en-US" altLang="zh-TW" smtClean="0"/>
+              <a:t>1/6/2021</a:t>
             </a:fld>
             <a:endParaRPr lang="en-US" dirty="0"/>
           </a:p>
@@ -2221,9 +3396,17 @@
 </p:sldLayout>
 </file>
 
-<file path=ppt/slideLayouts/slideLayout7.xml><?xml version="1.0" encoding="utf-8"?>
-<p:sldLayout xmlns:a="http://schemas.openxmlformats.org/drawingml/2006/main" xmlns:r="http://schemas.openxmlformats.org/officeDocument/2006/relationships" xmlns:p="http://schemas.openxmlformats.org/presentationml/2006/main" showMasterSp="0" type="blank" preserve="1">
+<file path=ppt/slideLayouts/slideLayout8.xml><?xml version="1.0" encoding="utf-8"?>
+<p:sldLayout xmlns:a="http://schemas.openxmlformats.org/drawingml/2006/main" xmlns:r="http://schemas.openxmlformats.org/officeDocument/2006/relationships" xmlns:p="http://schemas.openxmlformats.org/presentationml/2006/main" type="blank" preserve="1">
   <p:cSld name="Blank">
+    <p:bg>
+      <p:bgPr>
+        <a:solidFill>
+          <a:schemeClr val="bg1"/>
+        </a:solidFill>
+        <a:effectLst/>
+      </p:bgPr>
+    </p:bg>
     <p:spTree>
       <p:nvGrpSpPr>
         <p:cNvPr id="1" name=""/>
@@ -2303,9 +3486,9 @@
           <a:bodyPr/>
           <a:lstStyle/>
           <a:p>
-            <a:fld id="{39667345-2558-425A-8533-9BFDBCE15005}" type="datetime1">
-              <a:rPr lang="en-US" smtClean="0"/>
-              <a:t>1/5/2021</a:t>
+            <a:fld id="{3320558B-0E1B-4186-9411-D3012FC7171E}" type="datetime1">
+              <a:rPr lang="en-US" altLang="zh-TW" smtClean="0"/>
+              <a:t>1/6/2021</a:t>
             </a:fld>
             <a:endParaRPr lang="en-US" dirty="0"/>
           </a:p>
@@ -2378,8 +3561,8 @@
 </p:sldLayout>
 </file>
 
-<file path=ppt/slideLayouts/slideLayout8.xml><?xml version="1.0" encoding="utf-8"?>
-<p:sldLayout xmlns:a="http://schemas.openxmlformats.org/drawingml/2006/main" xmlns:r="http://schemas.openxmlformats.org/officeDocument/2006/relationships" xmlns:p="http://schemas.openxmlformats.org/presentationml/2006/main" showMasterSp="0" type="objTx" preserve="1">
+<file path=ppt/slideLayouts/slideLayout9.xml><?xml version="1.0" encoding="utf-8"?>
+<p:sldLayout xmlns:a="http://schemas.openxmlformats.org/drawingml/2006/main" xmlns:r="http://schemas.openxmlformats.org/officeDocument/2006/relationships" xmlns:p="http://schemas.openxmlformats.org/presentationml/2006/main" type="objTx" preserve="1">
   <p:cSld name="Content with Caption">
     <p:spTree>
       <p:nvGrpSpPr>
@@ -2632,9 +3815,9 @@
             </a:lvl1pPr>
           </a:lstStyle>
           <a:p>
-            <a:fld id="{92BEA474-078D-4E9B-9B14-09A87B19DC46}" type="datetime1">
-              <a:rPr lang="en-US" smtClean="0"/>
-              <a:t>1/5/2021</a:t>
+            <a:fld id="{63F8F186-09A5-45E9-A7AB-053B1EBB825A}" type="datetime1">
+              <a:rPr lang="en-US" altLang="zh-TW" smtClean="0"/>
+              <a:t>1/6/2021</a:t>
             </a:fld>
             <a:endParaRPr lang="en-US" dirty="0"/>
           </a:p>
@@ -2708,340 +3891,6 @@
     <p:extLst>
       <p:ext uri="{BB962C8B-B14F-4D97-AF65-F5344CB8AC3E}">
         <p14:creationId xmlns:p14="http://schemas.microsoft.com/office/powerpoint/2010/main" val="2137798337"/>
-      </p:ext>
-    </p:extLst>
-  </p:cSld>
-  <p:clrMapOvr>
-    <a:masterClrMapping/>
-  </p:clrMapOvr>
-</p:sldLayout>
-</file>
-
-<file path=ppt/slideLayouts/slideLayout9.xml><?xml version="1.0" encoding="utf-8"?>
-<p:sldLayout xmlns:a="http://schemas.openxmlformats.org/drawingml/2006/main" xmlns:r="http://schemas.openxmlformats.org/officeDocument/2006/relationships" xmlns:p="http://schemas.openxmlformats.org/presentationml/2006/main" showMasterSp="0" type="picTx" preserve="1">
-  <p:cSld name="Picture with Caption">
-    <p:spTree>
-      <p:nvGrpSpPr>
-        <p:cNvPr id="1" name=""/>
-        <p:cNvGrpSpPr/>
-        <p:nvPr/>
-      </p:nvGrpSpPr>
-      <p:grpSpPr>
-        <a:xfrm>
-          <a:off x="0" y="0"/>
-          <a:ext cx="0" cy="0"/>
-          <a:chOff x="0" y="0"/>
-          <a:chExt cx="0" cy="0"/>
-        </a:xfrm>
-      </p:grpSpPr>
-      <p:sp>
-        <p:nvSpPr>
-          <p:cNvPr id="8" name="Rectangle 7">
-            <a:extLst>
-              <a:ext uri="{FF2B5EF4-FFF2-40B4-BE49-F238E27FC236}">
-                <a16:creationId xmlns:a16="http://schemas.microsoft.com/office/drawing/2014/main" id="{DA134939-39C0-4522-A125-A13DFDA66490}"/>
-              </a:ext>
-            </a:extLst>
-          </p:cNvPr>
-          <p:cNvSpPr/>
-          <p:nvPr/>
-        </p:nvSpPr>
-        <p:spPr>
-          <a:xfrm>
-            <a:off x="0" y="4578350"/>
-            <a:ext cx="12188825" cy="2279650"/>
-          </a:xfrm>
-          <a:prstGeom prst="rect">
-            <a:avLst/>
-          </a:prstGeom>
-          <a:solidFill>
-            <a:srgbClr val="262626"/>
-          </a:solidFill>
-          <a:ln>
-            <a:noFill/>
-          </a:ln>
-        </p:spPr>
-        <p:style>
-          <a:lnRef idx="2">
-            <a:schemeClr val="accent1">
-              <a:shade val="50000"/>
-            </a:schemeClr>
-          </a:lnRef>
-          <a:fillRef idx="1">
-            <a:schemeClr val="accent1"/>
-          </a:fillRef>
-          <a:effectRef idx="0">
-            <a:schemeClr val="accent1"/>
-          </a:effectRef>
-          <a:fontRef idx="minor">
-            <a:schemeClr val="lt1"/>
-          </a:fontRef>
-        </p:style>
-      </p:sp>
-      <p:sp>
-        <p:nvSpPr>
-          <p:cNvPr id="3" name="Picture Placeholder 2"/>
-          <p:cNvSpPr>
-            <a:spLocks noGrp="1" noChangeAspect="1"/>
-          </p:cNvSpPr>
-          <p:nvPr>
-            <p:ph type="pic" idx="1"/>
-          </p:nvPr>
-        </p:nvSpPr>
-        <p:spPr>
-          <a:xfrm>
-            <a:off x="15" y="0"/>
-            <a:ext cx="12191985" cy="4578350"/>
-          </a:xfrm>
-          <a:solidFill>
-            <a:schemeClr val="bg1">
-              <a:lumMod val="85000"/>
-            </a:schemeClr>
-          </a:solidFill>
-        </p:spPr>
-        <p:txBody>
-          <a:bodyPr lIns="457200" tIns="457200" anchor="t"/>
-          <a:lstStyle>
-            <a:lvl1pPr marL="0" indent="0">
-              <a:buNone/>
-              <a:defRPr sz="3200"/>
-            </a:lvl1pPr>
-            <a:lvl2pPr marL="457200" indent="0">
-              <a:buNone/>
-              <a:defRPr sz="2800"/>
-            </a:lvl2pPr>
-            <a:lvl3pPr marL="914400" indent="0">
-              <a:buNone/>
-              <a:defRPr sz="2400"/>
-            </a:lvl3pPr>
-            <a:lvl4pPr marL="1371600" indent="0">
-              <a:buNone/>
-              <a:defRPr sz="2000"/>
-            </a:lvl4pPr>
-            <a:lvl5pPr marL="1828800" indent="0">
-              <a:buNone/>
-              <a:defRPr sz="2000"/>
-            </a:lvl5pPr>
-            <a:lvl6pPr marL="2286000" indent="0">
-              <a:buNone/>
-              <a:defRPr sz="2000"/>
-            </a:lvl6pPr>
-            <a:lvl7pPr marL="2743200" indent="0">
-              <a:buNone/>
-              <a:defRPr sz="2000"/>
-            </a:lvl7pPr>
-            <a:lvl8pPr marL="3200400" indent="0">
-              <a:buNone/>
-              <a:defRPr sz="2000"/>
-            </a:lvl8pPr>
-            <a:lvl9pPr marL="3657600" indent="0">
-              <a:buNone/>
-              <a:defRPr sz="2000"/>
-            </a:lvl9pPr>
-          </a:lstStyle>
-          <a:p>
-            <a:r>
-              <a:rPr lang="en-US"/>
-              <a:t>Click icon to add picture</a:t>
-            </a:r>
-            <a:endParaRPr lang="en-US" dirty="0"/>
-          </a:p>
-        </p:txBody>
-      </p:sp>
-      <p:sp>
-        <p:nvSpPr>
-          <p:cNvPr id="2" name="Title 1"/>
-          <p:cNvSpPr>
-            <a:spLocks noGrp="1"/>
-          </p:cNvSpPr>
-          <p:nvPr>
-            <p:ph type="title"/>
-          </p:nvPr>
-        </p:nvSpPr>
-        <p:spPr>
-          <a:xfrm>
-            <a:off x="1097279" y="4799362"/>
-            <a:ext cx="10113645" cy="743682"/>
-          </a:xfrm>
-        </p:spPr>
-        <p:txBody>
-          <a:bodyPr tIns="0" bIns="0" anchor="b">
-            <a:noAutofit/>
-          </a:bodyPr>
-          <a:lstStyle>
-            <a:lvl1pPr>
-              <a:defRPr sz="3600" b="0">
-                <a:solidFill>
-                  <a:srgbClr val="FFFFFF"/>
-                </a:solidFill>
-              </a:defRPr>
-            </a:lvl1pPr>
-          </a:lstStyle>
-          <a:p>
-            <a:r>
-              <a:rPr lang="en-US"/>
-              <a:t>Click to edit Master title style</a:t>
-            </a:r>
-            <a:endParaRPr lang="en-US" dirty="0"/>
-          </a:p>
-        </p:txBody>
-      </p:sp>
-      <p:sp>
-        <p:nvSpPr>
-          <p:cNvPr id="4" name="Text Placeholder 3"/>
-          <p:cNvSpPr>
-            <a:spLocks noGrp="1"/>
-          </p:cNvSpPr>
-          <p:nvPr>
-            <p:ph type="body" sz="half" idx="2"/>
-          </p:nvPr>
-        </p:nvSpPr>
-        <p:spPr>
-          <a:xfrm>
-            <a:off x="1097279" y="5715000"/>
-            <a:ext cx="10113264" cy="609600"/>
-          </a:xfrm>
-        </p:spPr>
-        <p:txBody>
-          <a:bodyPr lIns="91440" tIns="0" rIns="91440" bIns="0">
-            <a:normAutofit/>
-          </a:bodyPr>
-          <a:lstStyle>
-            <a:lvl1pPr marL="0" indent="0">
-              <a:spcBef>
-                <a:spcPts val="0"/>
-              </a:spcBef>
-              <a:spcAft>
-                <a:spcPts val="600"/>
-              </a:spcAft>
-              <a:buNone/>
-              <a:defRPr sz="1800">
-                <a:solidFill>
-                  <a:srgbClr val="FFFFFF"/>
-                </a:solidFill>
-              </a:defRPr>
-            </a:lvl1pPr>
-            <a:lvl2pPr marL="457200" indent="0">
-              <a:buNone/>
-              <a:defRPr sz="1200"/>
-            </a:lvl2pPr>
-            <a:lvl3pPr marL="914400" indent="0">
-              <a:buNone/>
-              <a:defRPr sz="1000"/>
-            </a:lvl3pPr>
-            <a:lvl4pPr marL="1371600" indent="0">
-              <a:buNone/>
-              <a:defRPr sz="900"/>
-            </a:lvl4pPr>
-            <a:lvl5pPr marL="1828800" indent="0">
-              <a:buNone/>
-              <a:defRPr sz="900"/>
-            </a:lvl5pPr>
-            <a:lvl6pPr marL="2286000" indent="0">
-              <a:buNone/>
-              <a:defRPr sz="900"/>
-            </a:lvl6pPr>
-            <a:lvl7pPr marL="2743200" indent="0">
-              <a:buNone/>
-              <a:defRPr sz="900"/>
-            </a:lvl7pPr>
-            <a:lvl8pPr marL="3200400" indent="0">
-              <a:buNone/>
-              <a:defRPr sz="900"/>
-            </a:lvl8pPr>
-            <a:lvl9pPr marL="3657600" indent="0">
-              <a:buNone/>
-              <a:defRPr sz="900"/>
-            </a:lvl9pPr>
-          </a:lstStyle>
-          <a:p>
-            <a:pPr lvl="0"/>
-            <a:r>
-              <a:rPr lang="en-US"/>
-              <a:t>Click to edit Master text styles</a:t>
-            </a:r>
-          </a:p>
-        </p:txBody>
-      </p:sp>
-      <p:sp>
-        <p:nvSpPr>
-          <p:cNvPr id="5" name="Date Placeholder 4"/>
-          <p:cNvSpPr>
-            <a:spLocks noGrp="1"/>
-          </p:cNvSpPr>
-          <p:nvPr>
-            <p:ph type="dt" sz="half" idx="10"/>
-          </p:nvPr>
-        </p:nvSpPr>
-        <p:spPr/>
-        <p:txBody>
-          <a:bodyPr/>
-          <a:lstStyle>
-            <a:lvl1pPr>
-              <a:defRPr/>
-            </a:lvl1pPr>
-          </a:lstStyle>
-          <a:p>
-            <a:fld id="{4907D986-8816-4272-A432-0437A28A9828}" type="datetime1">
-              <a:rPr lang="en-US" smtClean="0"/>
-              <a:t>1/5/2021</a:t>
-            </a:fld>
-            <a:endParaRPr lang="en-US" dirty="0"/>
-          </a:p>
-        </p:txBody>
-      </p:sp>
-      <p:sp>
-        <p:nvSpPr>
-          <p:cNvPr id="6" name="Footer Placeholder 5"/>
-          <p:cNvSpPr>
-            <a:spLocks noGrp="1"/>
-          </p:cNvSpPr>
-          <p:nvPr>
-            <p:ph type="ftr" sz="quarter" idx="11"/>
-          </p:nvPr>
-        </p:nvSpPr>
-        <p:spPr>
-          <a:xfrm>
-            <a:off x="1097279" y="6446838"/>
-            <a:ext cx="6818262" cy="365125"/>
-          </a:xfrm>
-        </p:spPr>
-        <p:txBody>
-          <a:bodyPr/>
-          <a:lstStyle/>
-          <a:p>
-            <a:pPr algn="l"/>
-            <a:endParaRPr lang="en-US" dirty="0"/>
-          </a:p>
-        </p:txBody>
-      </p:sp>
-      <p:sp>
-        <p:nvSpPr>
-          <p:cNvPr id="7" name="Slide Number Placeholder 6"/>
-          <p:cNvSpPr>
-            <a:spLocks noGrp="1"/>
-          </p:cNvSpPr>
-          <p:nvPr>
-            <p:ph type="sldNum" sz="quarter" idx="12"/>
-          </p:nvPr>
-        </p:nvSpPr>
-        <p:spPr/>
-        <p:txBody>
-          <a:bodyPr/>
-          <a:lstStyle/>
-          <a:p>
-            <a:fld id="{3A98EE3D-8CD1-4C3F-BD1C-C98C9596463C}" type="slidenum">
-              <a:rPr lang="en-US" smtClean="0"/>
-              <a:t>‹#›</a:t>
-            </a:fld>
-            <a:endParaRPr lang="en-US" dirty="0"/>
-          </a:p>
-        </p:txBody>
-      </p:sp>
-    </p:spTree>
-    <p:extLst>
-      <p:ext uri="{BB962C8B-B14F-4D97-AF65-F5344CB8AC3E}">
-        <p14:creationId xmlns:p14="http://schemas.microsoft.com/office/powerpoint/2010/main" val="1437588400"/>
       </p:ext>
     </p:extLst>
   </p:cSld>
@@ -3129,8 +3978,8 @@
         </p:nvSpPr>
         <p:spPr>
           <a:xfrm>
-            <a:off x="1097280" y="286603"/>
-            <a:ext cx="10058400" cy="1450757"/>
+            <a:off x="1066800" y="657444"/>
+            <a:ext cx="10088879" cy="1450757"/>
           </a:xfrm>
           <a:prstGeom prst="rect">
             <a:avLst/>
@@ -3141,10 +3990,9 @@
           <a:lstStyle/>
           <a:p>
             <a:r>
-              <a:rPr lang="en-US"/>
+              <a:rPr lang="en-US" dirty="0"/>
               <a:t>Click to edit Master title style</a:t>
             </a:r>
-            <a:endParaRPr lang="en-US" dirty="0"/>
           </a:p>
         </p:txBody>
       </p:sp>
@@ -3160,7 +4008,7 @@
         </p:nvSpPr>
         <p:spPr>
           <a:xfrm>
-            <a:off x="1097280" y="2108201"/>
+            <a:off x="1066799" y="2112357"/>
             <a:ext cx="10058400" cy="3760891"/>
           </a:xfrm>
           <a:prstGeom prst="rect">
@@ -3173,38 +4021,37 @@
           <a:p>
             <a:pPr lvl="0"/>
             <a:r>
-              <a:rPr lang="en-US"/>
+              <a:rPr lang="en-US" dirty="0"/>
               <a:t>Click to edit Master text styles</a:t>
             </a:r>
           </a:p>
           <a:p>
             <a:pPr lvl="1"/>
             <a:r>
-              <a:rPr lang="en-US"/>
+              <a:rPr lang="en-US" dirty="0"/>
               <a:t>Second level</a:t>
             </a:r>
           </a:p>
           <a:p>
             <a:pPr lvl="2"/>
             <a:r>
-              <a:rPr lang="en-US"/>
+              <a:rPr lang="en-US" dirty="0"/>
               <a:t>Third level</a:t>
             </a:r>
           </a:p>
           <a:p>
             <a:pPr lvl="3"/>
             <a:r>
-              <a:rPr lang="en-US"/>
+              <a:rPr lang="en-US" dirty="0"/>
               <a:t>Fourth level</a:t>
             </a:r>
           </a:p>
           <a:p>
             <a:pPr lvl="4"/>
             <a:r>
-              <a:rPr lang="en-US"/>
+              <a:rPr lang="en-US" dirty="0"/>
               <a:t>Fifth level</a:t>
             </a:r>
-            <a:endParaRPr lang="en-US" dirty="0"/>
           </a:p>
         </p:txBody>
       </p:sp>
@@ -3239,9 +4086,9 @@
             </a:lvl1pPr>
           </a:lstStyle>
           <a:p>
-            <a:fld id="{62D6E202-B606-4609-B914-27C9371A1F6D}" type="datetime1">
-              <a:rPr lang="en-US" smtClean="0"/>
-              <a:t>1/5/2021</a:t>
+            <a:fld id="{6DE7F647-317B-4874-8B5D-47D9DFF496BE}" type="datetime1">
+              <a:rPr lang="en-US" altLang="zh-TW" smtClean="0"/>
+              <a:t>1/6/2021</a:t>
             </a:fld>
             <a:endParaRPr lang="en-US" dirty="0"/>
           </a:p>
@@ -3323,20 +4170,22 @@
       </p:sp>
       <p:cxnSp>
         <p:nvCxnSpPr>
-          <p:cNvPr id="10" name="Straight Connector 9">
-            <a:extLst>
-              <a:ext uri="{FF2B5EF4-FFF2-40B4-BE49-F238E27FC236}">
-                <a16:creationId xmlns:a16="http://schemas.microsoft.com/office/drawing/2014/main" id="{C5025DAC-8B93-4160-B017-3A274A5828C0}"/>
-              </a:ext>
-            </a:extLst>
-          </p:cNvPr>
-          <p:cNvCxnSpPr/>
-          <p:nvPr/>
+          <p:cNvPr id="8" name="Straight Connector 9">
+            <a:extLst>
+              <a:ext uri="{FF2B5EF4-FFF2-40B4-BE49-F238E27FC236}">
+                <a16:creationId xmlns:a16="http://schemas.microsoft.com/office/drawing/2014/main" id="{958B09E2-CEB5-4D70-9FB2-B19A12103A21}"/>
+              </a:ext>
+            </a:extLst>
+          </p:cNvPr>
+          <p:cNvCxnSpPr>
+            <a:cxnSpLocks/>
+          </p:cNvCxnSpPr>
+          <p:nvPr userDrawn="1"/>
         </p:nvCxnSpPr>
         <p:spPr>
           <a:xfrm>
-            <a:off x="1193532" y="1897380"/>
-            <a:ext cx="9966960" cy="0"/>
+            <a:off x="1066799" y="1988820"/>
+            <a:ext cx="10088881" cy="0"/>
           </a:xfrm>
           <a:prstGeom prst="line">
             <a:avLst/>
@@ -3374,19 +4223,20 @@
   </p:cSld>
   <p:clrMap bg1="lt1" tx1="dk1" bg2="lt2" tx2="dk2" accent1="accent1" accent2="accent2" accent3="accent3" accent4="accent4" accent5="accent5" accent6="accent6" hlink="hlink" folHlink="folHlink"/>
   <p:sldLayoutIdLst>
-    <p:sldLayoutId id="2147483744" r:id="rId1"/>
-    <p:sldLayoutId id="2147483745" r:id="rId2"/>
-    <p:sldLayoutId id="2147483746" r:id="rId3"/>
-    <p:sldLayoutId id="2147483747" r:id="rId4"/>
-    <p:sldLayoutId id="2147483748" r:id="rId5"/>
-    <p:sldLayoutId id="2147483742" r:id="rId6"/>
-    <p:sldLayoutId id="2147483738" r:id="rId7"/>
-    <p:sldLayoutId id="2147483739" r:id="rId8"/>
-    <p:sldLayoutId id="2147483740" r:id="rId9"/>
-    <p:sldLayoutId id="2147483741" r:id="rId10"/>
-    <p:sldLayoutId id="2147483743" r:id="rId11"/>
+    <p:sldLayoutId id="2147483750" r:id="rId1"/>
+    <p:sldLayoutId id="2147483744" r:id="rId2"/>
+    <p:sldLayoutId id="2147483745" r:id="rId3"/>
+    <p:sldLayoutId id="2147483746" r:id="rId4"/>
+    <p:sldLayoutId id="2147483747" r:id="rId5"/>
+    <p:sldLayoutId id="2147483748" r:id="rId6"/>
+    <p:sldLayoutId id="2147483742" r:id="rId7"/>
+    <p:sldLayoutId id="2147483738" r:id="rId8"/>
+    <p:sldLayoutId id="2147483739" r:id="rId9"/>
+    <p:sldLayoutId id="2147483740" r:id="rId10"/>
+    <p:sldLayoutId id="2147483741" r:id="rId11"/>
+    <p:sldLayoutId id="2147483743" r:id="rId12"/>
   </p:sldLayoutIdLst>
-  <p:hf sldNum="0" hdr="0" ftr="0" dt="0"/>
+  <p:hf hdr="0" ftr="0" dt="0"/>
   <p:txStyles>
     <p:titleStyle>
       <a:lvl1pPr algn="l" defTabSz="914400" rtl="0" eaLnBrk="1" latinLnBrk="0" hangingPunct="1">
@@ -3750,14 +4600,6 @@
 <file path=ppt/slides/slide1.xml><?xml version="1.0" encoding="utf-8"?>
 <p:sld xmlns:a="http://schemas.openxmlformats.org/drawingml/2006/main" xmlns:r="http://schemas.openxmlformats.org/officeDocument/2006/relationships" xmlns:p="http://schemas.openxmlformats.org/presentationml/2006/main">
   <p:cSld>
-    <p:bg>
-      <p:bgPr>
-        <a:solidFill>
-          <a:schemeClr val="bg1"/>
-        </a:solidFill>
-        <a:effectLst/>
-      </p:bgPr>
-    </p:bg>
     <p:spTree>
       <p:nvGrpSpPr>
         <p:cNvPr id="1" name=""/>
@@ -3997,7 +4839,7 @@
         </p:nvSpPr>
         <p:spPr>
           <a:xfrm>
-            <a:off x="8127750" y="4608576"/>
+            <a:off x="8127750" y="4457574"/>
             <a:ext cx="3205640" cy="774186"/>
           </a:xfrm>
         </p:spPr>
@@ -4007,17 +4849,6 @@
           </a:bodyPr>
           <a:lstStyle/>
           <a:p>
-            <a:r>
-              <a:rPr lang="en-US" altLang="zh-TW" sz="2000" dirty="0">
-                <a:latin typeface="Arial" panose="020B0604020202020204" pitchFamily="34" charset="0"/>
-                <a:cs typeface="Arial" panose="020B0604020202020204" pitchFamily="34" charset="0"/>
-              </a:rPr>
-              <a:t>member</a:t>
-            </a:r>
-            <a:r>
-              <a:rPr lang="zh-TW" altLang="en-US" sz="2000" dirty="0"/>
-              <a:t>：</a:t>
-            </a:r>
             <a:endParaRPr lang="en-US" altLang="zh-TW" sz="2000" dirty="0"/>
           </a:p>
           <a:p>
@@ -4136,6 +4967,35 @@
             <a:schemeClr val="lt1"/>
           </a:fontRef>
         </p:style>
+      </p:sp>
+      <p:sp>
+        <p:nvSpPr>
+          <p:cNvPr id="5" name="投影片編號版面配置區 4">
+            <a:extLst>
+              <a:ext uri="{FF2B5EF4-FFF2-40B4-BE49-F238E27FC236}">
+                <a16:creationId xmlns:a16="http://schemas.microsoft.com/office/drawing/2014/main" id="{35582881-5982-4ACA-AFF1-BF9E73FAE58D}"/>
+              </a:ext>
+            </a:extLst>
+          </p:cNvPr>
+          <p:cNvSpPr>
+            <a:spLocks noGrp="1"/>
+          </p:cNvSpPr>
+          <p:nvPr>
+            <p:ph type="sldNum" sz="quarter" idx="12"/>
+          </p:nvPr>
+        </p:nvSpPr>
+        <p:spPr/>
+        <p:txBody>
+          <a:bodyPr/>
+          <a:lstStyle/>
+          <a:p>
+            <a:fld id="{3A98EE3D-8CD1-4C3F-BD1C-C98C9596463C}" type="slidenum">
+              <a:rPr lang="en-US" smtClean="0"/>
+              <a:t>1</a:t>
+            </a:fld>
+            <a:endParaRPr lang="en-US" dirty="0"/>
+          </a:p>
+        </p:txBody>
       </p:sp>
     </p:spTree>
     <p:extLst>
@@ -4169,10 +5029,64 @@
       </p:grpSpPr>
       <p:sp>
         <p:nvSpPr>
-          <p:cNvPr id="2" name="標題 1">
-            <a:extLst>
-              <a:ext uri="{FF2B5EF4-FFF2-40B4-BE49-F238E27FC236}">
-                <a16:creationId xmlns:a16="http://schemas.microsoft.com/office/drawing/2014/main" id="{8FC0BD0A-2F4A-4DA7-AC6E-87E0763B9FCA}"/>
+          <p:cNvPr id="7" name="矩形 6">
+            <a:extLst>
+              <a:ext uri="{FF2B5EF4-FFF2-40B4-BE49-F238E27FC236}">
+                <a16:creationId xmlns:a16="http://schemas.microsoft.com/office/drawing/2014/main" id="{409BFFD4-F749-4625-BE11-73B222C40EFF}"/>
+              </a:ext>
+            </a:extLst>
+          </p:cNvPr>
+          <p:cNvSpPr/>
+          <p:nvPr/>
+        </p:nvSpPr>
+        <p:spPr>
+          <a:xfrm>
+            <a:off x="444138" y="1402080"/>
+            <a:ext cx="10789920" cy="1515291"/>
+          </a:xfrm>
+          <a:prstGeom prst="rect">
+            <a:avLst/>
+          </a:prstGeom>
+          <a:solidFill>
+            <a:schemeClr val="bg1"/>
+          </a:solidFill>
+          <a:ln>
+            <a:solidFill>
+              <a:schemeClr val="bg1"/>
+            </a:solidFill>
+          </a:ln>
+        </p:spPr>
+        <p:style>
+          <a:lnRef idx="2">
+            <a:schemeClr val="accent1">
+              <a:shade val="50000"/>
+            </a:schemeClr>
+          </a:lnRef>
+          <a:fillRef idx="1">
+            <a:schemeClr val="accent1"/>
+          </a:fillRef>
+          <a:effectRef idx="0">
+            <a:schemeClr val="accent1"/>
+          </a:effectRef>
+          <a:fontRef idx="minor">
+            <a:schemeClr val="lt1"/>
+          </a:fontRef>
+        </p:style>
+        <p:txBody>
+          <a:bodyPr rtlCol="0" anchor="ctr"/>
+          <a:lstStyle/>
+          <a:p>
+            <a:pPr algn="ctr"/>
+            <a:endParaRPr lang="zh-TW" altLang="en-US"/>
+          </a:p>
+        </p:txBody>
+      </p:sp>
+      <p:sp>
+        <p:nvSpPr>
+          <p:cNvPr id="5" name="標題 4">
+            <a:extLst>
+              <a:ext uri="{FF2B5EF4-FFF2-40B4-BE49-F238E27FC236}">
+                <a16:creationId xmlns:a16="http://schemas.microsoft.com/office/drawing/2014/main" id="{8E039A0B-0FB5-4415-88BB-EC88CC0955A6}"/>
               </a:ext>
             </a:extLst>
           </p:cNvPr>
@@ -4183,58 +5097,64 @@
             <p:ph type="title"/>
           </p:nvPr>
         </p:nvSpPr>
+        <p:spPr>
+          <a:xfrm>
+            <a:off x="1051559" y="2191992"/>
+            <a:ext cx="10088881" cy="1450757"/>
+          </a:xfrm>
+        </p:spPr>
+        <p:txBody>
+          <a:bodyPr/>
+          <a:lstStyle/>
+          <a:p>
+            <a:r>
+              <a:rPr lang="en-US" altLang="zh-TW" spc="130" dirty="0">
+                <a:latin typeface="Adobe Gothic Std B" panose="020B0800000000000000" pitchFamily="34" charset="-128"/>
+                <a:ea typeface="Adobe Gothic Std B" panose="020B0800000000000000" pitchFamily="34" charset="-128"/>
+                <a:cs typeface="+mn-cs"/>
+              </a:rPr>
+              <a:t>Conclusion</a:t>
+            </a:r>
+            <a:endParaRPr lang="zh-TW" altLang="en-US" spc="130" dirty="0">
+              <a:latin typeface="Adobe Gothic Std B" panose="020B0800000000000000" pitchFamily="34" charset="-128"/>
+              <a:cs typeface="+mn-cs"/>
+            </a:endParaRPr>
+          </a:p>
+        </p:txBody>
+      </p:sp>
+      <p:sp>
+        <p:nvSpPr>
+          <p:cNvPr id="4" name="投影片編號版面配置區 3">
+            <a:extLst>
+              <a:ext uri="{FF2B5EF4-FFF2-40B4-BE49-F238E27FC236}">
+                <a16:creationId xmlns:a16="http://schemas.microsoft.com/office/drawing/2014/main" id="{90A061EC-B1AF-4045-94E9-6F7E10D97607}"/>
+              </a:ext>
+            </a:extLst>
+          </p:cNvPr>
+          <p:cNvSpPr>
+            <a:spLocks noGrp="1"/>
+          </p:cNvSpPr>
+          <p:nvPr>
+            <p:ph type="sldNum" sz="quarter" idx="12"/>
+          </p:nvPr>
+        </p:nvSpPr>
         <p:spPr/>
         <p:txBody>
           <a:bodyPr/>
           <a:lstStyle/>
           <a:p>
-            <a:r>
-              <a:rPr lang="en-US" altLang="zh-TW" dirty="0"/>
-              <a:t>Fixed acidity - Quality</a:t>
-            </a:r>
-            <a:endParaRPr lang="zh-TW" altLang="en-US" dirty="0"/>
-          </a:p>
-        </p:txBody>
-      </p:sp>
-      <p:pic>
-        <p:nvPicPr>
-          <p:cNvPr id="9" name="內容版面配置區 8">
-            <a:extLst>
-              <a:ext uri="{FF2B5EF4-FFF2-40B4-BE49-F238E27FC236}">
-                <a16:creationId xmlns:a16="http://schemas.microsoft.com/office/drawing/2014/main" id="{9C09E0D5-1F9D-4D7F-8ACB-153F8E58169E}"/>
-              </a:ext>
-            </a:extLst>
-          </p:cNvPr>
-          <p:cNvPicPr>
-            <a:picLocks noGrp="1" noChangeAspect="1"/>
-          </p:cNvPicPr>
-          <p:nvPr>
-            <p:ph idx="1"/>
-          </p:nvPr>
-        </p:nvPicPr>
-        <p:blipFill>
-          <a:blip r:embed="rId2">
-            <a:extLst>
-              <a:ext uri="{28A0092B-C50C-407E-A947-70E740481C1C}">
-                <a14:useLocalDpi xmlns:a14="http://schemas.microsoft.com/office/drawing/2010/main" val="0"/>
-              </a:ext>
-            </a:extLst>
-          </a:blip>
-          <a:stretch>
-            <a:fillRect/>
-          </a:stretch>
-        </p:blipFill>
-        <p:spPr>
-          <a:xfrm>
-            <a:off x="2865579" y="2108200"/>
-            <a:ext cx="6521168" cy="3760788"/>
-          </a:xfrm>
-        </p:spPr>
-      </p:pic>
+            <a:fld id="{3A98EE3D-8CD1-4C3F-BD1C-C98C9596463C}" type="slidenum">
+              <a:rPr lang="en-US" smtClean="0"/>
+              <a:t>10</a:t>
+            </a:fld>
+            <a:endParaRPr lang="en-US" dirty="0"/>
+          </a:p>
+        </p:txBody>
+      </p:sp>
     </p:spTree>
     <p:extLst>
       <p:ext uri="{BB962C8B-B14F-4D97-AF65-F5344CB8AC3E}">
-        <p14:creationId xmlns:p14="http://schemas.microsoft.com/office/powerpoint/2010/main" val="4024568396"/>
+        <p14:creationId xmlns:p14="http://schemas.microsoft.com/office/powerpoint/2010/main" val="3651241391"/>
       </p:ext>
     </p:extLst>
   </p:cSld>
@@ -4263,10 +5183,10 @@
       </p:grpSpPr>
       <p:sp>
         <p:nvSpPr>
-          <p:cNvPr id="2" name="標題 1">
-            <a:extLst>
-              <a:ext uri="{FF2B5EF4-FFF2-40B4-BE49-F238E27FC236}">
-                <a16:creationId xmlns:a16="http://schemas.microsoft.com/office/drawing/2014/main" id="{6DCB8214-3E65-4A32-B0F9-5C0AFA2CF6D1}"/>
+          <p:cNvPr id="7" name="標題 6">
+            <a:extLst>
+              <a:ext uri="{FF2B5EF4-FFF2-40B4-BE49-F238E27FC236}">
+                <a16:creationId xmlns:a16="http://schemas.microsoft.com/office/drawing/2014/main" id="{AFF0E19A-EC1F-48ED-A373-BB06B827E85F}"/>
               </a:ext>
             </a:extLst>
           </p:cNvPr>
@@ -4284,51 +5204,127 @@
           <a:p>
             <a:r>
               <a:rPr lang="en-US" altLang="zh-TW" dirty="0"/>
-              <a:t>Free sulfur dioxide - Quality</a:t>
+              <a:t>Reference</a:t>
             </a:r>
             <a:endParaRPr lang="zh-TW" altLang="en-US" dirty="0"/>
           </a:p>
         </p:txBody>
       </p:sp>
-      <p:pic>
-        <p:nvPicPr>
-          <p:cNvPr id="9" name="內容版面配置區 8">
-            <a:extLst>
-              <a:ext uri="{FF2B5EF4-FFF2-40B4-BE49-F238E27FC236}">
-                <a16:creationId xmlns:a16="http://schemas.microsoft.com/office/drawing/2014/main" id="{F6E0B6F8-D933-454D-9102-C671F60B149A}"/>
-              </a:ext>
-            </a:extLst>
-          </p:cNvPr>
-          <p:cNvPicPr>
-            <a:picLocks noGrp="1" noChangeAspect="1"/>
-          </p:cNvPicPr>
+      <p:sp>
+        <p:nvSpPr>
+          <p:cNvPr id="2" name="投影片編號版面配置區 1">
+            <a:extLst>
+              <a:ext uri="{FF2B5EF4-FFF2-40B4-BE49-F238E27FC236}">
+                <a16:creationId xmlns:a16="http://schemas.microsoft.com/office/drawing/2014/main" id="{4B549FEA-CB40-446C-BEF1-12952454CF03}"/>
+              </a:ext>
+            </a:extLst>
+          </p:cNvPr>
+          <p:cNvSpPr>
+            <a:spLocks noGrp="1"/>
+          </p:cNvSpPr>
+          <p:nvPr>
+            <p:ph type="sldNum" sz="quarter" idx="12"/>
+          </p:nvPr>
+        </p:nvSpPr>
+        <p:spPr/>
+        <p:txBody>
+          <a:bodyPr/>
+          <a:lstStyle/>
+          <a:p>
+            <a:fld id="{3A98EE3D-8CD1-4C3F-BD1C-C98C9596463C}" type="slidenum">
+              <a:rPr lang="en-US" smtClean="0"/>
+              <a:t>11</a:t>
+            </a:fld>
+            <a:endParaRPr lang="en-US" dirty="0"/>
+          </a:p>
+        </p:txBody>
+      </p:sp>
+      <p:sp>
+        <p:nvSpPr>
+          <p:cNvPr id="3" name="內容版面配置區 2">
+            <a:extLst>
+              <a:ext uri="{FF2B5EF4-FFF2-40B4-BE49-F238E27FC236}">
+                <a16:creationId xmlns:a16="http://schemas.microsoft.com/office/drawing/2014/main" id="{30A83740-623F-4083-AB67-309E5789FDFD}"/>
+              </a:ext>
+            </a:extLst>
+          </p:cNvPr>
+          <p:cNvSpPr>
+            <a:spLocks noGrp="1"/>
+          </p:cNvSpPr>
           <p:nvPr>
             <p:ph idx="1"/>
           </p:nvPr>
-        </p:nvPicPr>
-        <p:blipFill>
-          <a:blip r:embed="rId2">
-            <a:extLst>
-              <a:ext uri="{28A0092B-C50C-407E-A947-70E740481C1C}">
-                <a14:useLocalDpi xmlns:a14="http://schemas.microsoft.com/office/drawing/2010/main" val="0"/>
-              </a:ext>
-            </a:extLst>
-          </a:blip>
-          <a:stretch>
-            <a:fillRect/>
-          </a:stretch>
-        </p:blipFill>
-        <p:spPr>
-          <a:xfrm>
-            <a:off x="2872526" y="2108200"/>
-            <a:ext cx="6507274" cy="3760788"/>
-          </a:xfrm>
-        </p:spPr>
-      </p:pic>
+        </p:nvSpPr>
+        <p:spPr/>
+        <p:txBody>
+          <a:bodyPr/>
+          <a:lstStyle/>
+          <a:p>
+            <a:r>
+              <a:rPr lang="en-US" altLang="zh-TW" b="0" dirty="0">
+                <a:solidFill>
+                  <a:schemeClr val="tx1"/>
+                </a:solidFill>
+                <a:effectLst/>
+                <a:latin typeface="Adobe Gothic Std B" panose="020B0800000000000000" pitchFamily="34" charset="-128"/>
+                <a:ea typeface="Adobe Gothic Std B" panose="020B0800000000000000" pitchFamily="34" charset="-128"/>
+              </a:rPr>
+              <a:t>Dataset contributed by Paulo Cortez (Univ. Minho), Antonio </a:t>
+            </a:r>
+            <a:r>
+              <a:rPr lang="en-US" altLang="zh-TW" b="0" dirty="0" err="1">
+                <a:solidFill>
+                  <a:schemeClr val="tx1"/>
+                </a:solidFill>
+                <a:effectLst/>
+                <a:latin typeface="Adobe Gothic Std B" panose="020B0800000000000000" pitchFamily="34" charset="-128"/>
+                <a:ea typeface="Adobe Gothic Std B" panose="020B0800000000000000" pitchFamily="34" charset="-128"/>
+              </a:rPr>
+              <a:t>Cerdeira</a:t>
+            </a:r>
+            <a:r>
+              <a:rPr lang="en-US" altLang="zh-TW" b="0" dirty="0">
+                <a:solidFill>
+                  <a:schemeClr val="tx1"/>
+                </a:solidFill>
+                <a:effectLst/>
+                <a:latin typeface="Adobe Gothic Std B" panose="020B0800000000000000" pitchFamily="34" charset="-128"/>
+                <a:ea typeface="Adobe Gothic Std B" panose="020B0800000000000000" pitchFamily="34" charset="-128"/>
+              </a:rPr>
+              <a:t>, Fernando Almeida, </a:t>
+            </a:r>
+            <a:r>
+              <a:rPr lang="en-US" altLang="zh-TW" b="0" dirty="0" err="1">
+                <a:solidFill>
+                  <a:schemeClr val="tx1"/>
+                </a:solidFill>
+                <a:effectLst/>
+                <a:latin typeface="Adobe Gothic Std B" panose="020B0800000000000000" pitchFamily="34" charset="-128"/>
+                <a:ea typeface="Adobe Gothic Std B" panose="020B0800000000000000" pitchFamily="34" charset="-128"/>
+              </a:rPr>
+              <a:t>Telmo</a:t>
+            </a:r>
+            <a:r>
+              <a:rPr lang="en-US" altLang="zh-TW" b="0" dirty="0">
+                <a:solidFill>
+                  <a:schemeClr val="tx1"/>
+                </a:solidFill>
+                <a:effectLst/>
+                <a:latin typeface="Adobe Gothic Std B" panose="020B0800000000000000" pitchFamily="34" charset="-128"/>
+                <a:ea typeface="Adobe Gothic Std B" panose="020B0800000000000000" pitchFamily="34" charset="-128"/>
+              </a:rPr>
+              <a:t> Matos and Jose Reis (CVRVV) @ 2009</a:t>
+            </a:r>
+          </a:p>
+          <a:p>
+            <a:endParaRPr lang="zh-TW" altLang="en-US" dirty="0"/>
+          </a:p>
+        </p:txBody>
+      </p:sp>
     </p:spTree>
     <p:extLst>
       <p:ext uri="{BB962C8B-B14F-4D97-AF65-F5344CB8AC3E}">
-        <p14:creationId xmlns:p14="http://schemas.microsoft.com/office/powerpoint/2010/main" val="2512792790"/>
+        <p14:creationId xmlns:p14="http://schemas.microsoft.com/office/powerpoint/2010/main" val="802847703"/>
       </p:ext>
     </p:extLst>
   </p:cSld>
@@ -4357,18 +5353,60 @@
       </p:grpSpPr>
       <p:sp>
         <p:nvSpPr>
-          <p:cNvPr id="2" name="標題 1">
-            <a:extLst>
-              <a:ext uri="{FF2B5EF4-FFF2-40B4-BE49-F238E27FC236}">
-                <a16:creationId xmlns:a16="http://schemas.microsoft.com/office/drawing/2014/main" id="{A2ED669E-AC65-4313-8DE2-422FC7F69267}"/>
-              </a:ext>
-            </a:extLst>
-          </p:cNvPr>
-          <p:cNvSpPr>
-            <a:spLocks noGrp="1"/>
-          </p:cNvSpPr>
-          <p:nvPr>
-            <p:ph type="title"/>
+          <p:cNvPr id="7" name="文字方塊 6">
+            <a:extLst>
+              <a:ext uri="{FF2B5EF4-FFF2-40B4-BE49-F238E27FC236}">
+                <a16:creationId xmlns:a16="http://schemas.microsoft.com/office/drawing/2014/main" id="{10AE02AD-76FB-40AD-BD6C-C105D07441AA}"/>
+              </a:ext>
+            </a:extLst>
+          </p:cNvPr>
+          <p:cNvSpPr txBox="1"/>
+          <p:nvPr/>
+        </p:nvSpPr>
+        <p:spPr>
+          <a:xfrm flipH="1">
+            <a:off x="6096000" y="4974671"/>
+            <a:ext cx="5172235" cy="769441"/>
+          </a:xfrm>
+          <a:prstGeom prst="rect">
+            <a:avLst/>
+          </a:prstGeom>
+          <a:noFill/>
+        </p:spPr>
+        <p:txBody>
+          <a:bodyPr wrap="square" rtlCol="0">
+            <a:spAutoFit/>
+          </a:bodyPr>
+          <a:lstStyle/>
+          <a:p>
+            <a:r>
+              <a:rPr lang="en-US" altLang="zh-TW" sz="4400" dirty="0">
+                <a:latin typeface="Adobe Arabic" panose="02040503050201020203" pitchFamily="18" charset="-78"/>
+                <a:cs typeface="Adobe Arabic" panose="02040503050201020203" pitchFamily="18" charset="-78"/>
+              </a:rPr>
+              <a:t>Thank you for your attention.</a:t>
+            </a:r>
+            <a:endParaRPr lang="zh-TW" altLang="en-US" sz="4400" dirty="0">
+              <a:latin typeface="Adobe Arabic" panose="02040503050201020203" pitchFamily="18" charset="-78"/>
+              <a:cs typeface="Adobe Arabic" panose="02040503050201020203" pitchFamily="18" charset="-78"/>
+            </a:endParaRPr>
+          </a:p>
+        </p:txBody>
+      </p:sp>
+      <p:sp>
+        <p:nvSpPr>
+          <p:cNvPr id="2" name="投影片編號版面配置區 1">
+            <a:extLst>
+              <a:ext uri="{FF2B5EF4-FFF2-40B4-BE49-F238E27FC236}">
+                <a16:creationId xmlns:a16="http://schemas.microsoft.com/office/drawing/2014/main" id="{F839C3F0-FF11-4931-9A0C-D6DABA51430B}"/>
+              </a:ext>
+            </a:extLst>
+          </p:cNvPr>
+          <p:cNvSpPr>
+            <a:spLocks noGrp="1"/>
+          </p:cNvSpPr>
+          <p:nvPr>
+            <p:ph type="sldNum" sz="quarter" idx="12"/>
           </p:nvPr>
         </p:nvSpPr>
         <p:spPr/>
@@ -4376,53 +5414,72 @@
           <a:bodyPr/>
           <a:lstStyle/>
           <a:p>
-            <a:r>
-              <a:rPr lang="en-US" altLang="zh-TW" dirty="0"/>
-              <a:t>Residual sugar - Quality</a:t>
-            </a:r>
-            <a:endParaRPr lang="zh-TW" altLang="en-US" dirty="0"/>
-          </a:p>
-        </p:txBody>
-      </p:sp>
-      <p:pic>
-        <p:nvPicPr>
-          <p:cNvPr id="9" name="內容版面配置區 8">
-            <a:extLst>
-              <a:ext uri="{FF2B5EF4-FFF2-40B4-BE49-F238E27FC236}">
-                <a16:creationId xmlns:a16="http://schemas.microsoft.com/office/drawing/2014/main" id="{AA903DFC-F0A5-4885-BB3C-8FF7B2C58376}"/>
-              </a:ext>
-            </a:extLst>
-          </p:cNvPr>
-          <p:cNvPicPr>
-            <a:picLocks noGrp="1" noChangeAspect="1"/>
-          </p:cNvPicPr>
-          <p:nvPr>
-            <p:ph idx="1"/>
-          </p:nvPr>
-        </p:nvPicPr>
-        <p:blipFill>
-          <a:blip r:embed="rId2">
-            <a:extLst>
-              <a:ext uri="{28A0092B-C50C-407E-A947-70E740481C1C}">
-                <a14:useLocalDpi xmlns:a14="http://schemas.microsoft.com/office/drawing/2010/main" val="0"/>
-              </a:ext>
-            </a:extLst>
-          </a:blip>
-          <a:stretch>
-            <a:fillRect/>
-          </a:stretch>
-        </p:blipFill>
+            <a:fld id="{3A98EE3D-8CD1-4C3F-BD1C-C98C9596463C}" type="slidenum">
+              <a:rPr lang="en-US" smtClean="0"/>
+              <a:t>12</a:t>
+            </a:fld>
+            <a:endParaRPr lang="en-US" dirty="0"/>
+          </a:p>
+        </p:txBody>
+      </p:sp>
+      <p:sp>
+        <p:nvSpPr>
+          <p:cNvPr id="3" name="矩形 2">
+            <a:extLst>
+              <a:ext uri="{FF2B5EF4-FFF2-40B4-BE49-F238E27FC236}">
+                <a16:creationId xmlns:a16="http://schemas.microsoft.com/office/drawing/2014/main" id="{28AC7A37-D41D-4C7F-B04A-65E90950A340}"/>
+              </a:ext>
+            </a:extLst>
+          </p:cNvPr>
+          <p:cNvSpPr/>
+          <p:nvPr/>
+        </p:nvSpPr>
         <p:spPr>
           <a:xfrm>
-            <a:off x="2851764" y="2108200"/>
-            <a:ext cx="6548798" cy="3760788"/>
-          </a:xfrm>
-        </p:spPr>
-      </p:pic>
+            <a:off x="844731" y="1619794"/>
+            <a:ext cx="10423504" cy="836023"/>
+          </a:xfrm>
+          <a:prstGeom prst="rect">
+            <a:avLst/>
+          </a:prstGeom>
+          <a:solidFill>
+            <a:schemeClr val="bg1"/>
+          </a:solidFill>
+          <a:ln>
+            <a:solidFill>
+              <a:schemeClr val="bg1"/>
+            </a:solidFill>
+          </a:ln>
+        </p:spPr>
+        <p:style>
+          <a:lnRef idx="2">
+            <a:schemeClr val="accent1">
+              <a:shade val="50000"/>
+            </a:schemeClr>
+          </a:lnRef>
+          <a:fillRef idx="1">
+            <a:schemeClr val="accent1"/>
+          </a:fillRef>
+          <a:effectRef idx="0">
+            <a:schemeClr val="accent1"/>
+          </a:effectRef>
+          <a:fontRef idx="minor">
+            <a:schemeClr val="lt1"/>
+          </a:fontRef>
+        </p:style>
+        <p:txBody>
+          <a:bodyPr rtlCol="0" anchor="ctr"/>
+          <a:lstStyle/>
+          <a:p>
+            <a:pPr algn="ctr"/>
+            <a:endParaRPr lang="zh-TW" altLang="en-US"/>
+          </a:p>
+        </p:txBody>
+      </p:sp>
     </p:spTree>
     <p:extLst>
       <p:ext uri="{BB962C8B-B14F-4D97-AF65-F5344CB8AC3E}">
-        <p14:creationId xmlns:p14="http://schemas.microsoft.com/office/powerpoint/2010/main" val="2673651449"/>
+        <p14:creationId xmlns:p14="http://schemas.microsoft.com/office/powerpoint/2010/main" val="157343277"/>
       </p:ext>
     </p:extLst>
   </p:cSld>
@@ -4432,7 +5489,7 @@
 </p:sld>
 </file>
 
-<file path=ppt/slides/slide13.xml><?xml version="1.0" encoding="utf-8"?>
+<file path=ppt/slides/slide2.xml><?xml version="1.0" encoding="utf-8"?>
 <p:sld xmlns:a="http://schemas.openxmlformats.org/drawingml/2006/main" xmlns:r="http://schemas.openxmlformats.org/officeDocument/2006/relationships" xmlns:p="http://schemas.openxmlformats.org/presentationml/2006/main">
   <p:cSld>
     <p:spTree>
@@ -4451,10 +5508,10 @@
       </p:grpSpPr>
       <p:sp>
         <p:nvSpPr>
-          <p:cNvPr id="2" name="標題 1">
-            <a:extLst>
-              <a:ext uri="{FF2B5EF4-FFF2-40B4-BE49-F238E27FC236}">
-                <a16:creationId xmlns:a16="http://schemas.microsoft.com/office/drawing/2014/main" id="{5FF671EB-58D0-4970-B3AA-946F2306ADDA}"/>
+          <p:cNvPr id="6" name="標題 5">
+            <a:extLst>
+              <a:ext uri="{FF2B5EF4-FFF2-40B4-BE49-F238E27FC236}">
+                <a16:creationId xmlns:a16="http://schemas.microsoft.com/office/drawing/2014/main" id="{A2041760-72F6-480A-BC54-1B7F77833A4A}"/>
               </a:ext>
             </a:extLst>
           </p:cNvPr>
@@ -4465,37 +5522,174 @@
             <p:ph type="title"/>
           </p:nvPr>
         </p:nvSpPr>
+        <p:spPr>
+          <a:xfrm>
+            <a:off x="1066798" y="590479"/>
+            <a:ext cx="10088881" cy="1450757"/>
+          </a:xfrm>
+        </p:spPr>
+        <p:txBody>
+          <a:bodyPr/>
+          <a:lstStyle/>
+          <a:p>
+            <a:r>
+              <a:rPr lang="en-US" altLang="zh-TW" spc="130" dirty="0">
+                <a:latin typeface="Adobe Gothic Std B" panose="020B0800000000000000" pitchFamily="34" charset="-128"/>
+                <a:ea typeface="Adobe Gothic Std B" panose="020B0800000000000000" pitchFamily="34" charset="-128"/>
+                <a:cs typeface="+mn-cs"/>
+              </a:rPr>
+              <a:t>Introduction</a:t>
+            </a:r>
+            <a:endParaRPr lang="zh-TW" altLang="en-US" spc="130" dirty="0">
+              <a:latin typeface="Adobe Gothic Std B" panose="020B0800000000000000" pitchFamily="34" charset="-128"/>
+              <a:cs typeface="+mn-cs"/>
+            </a:endParaRPr>
+          </a:p>
+        </p:txBody>
+      </p:sp>
+      <p:sp>
+        <p:nvSpPr>
+          <p:cNvPr id="7" name="內容版面配置區 6">
+            <a:extLst>
+              <a:ext uri="{FF2B5EF4-FFF2-40B4-BE49-F238E27FC236}">
+                <a16:creationId xmlns:a16="http://schemas.microsoft.com/office/drawing/2014/main" id="{95C91235-7D2D-4409-AFBA-EE2A63A30E44}"/>
+              </a:ext>
+            </a:extLst>
+          </p:cNvPr>
+          <p:cNvSpPr>
+            <a:spLocks noGrp="1"/>
+          </p:cNvSpPr>
+          <p:nvPr>
+            <p:ph idx="1"/>
+          </p:nvPr>
+        </p:nvSpPr>
         <p:spPr/>
         <p:txBody>
           <a:bodyPr/>
           <a:lstStyle/>
           <a:p>
-            <a:r>
-              <a:rPr lang="en-US" altLang="zh-TW" dirty="0"/>
-              <a:t>Sulphates - Quality</a:t>
-            </a:r>
+            <a:pPr>
+              <a:buFont typeface="Wingdings" panose="05000000000000000000" pitchFamily="2" charset="2"/>
+              <a:buChar char="l"/>
+            </a:pPr>
+            <a:r>
+              <a:rPr lang="en-US" altLang="zh-TW" sz="2800" dirty="0">
+                <a:latin typeface="Adobe Gothic Std B" panose="020B0800000000000000" pitchFamily="34" charset="-128"/>
+                <a:ea typeface="Adobe Gothic Std B" panose="020B0800000000000000" pitchFamily="34" charset="-128"/>
+              </a:rPr>
+              <a:t>Why we choice this dataset?</a:t>
+            </a:r>
+          </a:p>
+          <a:p>
+            <a:pPr>
+              <a:buFont typeface="Wingdings" panose="05000000000000000000" pitchFamily="2" charset="2"/>
+              <a:buChar char="l"/>
+            </a:pPr>
+            <a:r>
+              <a:rPr lang="en-US" altLang="zh-TW" sz="2800" dirty="0">
+                <a:latin typeface="Adobe Gothic Std B" panose="020B0800000000000000" pitchFamily="34" charset="-128"/>
+                <a:ea typeface="Adobe Gothic Std B" panose="020B0800000000000000" pitchFamily="34" charset="-128"/>
+              </a:rPr>
+              <a:t>What attribute we have?</a:t>
+            </a:r>
+          </a:p>
+          <a:p>
+            <a:pPr>
+              <a:buFont typeface="Wingdings" panose="05000000000000000000" pitchFamily="2" charset="2"/>
+              <a:buChar char="l"/>
+            </a:pPr>
+            <a:r>
+              <a:rPr lang="en-US" altLang="zh-TW" sz="2800" dirty="0">
+                <a:latin typeface="Adobe Gothic Std B" panose="020B0800000000000000" pitchFamily="34" charset="-128"/>
+                <a:ea typeface="Adobe Gothic Std B" panose="020B0800000000000000" pitchFamily="34" charset="-128"/>
+              </a:rPr>
+              <a:t>What attribute </a:t>
+            </a:r>
+            <a:r>
+              <a:rPr lang="en-US" altLang="zh-TW" sz="2800" b="1" dirty="0">
+                <a:latin typeface="Adobe Gothic Std B" panose="020B0800000000000000" pitchFamily="34" charset="-128"/>
+                <a:ea typeface="Adobe Gothic Std B" panose="020B0800000000000000" pitchFamily="34" charset="-128"/>
+              </a:rPr>
+              <a:t>will affect </a:t>
+            </a:r>
+            <a:r>
+              <a:rPr lang="en-US" altLang="zh-TW" sz="2800" dirty="0">
+                <a:latin typeface="Adobe Gothic Std B" panose="020B0800000000000000" pitchFamily="34" charset="-128"/>
+                <a:ea typeface="Adobe Gothic Std B" panose="020B0800000000000000" pitchFamily="34" charset="-128"/>
+              </a:rPr>
+              <a:t>our result?</a:t>
+            </a:r>
+          </a:p>
+          <a:p>
+            <a:pPr>
+              <a:buFont typeface="Wingdings" panose="05000000000000000000" pitchFamily="2" charset="2"/>
+              <a:buChar char="l"/>
+            </a:pPr>
+            <a:r>
+              <a:rPr lang="en-US" altLang="zh-TW" sz="2800" dirty="0">
+                <a:latin typeface="Adobe Gothic Std B" panose="020B0800000000000000" pitchFamily="34" charset="-128"/>
+                <a:ea typeface="Adobe Gothic Std B" panose="020B0800000000000000" pitchFamily="34" charset="-128"/>
+              </a:rPr>
+              <a:t>The problem we met.</a:t>
+            </a:r>
+          </a:p>
+          <a:p>
             <a:endParaRPr lang="zh-TW" altLang="en-US" dirty="0"/>
+          </a:p>
+        </p:txBody>
+      </p:sp>
+      <p:sp>
+        <p:nvSpPr>
+          <p:cNvPr id="2" name="投影片編號版面配置區 1">
+            <a:extLst>
+              <a:ext uri="{FF2B5EF4-FFF2-40B4-BE49-F238E27FC236}">
+                <a16:creationId xmlns:a16="http://schemas.microsoft.com/office/drawing/2014/main" id="{C12A1058-8DD7-4217-AC04-B86E050D4113}"/>
+              </a:ext>
+            </a:extLst>
+          </p:cNvPr>
+          <p:cNvSpPr>
+            <a:spLocks noGrp="1"/>
+          </p:cNvSpPr>
+          <p:nvPr>
+            <p:ph type="sldNum" sz="quarter" idx="12"/>
+          </p:nvPr>
+        </p:nvSpPr>
+        <p:spPr/>
+        <p:txBody>
+          <a:bodyPr/>
+          <a:lstStyle/>
+          <a:p>
+            <a:fld id="{3A98EE3D-8CD1-4C3F-BD1C-C98C9596463C}" type="slidenum">
+              <a:rPr lang="en-US" smtClean="0"/>
+              <a:t>2</a:t>
+            </a:fld>
+            <a:endParaRPr lang="en-US" dirty="0"/>
           </a:p>
         </p:txBody>
       </p:sp>
       <p:pic>
         <p:nvPicPr>
-          <p:cNvPr id="9" name="內容版面配置區 8">
-            <a:extLst>
-              <a:ext uri="{FF2B5EF4-FFF2-40B4-BE49-F238E27FC236}">
-                <a16:creationId xmlns:a16="http://schemas.microsoft.com/office/drawing/2014/main" id="{D8C2D3FF-F084-4A20-96B0-22C49C3F2769}"/>
+          <p:cNvPr id="5" name="圖片 4">
+            <a:extLst>
+              <a:ext uri="{FF2B5EF4-FFF2-40B4-BE49-F238E27FC236}">
+                <a16:creationId xmlns:a16="http://schemas.microsoft.com/office/drawing/2014/main" id="{58CC889E-DE6C-4D4C-A22D-8E7E93E5770E}"/>
               </a:ext>
             </a:extLst>
           </p:cNvPr>
           <p:cNvPicPr>
-            <a:picLocks noGrp="1" noChangeAspect="1"/>
+            <a:picLocks noChangeAspect="1"/>
           </p:cNvPicPr>
-          <p:nvPr>
-            <p:ph idx="1"/>
-          </p:nvPr>
+          <p:nvPr/>
         </p:nvPicPr>
         <p:blipFill>
           <a:blip r:embed="rId2">
+            <a:duotone>
+              <a:schemeClr val="accent2">
+                <a:shade val="45000"/>
+                <a:satMod val="135000"/>
+              </a:schemeClr>
+              <a:prstClr val="white"/>
+            </a:duotone>
             <a:extLst>
               <a:ext uri="{28A0092B-C50C-407E-A947-70E740481C1C}">
                 <a14:useLocalDpi xmlns:a14="http://schemas.microsoft.com/office/drawing/2010/main" val="0"/>
@@ -4508,15 +5702,22 @@
         </p:blipFill>
         <p:spPr>
           <a:xfrm>
-            <a:off x="2870210" y="2108200"/>
-            <a:ext cx="6511905" cy="3760788"/>
-          </a:xfrm>
+            <a:off x="9008426" y="3733101"/>
+            <a:ext cx="1986691" cy="1986691"/>
+          </a:xfrm>
+          <a:prstGeom prst="rect">
+            <a:avLst/>
+          </a:prstGeom>
+          <a:noFill/>
+          <a:ln>
+            <a:noFill/>
+          </a:ln>
         </p:spPr>
       </p:pic>
     </p:spTree>
     <p:extLst>
       <p:ext uri="{BB962C8B-B14F-4D97-AF65-F5344CB8AC3E}">
-        <p14:creationId xmlns:p14="http://schemas.microsoft.com/office/powerpoint/2010/main" val="1046030843"/>
+        <p14:creationId xmlns:p14="http://schemas.microsoft.com/office/powerpoint/2010/main" val="1038989604"/>
       </p:ext>
     </p:extLst>
   </p:cSld>
@@ -4526,7 +5727,7 @@
 </p:sld>
 </file>
 
-<file path=ppt/slides/slide14.xml><?xml version="1.0" encoding="utf-8"?>
+<file path=ppt/slides/slide3.xml><?xml version="1.0" encoding="utf-8"?>
 <p:sld xmlns:a="http://schemas.openxmlformats.org/drawingml/2006/main" xmlns:r="http://schemas.openxmlformats.org/officeDocument/2006/relationships" xmlns:p="http://schemas.openxmlformats.org/presentationml/2006/main">
   <p:cSld>
     <p:spTree>
@@ -4545,10 +5746,10 @@
       </p:grpSpPr>
       <p:sp>
         <p:nvSpPr>
-          <p:cNvPr id="2" name="標題 1">
-            <a:extLst>
-              <a:ext uri="{FF2B5EF4-FFF2-40B4-BE49-F238E27FC236}">
-                <a16:creationId xmlns:a16="http://schemas.microsoft.com/office/drawing/2014/main" id="{69B0EA5B-47E8-4DFE-9EF8-6CA54A40C177}"/>
+          <p:cNvPr id="4" name="標題 3">
+            <a:extLst>
+              <a:ext uri="{FF2B5EF4-FFF2-40B4-BE49-F238E27FC236}">
+                <a16:creationId xmlns:a16="http://schemas.microsoft.com/office/drawing/2014/main" id="{EF2BAF71-2FDA-40B5-BDE3-0EB6BDE398D7}"/>
               </a:ext>
             </a:extLst>
           </p:cNvPr>
@@ -4559,58 +5760,217 @@
             <p:ph type="title"/>
           </p:nvPr>
         </p:nvSpPr>
+        <p:spPr>
+          <a:xfrm>
+            <a:off x="1066798" y="599185"/>
+            <a:ext cx="10088881" cy="1450757"/>
+          </a:xfrm>
+        </p:spPr>
+        <p:txBody>
+          <a:bodyPr/>
+          <a:lstStyle/>
+          <a:p>
+            <a:r>
+              <a:rPr lang="en-US" altLang="zh-TW" spc="130" dirty="0">
+                <a:latin typeface="Adobe Gothic Std B" panose="020B0800000000000000" pitchFamily="34" charset="-128"/>
+                <a:ea typeface="Adobe Gothic Std B" panose="020B0800000000000000" pitchFamily="34" charset="-128"/>
+                <a:cs typeface="+mn-cs"/>
+              </a:rPr>
+              <a:t>The Preprocess we do</a:t>
+            </a:r>
+            <a:endParaRPr lang="zh-TW" altLang="en-US" spc="130" dirty="0">
+              <a:latin typeface="Adobe Gothic Std B" panose="020B0800000000000000" pitchFamily="34" charset="-128"/>
+              <a:cs typeface="+mn-cs"/>
+            </a:endParaRPr>
+          </a:p>
+        </p:txBody>
+      </p:sp>
+      <p:sp>
+        <p:nvSpPr>
+          <p:cNvPr id="5" name="內容版面配置區 4">
+            <a:extLst>
+              <a:ext uri="{FF2B5EF4-FFF2-40B4-BE49-F238E27FC236}">
+                <a16:creationId xmlns:a16="http://schemas.microsoft.com/office/drawing/2014/main" id="{A3062484-5789-4F4D-8F25-4865D7BC9BA7}"/>
+              </a:ext>
+            </a:extLst>
+          </p:cNvPr>
+          <p:cNvSpPr>
+            <a:spLocks noGrp="1"/>
+          </p:cNvSpPr>
+          <p:nvPr>
+            <p:ph idx="1"/>
+          </p:nvPr>
+        </p:nvSpPr>
         <p:spPr/>
         <p:txBody>
           <a:bodyPr/>
           <a:lstStyle/>
           <a:p>
-            <a:r>
-              <a:rPr lang="en-US" altLang="zh-TW" dirty="0"/>
-              <a:t>Total sulfur dioxide - Quality</a:t>
-            </a:r>
+            <a:pPr>
+              <a:buFont typeface="Wingdings" panose="05000000000000000000" pitchFamily="2" charset="2"/>
+              <a:buChar char="l"/>
+            </a:pPr>
+            <a:r>
+              <a:rPr lang="en-US" altLang="zh-TW" sz="2800" dirty="0">
+                <a:latin typeface="Adobe Gothic Std B" panose="020B0800000000000000" pitchFamily="34" charset="-128"/>
+                <a:ea typeface="Adobe Gothic Std B" panose="020B0800000000000000" pitchFamily="34" charset="-128"/>
+              </a:rPr>
+              <a:t>Remove outliers</a:t>
+            </a:r>
+          </a:p>
+          <a:p>
+            <a:pPr>
+              <a:buFont typeface="Wingdings" panose="05000000000000000000" pitchFamily="2" charset="2"/>
+              <a:buChar char="l"/>
+            </a:pPr>
+            <a:r>
+              <a:rPr lang="en-US" altLang="zh-TW" sz="2800" dirty="0">
+                <a:latin typeface="Adobe Gothic Std B" panose="020B0800000000000000" pitchFamily="34" charset="-128"/>
+                <a:ea typeface="Adobe Gothic Std B" panose="020B0800000000000000" pitchFamily="34" charset="-128"/>
+              </a:rPr>
+              <a:t>Discretization</a:t>
+            </a:r>
+          </a:p>
+          <a:p>
+            <a:pPr marL="0" indent="0">
+              <a:buNone/>
+            </a:pPr>
+            <a:r>
+              <a:rPr lang="en-US" altLang="zh-TW" sz="2800" dirty="0">
+                <a:solidFill>
+                  <a:schemeClr val="bg1">
+                    <a:lumMod val="75000"/>
+                  </a:schemeClr>
+                </a:solidFill>
+                <a:latin typeface="Adobe Gothic Std B" panose="020B0800000000000000" pitchFamily="34" charset="-128"/>
+                <a:ea typeface="Adobe Gothic Std B" panose="020B0800000000000000" pitchFamily="34" charset="-128"/>
+              </a:rPr>
+              <a:t>	</a:t>
+            </a:r>
+            <a:r>
+              <a:rPr lang="en-US" altLang="zh-TW" sz="2200" dirty="0">
+                <a:solidFill>
+                  <a:schemeClr val="bg1">
+                    <a:lumMod val="75000"/>
+                  </a:schemeClr>
+                </a:solidFill>
+                <a:latin typeface="Adobe Gothic Std B" panose="020B0800000000000000" pitchFamily="34" charset="-128"/>
+                <a:ea typeface="Adobe Gothic Std B" panose="020B0800000000000000" pitchFamily="34" charset="-128"/>
+              </a:rPr>
+              <a:t>(separate with same number of data)</a:t>
+            </a:r>
+          </a:p>
+          <a:p>
+            <a:pPr>
+              <a:buFont typeface="Wingdings" panose="05000000000000000000" pitchFamily="2" charset="2"/>
+              <a:buChar char="l"/>
+            </a:pPr>
+            <a:r>
+              <a:rPr lang="en-US" altLang="zh-TW" sz="2800" dirty="0">
+                <a:latin typeface="Adobe Gothic Std B" panose="020B0800000000000000" pitchFamily="34" charset="-128"/>
+                <a:ea typeface="Adobe Gothic Std B" panose="020B0800000000000000" pitchFamily="34" charset="-128"/>
+              </a:rPr>
+              <a:t>Delete attribute </a:t>
+            </a:r>
+            <a:r>
+              <a:rPr lang="en-US" altLang="zh-TW" sz="2200" dirty="0">
+                <a:solidFill>
+                  <a:schemeClr val="bg1">
+                    <a:lumMod val="75000"/>
+                  </a:schemeClr>
+                </a:solidFill>
+                <a:latin typeface="Adobe Gothic Std B" panose="020B0800000000000000" pitchFamily="34" charset="-128"/>
+                <a:ea typeface="Adobe Gothic Std B" panose="020B0800000000000000" pitchFamily="34" charset="-128"/>
+              </a:rPr>
+              <a:t>(</a:t>
+            </a:r>
+            <a:r>
+              <a:rPr lang="en-US" altLang="zh-TW" sz="2200" dirty="0" err="1">
+                <a:solidFill>
+                  <a:schemeClr val="bg1">
+                    <a:lumMod val="75000"/>
+                  </a:schemeClr>
+                </a:solidFill>
+                <a:latin typeface="Adobe Gothic Std B" panose="020B0800000000000000" pitchFamily="34" charset="-128"/>
+                <a:ea typeface="Adobe Gothic Std B" panose="020B0800000000000000" pitchFamily="34" charset="-128"/>
+              </a:rPr>
+              <a:t>CfbsubsetEval</a:t>
+            </a:r>
+            <a:r>
+              <a:rPr lang="en-US" altLang="zh-TW" sz="2200" dirty="0">
+                <a:solidFill>
+                  <a:schemeClr val="bg1">
+                    <a:lumMod val="75000"/>
+                  </a:schemeClr>
+                </a:solidFill>
+                <a:latin typeface="Adobe Gothic Std B" panose="020B0800000000000000" pitchFamily="34" charset="-128"/>
+                <a:ea typeface="Adobe Gothic Std B" panose="020B0800000000000000" pitchFamily="34" charset="-128"/>
+              </a:rPr>
+              <a:t> with </a:t>
+            </a:r>
+            <a:r>
+              <a:rPr lang="en-US" altLang="zh-TW" sz="2200" dirty="0" err="1">
+                <a:solidFill>
+                  <a:schemeClr val="bg1">
+                    <a:lumMod val="75000"/>
+                  </a:schemeClr>
+                </a:solidFill>
+                <a:latin typeface="Adobe Gothic Std B" panose="020B0800000000000000" pitchFamily="34" charset="-128"/>
+                <a:ea typeface="Adobe Gothic Std B" panose="020B0800000000000000" pitchFamily="34" charset="-128"/>
+              </a:rPr>
+              <a:t>Bestfirst</a:t>
+            </a:r>
+            <a:r>
+              <a:rPr lang="en-US" altLang="zh-TW" sz="2200" dirty="0">
+                <a:solidFill>
+                  <a:schemeClr val="bg1">
+                    <a:lumMod val="75000"/>
+                  </a:schemeClr>
+                </a:solidFill>
+                <a:latin typeface="Adobe Gothic Std B" panose="020B0800000000000000" pitchFamily="34" charset="-128"/>
+                <a:ea typeface="Adobe Gothic Std B" panose="020B0800000000000000" pitchFamily="34" charset="-128"/>
+              </a:rPr>
+              <a:t>)</a:t>
+            </a:r>
+          </a:p>
+          <a:p>
             <a:endParaRPr lang="zh-TW" altLang="en-US" dirty="0"/>
           </a:p>
         </p:txBody>
       </p:sp>
-      <p:pic>
-        <p:nvPicPr>
-          <p:cNvPr id="9" name="內容版面配置區 8">
-            <a:extLst>
-              <a:ext uri="{FF2B5EF4-FFF2-40B4-BE49-F238E27FC236}">
-                <a16:creationId xmlns:a16="http://schemas.microsoft.com/office/drawing/2014/main" id="{DB068711-C15E-468C-B334-AC5C7309444D}"/>
-              </a:ext>
-            </a:extLst>
-          </p:cNvPr>
-          <p:cNvPicPr>
-            <a:picLocks noGrp="1" noChangeAspect="1"/>
-          </p:cNvPicPr>
-          <p:nvPr>
-            <p:ph idx="1"/>
-          </p:nvPr>
-        </p:nvPicPr>
-        <p:blipFill>
-          <a:blip r:embed="rId2">
-            <a:extLst>
-              <a:ext uri="{28A0092B-C50C-407E-A947-70E740481C1C}">
-                <a14:useLocalDpi xmlns:a14="http://schemas.microsoft.com/office/drawing/2010/main" val="0"/>
-              </a:ext>
-            </a:extLst>
-          </a:blip>
-          <a:stretch>
-            <a:fillRect/>
-          </a:stretch>
-        </p:blipFill>
-        <p:spPr>
-          <a:xfrm>
-            <a:off x="2859239" y="2108200"/>
-            <a:ext cx="6533847" cy="3760788"/>
-          </a:xfrm>
-        </p:spPr>
-      </p:pic>
+      <p:sp>
+        <p:nvSpPr>
+          <p:cNvPr id="2" name="投影片編號版面配置區 1">
+            <a:extLst>
+              <a:ext uri="{FF2B5EF4-FFF2-40B4-BE49-F238E27FC236}">
+                <a16:creationId xmlns:a16="http://schemas.microsoft.com/office/drawing/2014/main" id="{6A6719FB-EE2E-42FD-8883-A91D04086F44}"/>
+              </a:ext>
+            </a:extLst>
+          </p:cNvPr>
+          <p:cNvSpPr>
+            <a:spLocks noGrp="1"/>
+          </p:cNvSpPr>
+          <p:nvPr>
+            <p:ph type="sldNum" sz="quarter" idx="12"/>
+          </p:nvPr>
+        </p:nvSpPr>
+        <p:spPr/>
+        <p:txBody>
+          <a:bodyPr/>
+          <a:lstStyle/>
+          <a:p>
+            <a:fld id="{3A98EE3D-8CD1-4C3F-BD1C-C98C9596463C}" type="slidenum">
+              <a:rPr lang="en-US" smtClean="0"/>
+              <a:t>3</a:t>
+            </a:fld>
+            <a:endParaRPr lang="en-US" dirty="0"/>
+          </a:p>
+        </p:txBody>
+      </p:sp>
     </p:spTree>
     <p:extLst>
       <p:ext uri="{BB962C8B-B14F-4D97-AF65-F5344CB8AC3E}">
-        <p14:creationId xmlns:p14="http://schemas.microsoft.com/office/powerpoint/2010/main" val="3413857972"/>
+        <p14:creationId xmlns:p14="http://schemas.microsoft.com/office/powerpoint/2010/main" val="44243509"/>
       </p:ext>
     </p:extLst>
   </p:cSld>
@@ -4620,7 +5980,7 @@
 </p:sld>
 </file>
 
-<file path=ppt/slides/slide15.xml><?xml version="1.0" encoding="utf-8"?>
+<file path=ppt/slides/slide4.xml><?xml version="1.0" encoding="utf-8"?>
 <p:sld xmlns:a="http://schemas.openxmlformats.org/drawingml/2006/main" xmlns:r="http://schemas.openxmlformats.org/officeDocument/2006/relationships" xmlns:p="http://schemas.openxmlformats.org/presentationml/2006/main">
   <p:cSld>
     <p:spTree>
@@ -4639,50 +5999,332 @@
       </p:grpSpPr>
       <p:sp>
         <p:nvSpPr>
-          <p:cNvPr id="2" name="標題 1">
-            <a:extLst>
-              <a:ext uri="{FF2B5EF4-FFF2-40B4-BE49-F238E27FC236}">
-                <a16:creationId xmlns:a16="http://schemas.microsoft.com/office/drawing/2014/main" id="{111DAEBD-39CF-476A-8864-50BC2E03FBB1}"/>
-              </a:ext>
-            </a:extLst>
-          </p:cNvPr>
-          <p:cNvSpPr>
-            <a:spLocks noGrp="1"/>
-          </p:cNvSpPr>
-          <p:nvPr>
-            <p:ph type="title"/>
-          </p:nvPr>
-        </p:nvSpPr>
-        <p:spPr/>
-        <p:txBody>
-          <a:bodyPr/>
-          <a:lstStyle/>
-          <a:p>
-            <a:r>
-              <a:rPr lang="en-US" altLang="zh-TW" dirty="0"/>
-              <a:t>Volatile acidity - Quality</a:t>
-            </a:r>
-            <a:endParaRPr lang="zh-TW" altLang="en-US" dirty="0"/>
+          <p:cNvPr id="12" name="矩形 11">
+            <a:extLst>
+              <a:ext uri="{FF2B5EF4-FFF2-40B4-BE49-F238E27FC236}">
+                <a16:creationId xmlns:a16="http://schemas.microsoft.com/office/drawing/2014/main" id="{AF750B4E-8FD6-4EB3-9814-2AE04D7CA29B}"/>
+              </a:ext>
+            </a:extLst>
+          </p:cNvPr>
+          <p:cNvSpPr/>
+          <p:nvPr/>
+        </p:nvSpPr>
+        <p:spPr>
+          <a:xfrm>
+            <a:off x="78377" y="522515"/>
+            <a:ext cx="11930743" cy="5852160"/>
+          </a:xfrm>
+          <a:prstGeom prst="rect">
+            <a:avLst/>
+          </a:prstGeom>
+          <a:solidFill>
+            <a:schemeClr val="bg1"/>
+          </a:solidFill>
+          <a:ln>
+            <a:solidFill>
+              <a:schemeClr val="bg1"/>
+            </a:solidFill>
+          </a:ln>
+        </p:spPr>
+        <p:style>
+          <a:lnRef idx="2">
+            <a:schemeClr val="accent1">
+              <a:shade val="50000"/>
+            </a:schemeClr>
+          </a:lnRef>
+          <a:fillRef idx="1">
+            <a:schemeClr val="accent1"/>
+          </a:fillRef>
+          <a:effectRef idx="0">
+            <a:schemeClr val="accent1"/>
+          </a:effectRef>
+          <a:fontRef idx="minor">
+            <a:schemeClr val="lt1"/>
+          </a:fontRef>
+        </p:style>
+        <p:txBody>
+          <a:bodyPr rtlCol="0" anchor="ctr"/>
+          <a:lstStyle/>
+          <a:p>
+            <a:pPr algn="ctr"/>
+            <a:endParaRPr lang="zh-TW" altLang="en-US"/>
+          </a:p>
+        </p:txBody>
+      </p:sp>
+      <p:sp>
+        <p:nvSpPr>
+          <p:cNvPr id="11" name="文字方塊 10">
+            <a:extLst>
+              <a:ext uri="{FF2B5EF4-FFF2-40B4-BE49-F238E27FC236}">
+                <a16:creationId xmlns:a16="http://schemas.microsoft.com/office/drawing/2014/main" id="{301DA246-BB64-4DCF-9B80-58EADA52690C}"/>
+              </a:ext>
+            </a:extLst>
+          </p:cNvPr>
+          <p:cNvSpPr txBox="1"/>
+          <p:nvPr/>
+        </p:nvSpPr>
+        <p:spPr>
+          <a:xfrm>
+            <a:off x="1126370" y="620160"/>
+            <a:ext cx="9939259" cy="2410916"/>
+          </a:xfrm>
+          <a:prstGeom prst="rect">
+            <a:avLst/>
+          </a:prstGeom>
+          <a:noFill/>
+        </p:spPr>
+        <p:txBody>
+          <a:bodyPr wrap="none" rtlCol="0">
+            <a:spAutoFit/>
+          </a:bodyPr>
+          <a:lstStyle/>
+          <a:p>
+            <a:pPr>
+              <a:spcBef>
+                <a:spcPts val="1200"/>
+              </a:spcBef>
+              <a:spcAft>
+                <a:spcPts val="200"/>
+              </a:spcAft>
+              <a:buClr>
+                <a:schemeClr val="accent1"/>
+              </a:buClr>
+              <a:buSzPct val="100000"/>
+            </a:pPr>
+            <a:r>
+              <a:rPr lang="en-US" altLang="zh-TW" sz="2000" spc="130" dirty="0">
+                <a:solidFill>
+                  <a:schemeClr val="tx1">
+                    <a:lumMod val="75000"/>
+                    <a:lumOff val="25000"/>
+                  </a:schemeClr>
+                </a:solidFill>
+                <a:latin typeface="Adobe Gothic Std B" panose="020B0800000000000000" pitchFamily="34" charset="-128"/>
+                <a:ea typeface="Adobe Gothic Std B" panose="020B0800000000000000" pitchFamily="34" charset="-128"/>
+              </a:rPr>
+              <a:t>Our hypothesis</a:t>
+            </a:r>
+            <a:r>
+              <a:rPr lang="zh-TW" altLang="en-US" sz="2000" spc="130" dirty="0">
+                <a:solidFill>
+                  <a:schemeClr val="tx1">
+                    <a:lumMod val="75000"/>
+                    <a:lumOff val="25000"/>
+                  </a:schemeClr>
+                </a:solidFill>
+                <a:latin typeface="Adobe Gothic Std B" panose="020B0800000000000000" pitchFamily="34" charset="-128"/>
+                <a:ea typeface="Adobe Gothic Std B" panose="020B0800000000000000" pitchFamily="34" charset="-128"/>
+              </a:rPr>
+              <a:t>：</a:t>
+            </a:r>
+            <a:endParaRPr lang="en-US" altLang="zh-TW" sz="2000" spc="130" dirty="0">
+              <a:solidFill>
+                <a:schemeClr val="tx1">
+                  <a:lumMod val="75000"/>
+                  <a:lumOff val="25000"/>
+                </a:schemeClr>
+              </a:solidFill>
+              <a:latin typeface="Adobe Gothic Std B" panose="020B0800000000000000" pitchFamily="34" charset="-128"/>
+              <a:ea typeface="Adobe Gothic Std B" panose="020B0800000000000000" pitchFamily="34" charset="-128"/>
+            </a:endParaRPr>
+          </a:p>
+          <a:p>
+            <a:pPr>
+              <a:spcBef>
+                <a:spcPts val="1200"/>
+              </a:spcBef>
+              <a:spcAft>
+                <a:spcPts val="200"/>
+              </a:spcAft>
+              <a:buClr>
+                <a:schemeClr val="accent1"/>
+              </a:buClr>
+              <a:buSzPct val="100000"/>
+            </a:pPr>
+            <a:r>
+              <a:rPr lang="en-US" altLang="zh-TW" sz="2000" spc="130" dirty="0">
+                <a:solidFill>
+                  <a:schemeClr val="tx1">
+                    <a:lumMod val="75000"/>
+                    <a:lumOff val="25000"/>
+                  </a:schemeClr>
+                </a:solidFill>
+                <a:latin typeface="Adobe Gothic Std B" panose="020B0800000000000000" pitchFamily="34" charset="-128"/>
+                <a:ea typeface="Adobe Gothic Std B" panose="020B0800000000000000" pitchFamily="34" charset="-128"/>
+              </a:rPr>
+              <a:t>	Discretize will separate data into different interval, </a:t>
+            </a:r>
+          </a:p>
+          <a:p>
+            <a:pPr>
+              <a:spcBef>
+                <a:spcPts val="1200"/>
+              </a:spcBef>
+              <a:spcAft>
+                <a:spcPts val="200"/>
+              </a:spcAft>
+              <a:buClr>
+                <a:schemeClr val="accent1"/>
+              </a:buClr>
+              <a:buSzPct val="100000"/>
+            </a:pPr>
+            <a:r>
+              <a:rPr lang="en-US" altLang="zh-TW" sz="2000" spc="130" dirty="0">
+                <a:solidFill>
+                  <a:schemeClr val="tx1">
+                    <a:lumMod val="75000"/>
+                    <a:lumOff val="25000"/>
+                  </a:schemeClr>
+                </a:solidFill>
+                <a:latin typeface="Adobe Gothic Std B" panose="020B0800000000000000" pitchFamily="34" charset="-128"/>
+                <a:ea typeface="Adobe Gothic Std B" panose="020B0800000000000000" pitchFamily="34" charset="-128"/>
+              </a:rPr>
+              <a:t>and it can handle outliers very well.</a:t>
+            </a:r>
+          </a:p>
+          <a:p>
+            <a:pPr>
+              <a:spcBef>
+                <a:spcPts val="1200"/>
+              </a:spcBef>
+              <a:spcAft>
+                <a:spcPts val="200"/>
+              </a:spcAft>
+              <a:buClr>
+                <a:schemeClr val="accent1"/>
+              </a:buClr>
+              <a:buSzPct val="100000"/>
+            </a:pPr>
+            <a:r>
+              <a:rPr lang="en-US" altLang="zh-TW" sz="2000" spc="130" dirty="0">
+                <a:solidFill>
+                  <a:schemeClr val="tx1">
+                    <a:lumMod val="75000"/>
+                    <a:lumOff val="25000"/>
+                  </a:schemeClr>
+                </a:solidFill>
+                <a:latin typeface="Adobe Gothic Std B" panose="020B0800000000000000" pitchFamily="34" charset="-128"/>
+                <a:ea typeface="Adobe Gothic Std B" panose="020B0800000000000000" pitchFamily="34" charset="-128"/>
+              </a:rPr>
+              <a:t>But there are few outliers in our dataset,</a:t>
+            </a:r>
+          </a:p>
+          <a:p>
+            <a:pPr>
+              <a:spcBef>
+                <a:spcPts val="1200"/>
+              </a:spcBef>
+              <a:spcAft>
+                <a:spcPts val="200"/>
+              </a:spcAft>
+              <a:buClr>
+                <a:schemeClr val="accent1"/>
+              </a:buClr>
+              <a:buSzPct val="100000"/>
+            </a:pPr>
+            <a:r>
+              <a:rPr lang="en-US" altLang="zh-TW" sz="2000" spc="130" dirty="0">
+                <a:solidFill>
+                  <a:schemeClr val="tx1">
+                    <a:lumMod val="75000"/>
+                    <a:lumOff val="25000"/>
+                  </a:schemeClr>
+                </a:solidFill>
+                <a:latin typeface="Adobe Gothic Std B" panose="020B0800000000000000" pitchFamily="34" charset="-128"/>
+                <a:ea typeface="Adobe Gothic Std B" panose="020B0800000000000000" pitchFamily="34" charset="-128"/>
+              </a:rPr>
+              <a:t>and the same quality of wine is in a range, we do not  need to separate it</a:t>
+            </a:r>
+            <a:r>
+              <a:rPr lang="en-US" altLang="zh-TW" sz="2400" b="1" dirty="0">
+                <a:solidFill>
+                  <a:schemeClr val="tx1">
+                    <a:lumMod val="75000"/>
+                    <a:lumOff val="25000"/>
+                  </a:schemeClr>
+                </a:solidFill>
+              </a:rPr>
+              <a:t>.</a:t>
+            </a:r>
+            <a:endParaRPr lang="zh-TW" altLang="en-US" sz="2400" b="1" dirty="0">
+              <a:solidFill>
+                <a:schemeClr val="tx1">
+                  <a:lumMod val="75000"/>
+                  <a:lumOff val="25000"/>
+                </a:schemeClr>
+              </a:solidFill>
+            </a:endParaRPr>
+          </a:p>
+        </p:txBody>
+      </p:sp>
+      <p:sp>
+        <p:nvSpPr>
+          <p:cNvPr id="13" name="文字方塊 12">
+            <a:extLst>
+              <a:ext uri="{FF2B5EF4-FFF2-40B4-BE49-F238E27FC236}">
+                <a16:creationId xmlns:a16="http://schemas.microsoft.com/office/drawing/2014/main" id="{85B18771-6521-4438-981E-4C10418857BE}"/>
+              </a:ext>
+            </a:extLst>
+          </p:cNvPr>
+          <p:cNvSpPr txBox="1"/>
+          <p:nvPr/>
+        </p:nvSpPr>
+        <p:spPr>
+          <a:xfrm>
+            <a:off x="1126370" y="3278913"/>
+            <a:ext cx="6267207" cy="400110"/>
+          </a:xfrm>
+          <a:prstGeom prst="rect">
+            <a:avLst/>
+          </a:prstGeom>
+          <a:noFill/>
+        </p:spPr>
+        <p:txBody>
+          <a:bodyPr wrap="square" rtlCol="0">
+            <a:spAutoFit/>
+          </a:bodyPr>
+          <a:lstStyle/>
+          <a:p>
+            <a:r>
+              <a:rPr lang="en-US" altLang="zh-TW" sz="2000" spc="130" dirty="0">
+                <a:solidFill>
+                  <a:schemeClr val="tx1">
+                    <a:lumMod val="75000"/>
+                    <a:lumOff val="25000"/>
+                  </a:schemeClr>
+                </a:solidFill>
+                <a:latin typeface="Adobe Gothic Std B" panose="020B0800000000000000" pitchFamily="34" charset="-128"/>
+                <a:ea typeface="Adobe Gothic Std B" panose="020B0800000000000000" pitchFamily="34" charset="-128"/>
+              </a:rPr>
+              <a:t>The accuracy always decrease after discretize</a:t>
+            </a:r>
+            <a:endParaRPr lang="zh-TW" altLang="en-US" sz="2000" spc="130" dirty="0">
+              <a:solidFill>
+                <a:schemeClr val="tx1">
+                  <a:lumMod val="75000"/>
+                  <a:lumOff val="25000"/>
+                </a:schemeClr>
+              </a:solidFill>
+              <a:latin typeface="Adobe Gothic Std B" panose="020B0800000000000000" pitchFamily="34" charset="-128"/>
+            </a:endParaRPr>
           </a:p>
         </p:txBody>
       </p:sp>
       <p:pic>
         <p:nvPicPr>
-          <p:cNvPr id="9" name="內容版面配置區 8">
-            <a:extLst>
-              <a:ext uri="{FF2B5EF4-FFF2-40B4-BE49-F238E27FC236}">
-                <a16:creationId xmlns:a16="http://schemas.microsoft.com/office/drawing/2014/main" id="{3A859089-70E6-4A8F-B076-FECBCB438A76}"/>
+          <p:cNvPr id="14" name="圖片 13">
+            <a:extLst>
+              <a:ext uri="{FF2B5EF4-FFF2-40B4-BE49-F238E27FC236}">
+                <a16:creationId xmlns:a16="http://schemas.microsoft.com/office/drawing/2014/main" id="{D9663AE0-C0EE-4A28-A292-BF234A52DE00}"/>
               </a:ext>
             </a:extLst>
           </p:cNvPr>
           <p:cNvPicPr>
-            <a:picLocks noGrp="1" noChangeAspect="1"/>
+            <a:picLocks noChangeAspect="1"/>
           </p:cNvPicPr>
-          <p:nvPr>
-            <p:ph idx="1"/>
-          </p:nvPr>
+          <p:nvPr/>
         </p:nvPicPr>
-        <p:blipFill>
+        <p:blipFill rotWithShape="1">
           <a:blip r:embed="rId2">
             <a:extLst>
               <a:ext uri="{28A0092B-C50C-407E-A947-70E740481C1C}">
@@ -4690,31 +6332,148 @@
               </a:ext>
             </a:extLst>
           </a:blip>
-          <a:stretch>
-            <a:fillRect/>
-          </a:stretch>
+          <a:srcRect l="333" t="95" r="249" b="1017"/>
+          <a:stretch/>
         </p:blipFill>
         <p:spPr>
           <a:xfrm>
-            <a:off x="2861558" y="2108200"/>
-            <a:ext cx="6529210" cy="3760788"/>
-          </a:xfrm>
+            <a:off x="1126370" y="3740578"/>
+            <a:ext cx="9939259" cy="1924594"/>
+          </a:xfrm>
+          <a:prstGeom prst="rect">
+            <a:avLst/>
+          </a:prstGeom>
         </p:spPr>
       </p:pic>
+      <p:sp>
+        <p:nvSpPr>
+          <p:cNvPr id="2" name="投影片編號版面配置區 1">
+            <a:extLst>
+              <a:ext uri="{FF2B5EF4-FFF2-40B4-BE49-F238E27FC236}">
+                <a16:creationId xmlns:a16="http://schemas.microsoft.com/office/drawing/2014/main" id="{72B11C75-36DB-489C-A061-00F821A26A25}"/>
+              </a:ext>
+            </a:extLst>
+          </p:cNvPr>
+          <p:cNvSpPr>
+            <a:spLocks noGrp="1"/>
+          </p:cNvSpPr>
+          <p:nvPr>
+            <p:ph type="sldNum" sz="quarter" idx="12"/>
+          </p:nvPr>
+        </p:nvSpPr>
+        <p:spPr/>
+        <p:txBody>
+          <a:bodyPr/>
+          <a:lstStyle/>
+          <a:p>
+            <a:fld id="{3A98EE3D-8CD1-4C3F-BD1C-C98C9596463C}" type="slidenum">
+              <a:rPr lang="en-US" smtClean="0"/>
+              <a:t>4</a:t>
+            </a:fld>
+            <a:endParaRPr lang="en-US" dirty="0"/>
+          </a:p>
+        </p:txBody>
+      </p:sp>
     </p:spTree>
     <p:extLst>
       <p:ext uri="{BB962C8B-B14F-4D97-AF65-F5344CB8AC3E}">
-        <p14:creationId xmlns:p14="http://schemas.microsoft.com/office/powerpoint/2010/main" val="2269018211"/>
+        <p14:creationId xmlns:p14="http://schemas.microsoft.com/office/powerpoint/2010/main" val="1027730566"/>
       </p:ext>
     </p:extLst>
   </p:cSld>
   <p:clrMapOvr>
     <a:masterClrMapping/>
   </p:clrMapOvr>
+  <p:timing>
+    <p:tnLst>
+      <p:par>
+        <p:cTn id="1" dur="indefinite" restart="never" nodeType="tmRoot">
+          <p:childTnLst>
+            <p:seq concurrent="1" nextAc="seek">
+              <p:cTn id="2" dur="indefinite" nodeType="mainSeq">
+                <p:childTnLst>
+                  <p:par>
+                    <p:cTn id="3" fill="hold">
+                      <p:stCondLst>
+                        <p:cond delay="indefinite"/>
+                      </p:stCondLst>
+                      <p:childTnLst>
+                        <p:par>
+                          <p:cTn id="4" fill="hold">
+                            <p:stCondLst>
+                              <p:cond delay="0"/>
+                            </p:stCondLst>
+                            <p:childTnLst>
+                              <p:par>
+                                <p:cTn id="5" presetID="10" presetClass="entr" presetSubtype="0" fill="hold" grpId="0" nodeType="clickEffect">
+                                  <p:stCondLst>
+                                    <p:cond delay="0"/>
+                                  </p:stCondLst>
+                                  <p:childTnLst>
+                                    <p:set>
+                                      <p:cBhvr>
+                                        <p:cTn id="6" dur="1" fill="hold">
+                                          <p:stCondLst>
+                                            <p:cond delay="0"/>
+                                          </p:stCondLst>
+                                        </p:cTn>
+                                        <p:tgtEl>
+                                          <p:spTgt spid="11"/>
+                                        </p:tgtEl>
+                                        <p:attrNameLst>
+                                          <p:attrName>style.visibility</p:attrName>
+                                        </p:attrNameLst>
+                                      </p:cBhvr>
+                                      <p:to>
+                                        <p:strVal val="visible"/>
+                                      </p:to>
+                                    </p:set>
+                                    <p:animEffect transition="in" filter="fade">
+                                      <p:cBhvr>
+                                        <p:cTn id="7" dur="500"/>
+                                        <p:tgtEl>
+                                          <p:spTgt spid="11"/>
+                                        </p:tgtEl>
+                                      </p:cBhvr>
+                                    </p:animEffect>
+                                  </p:childTnLst>
+                                </p:cTn>
+                              </p:par>
+                            </p:childTnLst>
+                          </p:cTn>
+                        </p:par>
+                      </p:childTnLst>
+                    </p:cTn>
+                  </p:par>
+                </p:childTnLst>
+              </p:cTn>
+              <p:prevCondLst>
+                <p:cond evt="onPrev" delay="0">
+                  <p:tgtEl>
+                    <p:sldTgt/>
+                  </p:tgtEl>
+                </p:cond>
+              </p:prevCondLst>
+              <p:nextCondLst>
+                <p:cond evt="onNext" delay="0">
+                  <p:tgtEl>
+                    <p:sldTgt/>
+                  </p:tgtEl>
+                </p:cond>
+              </p:nextCondLst>
+            </p:seq>
+          </p:childTnLst>
+        </p:cTn>
+      </p:par>
+    </p:tnLst>
+    <p:bldLst>
+      <p:bldP spid="11" grpId="0"/>
+    </p:bldLst>
+  </p:timing>
 </p:sld>
 </file>
 
-<file path=ppt/slides/slide16.xml><?xml version="1.0" encoding="utf-8"?>
+<file path=ppt/slides/slide5.xml><?xml version="1.0" encoding="utf-8"?>
 <p:sld xmlns:a="http://schemas.openxmlformats.org/drawingml/2006/main" xmlns:r="http://schemas.openxmlformats.org/officeDocument/2006/relationships" xmlns:p="http://schemas.openxmlformats.org/presentationml/2006/main">
   <p:cSld>
     <p:spTree>
@@ -4733,18 +6492,326 @@
       </p:grpSpPr>
       <p:sp>
         <p:nvSpPr>
-          <p:cNvPr id="2" name="標題 1">
-            <a:extLst>
-              <a:ext uri="{FF2B5EF4-FFF2-40B4-BE49-F238E27FC236}">
-                <a16:creationId xmlns:a16="http://schemas.microsoft.com/office/drawing/2014/main" id="{4DCC0431-6CF8-47F2-BA30-E7AFF213F5DB}"/>
-              </a:ext>
-            </a:extLst>
-          </p:cNvPr>
-          <p:cNvSpPr>
-            <a:spLocks noGrp="1"/>
-          </p:cNvSpPr>
-          <p:nvPr>
-            <p:ph type="title"/>
+          <p:cNvPr id="4" name="矩形 3">
+            <a:extLst>
+              <a:ext uri="{FF2B5EF4-FFF2-40B4-BE49-F238E27FC236}">
+                <a16:creationId xmlns:a16="http://schemas.microsoft.com/office/drawing/2014/main" id="{9C83F6B4-B75A-437F-9A88-678EC760A2C9}"/>
+              </a:ext>
+            </a:extLst>
+          </p:cNvPr>
+          <p:cNvSpPr/>
+          <p:nvPr/>
+        </p:nvSpPr>
+        <p:spPr>
+          <a:xfrm>
+            <a:off x="295695" y="479559"/>
+            <a:ext cx="11477897" cy="5826034"/>
+          </a:xfrm>
+          <a:prstGeom prst="rect">
+            <a:avLst/>
+          </a:prstGeom>
+          <a:solidFill>
+            <a:schemeClr val="bg1"/>
+          </a:solidFill>
+          <a:ln>
+            <a:solidFill>
+              <a:schemeClr val="bg1"/>
+            </a:solidFill>
+          </a:ln>
+        </p:spPr>
+        <p:style>
+          <a:lnRef idx="2">
+            <a:schemeClr val="accent1">
+              <a:shade val="50000"/>
+            </a:schemeClr>
+          </a:lnRef>
+          <a:fillRef idx="1">
+            <a:schemeClr val="accent1"/>
+          </a:fillRef>
+          <a:effectRef idx="0">
+            <a:schemeClr val="accent1"/>
+          </a:effectRef>
+          <a:fontRef idx="minor">
+            <a:schemeClr val="lt1"/>
+          </a:fontRef>
+        </p:style>
+        <p:txBody>
+          <a:bodyPr rtlCol="0" anchor="ctr"/>
+          <a:lstStyle/>
+          <a:p>
+            <a:pPr algn="ctr"/>
+            <a:endParaRPr lang="zh-TW" altLang="en-US" dirty="0">
+              <a:solidFill>
+                <a:srgbClr val="FF0000"/>
+              </a:solidFill>
+            </a:endParaRPr>
+          </a:p>
+        </p:txBody>
+      </p:sp>
+      <p:pic>
+        <p:nvPicPr>
+          <p:cNvPr id="9" name="內容版面配置區 12">
+            <a:extLst>
+              <a:ext uri="{FF2B5EF4-FFF2-40B4-BE49-F238E27FC236}">
+                <a16:creationId xmlns:a16="http://schemas.microsoft.com/office/drawing/2014/main" id="{23236C95-D99F-4856-81E3-D18AFD701B4A}"/>
+              </a:ext>
+            </a:extLst>
+          </p:cNvPr>
+          <p:cNvPicPr>
+            <a:picLocks noGrp="1" noChangeAspect="1"/>
+          </p:cNvPicPr>
+          <p:nvPr>
+            <p:ph idx="4294967295"/>
+          </p:nvPr>
+        </p:nvPicPr>
+        <p:blipFill>
+          <a:blip r:embed="rId2">
+            <a:extLst>
+              <a:ext uri="{28A0092B-C50C-407E-A947-70E740481C1C}">
+                <a14:useLocalDpi xmlns:a14="http://schemas.microsoft.com/office/drawing/2010/main" val="0"/>
+              </a:ext>
+            </a:extLst>
+          </a:blip>
+          <a:stretch>
+            <a:fillRect/>
+          </a:stretch>
+        </p:blipFill>
+        <p:spPr>
+          <a:xfrm>
+            <a:off x="804021" y="532789"/>
+            <a:ext cx="3067050" cy="1770063"/>
+          </a:xfrm>
+        </p:spPr>
+      </p:pic>
+      <p:pic>
+        <p:nvPicPr>
+          <p:cNvPr id="10" name="內容版面配置區 8">
+            <a:extLst>
+              <a:ext uri="{FF2B5EF4-FFF2-40B4-BE49-F238E27FC236}">
+                <a16:creationId xmlns:a16="http://schemas.microsoft.com/office/drawing/2014/main" id="{0BA27768-0071-44AC-8041-4607E632EAAE}"/>
+              </a:ext>
+            </a:extLst>
+          </p:cNvPr>
+          <p:cNvPicPr>
+            <a:picLocks noChangeAspect="1"/>
+          </p:cNvPicPr>
+          <p:nvPr/>
+        </p:nvPicPr>
+        <p:blipFill>
+          <a:blip r:embed="rId3">
+            <a:extLst>
+              <a:ext uri="{28A0092B-C50C-407E-A947-70E740481C1C}">
+                <a14:useLocalDpi xmlns:a14="http://schemas.microsoft.com/office/drawing/2010/main" val="0"/>
+              </a:ext>
+            </a:extLst>
+          </a:blip>
+          <a:stretch>
+            <a:fillRect/>
+          </a:stretch>
+        </p:blipFill>
+        <p:spPr>
+          <a:xfrm>
+            <a:off x="795309" y="3429000"/>
+            <a:ext cx="3067579" cy="1776312"/>
+          </a:xfrm>
+          <a:prstGeom prst="rect">
+            <a:avLst/>
+          </a:prstGeom>
+        </p:spPr>
+      </p:pic>
+      <p:pic>
+        <p:nvPicPr>
+          <p:cNvPr id="11" name="內容版面配置區 8">
+            <a:extLst>
+              <a:ext uri="{FF2B5EF4-FFF2-40B4-BE49-F238E27FC236}">
+                <a16:creationId xmlns:a16="http://schemas.microsoft.com/office/drawing/2014/main" id="{13295ACD-9125-4CD7-B8CB-21AE1AC061CD}"/>
+              </a:ext>
+            </a:extLst>
+          </p:cNvPr>
+          <p:cNvPicPr>
+            <a:picLocks noChangeAspect="1"/>
+          </p:cNvPicPr>
+          <p:nvPr/>
+        </p:nvPicPr>
+        <p:blipFill>
+          <a:blip r:embed="rId4">
+            <a:extLst>
+              <a:ext uri="{28A0092B-C50C-407E-A947-70E740481C1C}">
+                <a14:useLocalDpi xmlns:a14="http://schemas.microsoft.com/office/drawing/2010/main" val="0"/>
+              </a:ext>
+            </a:extLst>
+          </a:blip>
+          <a:stretch>
+            <a:fillRect/>
+          </a:stretch>
+        </p:blipFill>
+        <p:spPr>
+          <a:xfrm>
+            <a:off x="4475844" y="487679"/>
+            <a:ext cx="3135795" cy="1806200"/>
+          </a:xfrm>
+          <a:prstGeom prst="rect">
+            <a:avLst/>
+          </a:prstGeom>
+        </p:spPr>
+      </p:pic>
+      <p:pic>
+        <p:nvPicPr>
+          <p:cNvPr id="12" name="內容版面配置區 8">
+            <a:extLst>
+              <a:ext uri="{FF2B5EF4-FFF2-40B4-BE49-F238E27FC236}">
+                <a16:creationId xmlns:a16="http://schemas.microsoft.com/office/drawing/2014/main" id="{B00675C7-2A5F-4C31-A27E-55504E628F45}"/>
+              </a:ext>
+            </a:extLst>
+          </p:cNvPr>
+          <p:cNvPicPr>
+            <a:picLocks noChangeAspect="1"/>
+          </p:cNvPicPr>
+          <p:nvPr/>
+        </p:nvPicPr>
+        <p:blipFill>
+          <a:blip r:embed="rId5">
+            <a:extLst>
+              <a:ext uri="{28A0092B-C50C-407E-A947-70E740481C1C}">
+                <a14:useLocalDpi xmlns:a14="http://schemas.microsoft.com/office/drawing/2010/main" val="0"/>
+              </a:ext>
+            </a:extLst>
+          </a:blip>
+          <a:stretch>
+            <a:fillRect/>
+          </a:stretch>
+        </p:blipFill>
+        <p:spPr>
+          <a:xfrm>
+            <a:off x="4484555" y="3429000"/>
+            <a:ext cx="3135793" cy="1821938"/>
+          </a:xfrm>
+          <a:prstGeom prst="rect">
+            <a:avLst/>
+          </a:prstGeom>
+        </p:spPr>
+      </p:pic>
+      <p:pic>
+        <p:nvPicPr>
+          <p:cNvPr id="13" name="內容版面配置區 8">
+            <a:extLst>
+              <a:ext uri="{FF2B5EF4-FFF2-40B4-BE49-F238E27FC236}">
+                <a16:creationId xmlns:a16="http://schemas.microsoft.com/office/drawing/2014/main" id="{3E821AF2-5441-45DD-BD49-BB89B4D99C38}"/>
+              </a:ext>
+            </a:extLst>
+          </p:cNvPr>
+          <p:cNvPicPr>
+            <a:picLocks noChangeAspect="1"/>
+          </p:cNvPicPr>
+          <p:nvPr/>
+        </p:nvPicPr>
+        <p:blipFill>
+          <a:blip r:embed="rId6">
+            <a:extLst>
+              <a:ext uri="{28A0092B-C50C-407E-A947-70E740481C1C}">
+                <a14:useLocalDpi xmlns:a14="http://schemas.microsoft.com/office/drawing/2010/main" val="0"/>
+              </a:ext>
+            </a:extLst>
+          </a:blip>
+          <a:stretch>
+            <a:fillRect/>
+          </a:stretch>
+        </p:blipFill>
+        <p:spPr>
+          <a:xfrm>
+            <a:off x="8207126" y="479559"/>
+            <a:ext cx="3135793" cy="1804308"/>
+          </a:xfrm>
+          <a:prstGeom prst="rect">
+            <a:avLst/>
+          </a:prstGeom>
+        </p:spPr>
+      </p:pic>
+      <p:pic>
+        <p:nvPicPr>
+          <p:cNvPr id="14" name="內容版面配置區 8">
+            <a:extLst>
+              <a:ext uri="{FF2B5EF4-FFF2-40B4-BE49-F238E27FC236}">
+                <a16:creationId xmlns:a16="http://schemas.microsoft.com/office/drawing/2014/main" id="{6352F528-89FA-4E20-86D3-D9F86DD6E995}"/>
+              </a:ext>
+            </a:extLst>
+          </p:cNvPr>
+          <p:cNvPicPr>
+            <a:picLocks noChangeAspect="1"/>
+          </p:cNvPicPr>
+          <p:nvPr/>
+        </p:nvPicPr>
+        <p:blipFill rotWithShape="1">
+          <a:blip r:embed="rId7">
+            <a:extLst>
+              <a:ext uri="{28A0092B-C50C-407E-A947-70E740481C1C}">
+                <a14:useLocalDpi xmlns:a14="http://schemas.microsoft.com/office/drawing/2010/main" val="0"/>
+              </a:ext>
+            </a:extLst>
+          </a:blip>
+          <a:srcRect l="742" r="-1"/>
+          <a:stretch/>
+        </p:blipFill>
+        <p:spPr>
+          <a:xfrm>
+            <a:off x="8224542" y="3429000"/>
+            <a:ext cx="3135794" cy="1821938"/>
+          </a:xfrm>
+          <a:prstGeom prst="rect">
+            <a:avLst/>
+          </a:prstGeom>
+        </p:spPr>
+      </p:pic>
+      <p:sp>
+        <p:nvSpPr>
+          <p:cNvPr id="6" name="文字方塊 5">
+            <a:extLst>
+              <a:ext uri="{FF2B5EF4-FFF2-40B4-BE49-F238E27FC236}">
+                <a16:creationId xmlns:a16="http://schemas.microsoft.com/office/drawing/2014/main" id="{620D63A4-D113-49E3-9BB1-9365FD58324B}"/>
+              </a:ext>
+            </a:extLst>
+          </p:cNvPr>
+          <p:cNvSpPr txBox="1"/>
+          <p:nvPr/>
+        </p:nvSpPr>
+        <p:spPr>
+          <a:xfrm>
+            <a:off x="1494682" y="2508190"/>
+            <a:ext cx="1737976" cy="369332"/>
+          </a:xfrm>
+          <a:prstGeom prst="rect">
+            <a:avLst/>
+          </a:prstGeom>
+          <a:noFill/>
+        </p:spPr>
+        <p:txBody>
+          <a:bodyPr wrap="none" rtlCol="0">
+            <a:spAutoFit/>
+          </a:bodyPr>
+          <a:lstStyle/>
+          <a:p>
+            <a:r>
+              <a:rPr lang="en-US" altLang="zh-TW" dirty="0"/>
+              <a:t>Alcohol - Quality</a:t>
+            </a:r>
+            <a:endParaRPr lang="zh-TW" altLang="en-US" dirty="0"/>
+          </a:p>
+        </p:txBody>
+      </p:sp>
+      <p:sp>
+        <p:nvSpPr>
+          <p:cNvPr id="8" name="投影片編號版面配置區 7">
+            <a:extLst>
+              <a:ext uri="{FF2B5EF4-FFF2-40B4-BE49-F238E27FC236}">
+                <a16:creationId xmlns:a16="http://schemas.microsoft.com/office/drawing/2014/main" id="{42D10A98-113A-42F7-B517-D3EE06071F17}"/>
+              </a:ext>
+            </a:extLst>
+          </p:cNvPr>
+          <p:cNvSpPr>
+            <a:spLocks noGrp="1"/>
+          </p:cNvSpPr>
+          <p:nvPr>
+            <p:ph type="sldNum" sz="quarter" idx="12"/>
           </p:nvPr>
         </p:nvSpPr>
         <p:spPr/>
@@ -4752,9 +6819,45 @@
           <a:bodyPr/>
           <a:lstStyle/>
           <a:p>
+            <a:fld id="{3A98EE3D-8CD1-4C3F-BD1C-C98C9596463C}" type="slidenum">
+              <a:rPr lang="en-US" smtClean="0"/>
+              <a:t>5</a:t>
+            </a:fld>
+            <a:endParaRPr lang="en-US" dirty="0"/>
+          </a:p>
+        </p:txBody>
+      </p:sp>
+      <p:sp>
+        <p:nvSpPr>
+          <p:cNvPr id="15" name="文字方塊 14">
+            <a:extLst>
+              <a:ext uri="{FF2B5EF4-FFF2-40B4-BE49-F238E27FC236}">
+                <a16:creationId xmlns:a16="http://schemas.microsoft.com/office/drawing/2014/main" id="{AD13C0F6-5FE2-4FEA-8E09-365D657307DA}"/>
+              </a:ext>
+            </a:extLst>
+          </p:cNvPr>
+          <p:cNvSpPr txBox="1"/>
+          <p:nvPr/>
+        </p:nvSpPr>
+        <p:spPr>
+          <a:xfrm>
+            <a:off x="5152466" y="2508190"/>
+            <a:ext cx="1887055" cy="369332"/>
+          </a:xfrm>
+          <a:prstGeom prst="rect">
+            <a:avLst/>
+          </a:prstGeom>
+          <a:noFill/>
+        </p:spPr>
+        <p:txBody>
+          <a:bodyPr wrap="none" rtlCol="0">
+            <a:spAutoFit/>
+          </a:bodyPr>
+          <a:lstStyle/>
+          <a:p>
             <a:r>
               <a:rPr lang="en-US" altLang="zh-TW" dirty="0"/>
-              <a:t>The datamining strategy we try</a:t>
+              <a:t>Chlorides - Quality</a:t>
             </a:r>
             <a:endParaRPr lang="zh-TW" altLang="en-US" dirty="0"/>
           </a:p>
@@ -4762,86 +6865,152 @@
       </p:sp>
       <p:sp>
         <p:nvSpPr>
-          <p:cNvPr id="3" name="內容版面配置區 2">
-            <a:extLst>
-              <a:ext uri="{FF2B5EF4-FFF2-40B4-BE49-F238E27FC236}">
-                <a16:creationId xmlns:a16="http://schemas.microsoft.com/office/drawing/2014/main" id="{FE67A431-02CA-4BD5-8B9D-7C9885D8DD8A}"/>
-              </a:ext>
-            </a:extLst>
-          </p:cNvPr>
-          <p:cNvSpPr>
-            <a:spLocks noGrp="1"/>
-          </p:cNvSpPr>
-          <p:nvPr>
-            <p:ph idx="1"/>
-          </p:nvPr>
-        </p:nvSpPr>
-        <p:spPr/>
-        <p:txBody>
-          <a:bodyPr/>
-          <a:lstStyle/>
-          <a:p>
-            <a:pPr>
-              <a:buFont typeface="Wingdings" panose="05000000000000000000" pitchFamily="2" charset="2"/>
-              <a:buChar char="l"/>
-            </a:pPr>
-            <a:r>
-              <a:rPr lang="en-US" altLang="zh-TW" sz="2800" b="1" dirty="0"/>
-              <a:t>K-means with Classes to clusters evaluation</a:t>
-            </a:r>
-          </a:p>
-          <a:p>
-            <a:pPr>
-              <a:buFont typeface="Wingdings" panose="05000000000000000000" pitchFamily="2" charset="2"/>
-              <a:buChar char="l"/>
-            </a:pPr>
-            <a:r>
-              <a:rPr lang="en-US" altLang="zh-TW" sz="2800" b="1" dirty="0" err="1"/>
-              <a:t>MultiLayerPerceptron</a:t>
-            </a:r>
-            <a:r>
-              <a:rPr lang="en-US" altLang="zh-TW" sz="2800" b="1" dirty="0"/>
-              <a:t> (Neural Network)</a:t>
-            </a:r>
-          </a:p>
-          <a:p>
-            <a:pPr>
-              <a:buFont typeface="Wingdings" panose="05000000000000000000" pitchFamily="2" charset="2"/>
-              <a:buChar char="l"/>
-            </a:pPr>
-            <a:r>
-              <a:rPr lang="en-US" altLang="zh-TW" sz="2800" b="1" dirty="0"/>
-              <a:t>IBK (K-nearest)</a:t>
-            </a:r>
-          </a:p>
-          <a:p>
-            <a:pPr>
-              <a:buFont typeface="Wingdings" panose="05000000000000000000" pitchFamily="2" charset="2"/>
-              <a:buChar char="l"/>
-            </a:pPr>
-            <a:r>
-              <a:rPr lang="en-US" altLang="zh-TW" sz="2800" b="1" dirty="0" err="1"/>
-              <a:t>RandomForest</a:t>
-            </a:r>
-            <a:endParaRPr lang="en-US" altLang="zh-TW" sz="2800" b="1" dirty="0"/>
-          </a:p>
-          <a:p>
-            <a:pPr>
-              <a:buFont typeface="Wingdings" panose="05000000000000000000" pitchFamily="2" charset="2"/>
-              <a:buChar char="l"/>
-            </a:pPr>
-            <a:r>
-              <a:rPr lang="en-US" altLang="zh-TW" sz="2800" b="1" dirty="0"/>
-              <a:t>J48 (Decision Trees)</a:t>
-            </a:r>
-            <a:endParaRPr lang="zh-TW" altLang="en-US" sz="2800" b="1" dirty="0"/>
+          <p:cNvPr id="16" name="文字方塊 15">
+            <a:extLst>
+              <a:ext uri="{FF2B5EF4-FFF2-40B4-BE49-F238E27FC236}">
+                <a16:creationId xmlns:a16="http://schemas.microsoft.com/office/drawing/2014/main" id="{48DD30AC-C5B2-4DD3-86D5-2124E516DA04}"/>
+              </a:ext>
+            </a:extLst>
+          </p:cNvPr>
+          <p:cNvSpPr txBox="1"/>
+          <p:nvPr/>
+        </p:nvSpPr>
+        <p:spPr>
+          <a:xfrm>
+            <a:off x="8745684" y="2508190"/>
+            <a:ext cx="1936749" cy="369332"/>
+          </a:xfrm>
+          <a:prstGeom prst="rect">
+            <a:avLst/>
+          </a:prstGeom>
+          <a:noFill/>
+        </p:spPr>
+        <p:txBody>
+          <a:bodyPr wrap="none" rtlCol="0">
+            <a:spAutoFit/>
+          </a:bodyPr>
+          <a:lstStyle/>
+          <a:p>
+            <a:r>
+              <a:rPr lang="en-US" altLang="zh-TW" dirty="0"/>
+              <a:t>Citric acid - Quality</a:t>
+            </a:r>
+            <a:endParaRPr lang="zh-TW" altLang="en-US" dirty="0"/>
+          </a:p>
+        </p:txBody>
+      </p:sp>
+      <p:sp>
+        <p:nvSpPr>
+          <p:cNvPr id="17" name="文字方塊 16">
+            <a:extLst>
+              <a:ext uri="{FF2B5EF4-FFF2-40B4-BE49-F238E27FC236}">
+                <a16:creationId xmlns:a16="http://schemas.microsoft.com/office/drawing/2014/main" id="{B0E94CAB-C4FA-44AA-8C30-F0311E5E3D71}"/>
+              </a:ext>
+            </a:extLst>
+          </p:cNvPr>
+          <p:cNvSpPr txBox="1"/>
+          <p:nvPr/>
+        </p:nvSpPr>
+        <p:spPr>
+          <a:xfrm>
+            <a:off x="1697462" y="5397256"/>
+            <a:ext cx="1332416" cy="369332"/>
+          </a:xfrm>
+          <a:prstGeom prst="rect">
+            <a:avLst/>
+          </a:prstGeom>
+          <a:noFill/>
+        </p:spPr>
+        <p:txBody>
+          <a:bodyPr wrap="none" rtlCol="0">
+            <a:spAutoFit/>
+          </a:bodyPr>
+          <a:lstStyle/>
+          <a:p>
+            <a:r>
+              <a:rPr lang="en-US" altLang="zh-TW" dirty="0"/>
+              <a:t>PH - Quality</a:t>
+            </a:r>
+            <a:endParaRPr lang="zh-TW" altLang="en-US" dirty="0"/>
+          </a:p>
+        </p:txBody>
+      </p:sp>
+      <p:sp>
+        <p:nvSpPr>
+          <p:cNvPr id="18" name="文字方塊 17">
+            <a:extLst>
+              <a:ext uri="{FF2B5EF4-FFF2-40B4-BE49-F238E27FC236}">
+                <a16:creationId xmlns:a16="http://schemas.microsoft.com/office/drawing/2014/main" id="{2F58EDC9-7ADF-4A4F-8F80-1A06CC160A30}"/>
+              </a:ext>
+            </a:extLst>
+          </p:cNvPr>
+          <p:cNvSpPr txBox="1"/>
+          <p:nvPr/>
+        </p:nvSpPr>
+        <p:spPr>
+          <a:xfrm>
+            <a:off x="5183569" y="5401185"/>
+            <a:ext cx="1720343" cy="369332"/>
+          </a:xfrm>
+          <a:prstGeom prst="rect">
+            <a:avLst/>
+          </a:prstGeom>
+          <a:noFill/>
+        </p:spPr>
+        <p:txBody>
+          <a:bodyPr wrap="none" rtlCol="0">
+            <a:spAutoFit/>
+          </a:bodyPr>
+          <a:lstStyle/>
+          <a:p>
+            <a:r>
+              <a:rPr lang="en-US" altLang="zh-TW" dirty="0"/>
+              <a:t>Density - Quality</a:t>
+            </a:r>
+            <a:endParaRPr lang="zh-TW" altLang="en-US" dirty="0"/>
+          </a:p>
+        </p:txBody>
+      </p:sp>
+      <p:sp>
+        <p:nvSpPr>
+          <p:cNvPr id="19" name="文字方塊 18">
+            <a:extLst>
+              <a:ext uri="{FF2B5EF4-FFF2-40B4-BE49-F238E27FC236}">
+                <a16:creationId xmlns:a16="http://schemas.microsoft.com/office/drawing/2014/main" id="{1D4C6958-77C5-4EA6-BCA0-84D05EFDA890}"/>
+              </a:ext>
+            </a:extLst>
+          </p:cNvPr>
+          <p:cNvSpPr txBox="1"/>
+          <p:nvPr/>
+        </p:nvSpPr>
+        <p:spPr>
+          <a:xfrm>
+            <a:off x="8696650" y="5397256"/>
+            <a:ext cx="2156744" cy="369332"/>
+          </a:xfrm>
+          <a:prstGeom prst="rect">
+            <a:avLst/>
+          </a:prstGeom>
+          <a:noFill/>
+        </p:spPr>
+        <p:txBody>
+          <a:bodyPr wrap="none" rtlCol="0">
+            <a:spAutoFit/>
+          </a:bodyPr>
+          <a:lstStyle/>
+          <a:p>
+            <a:r>
+              <a:rPr lang="en-US" altLang="zh-TW" dirty="0"/>
+              <a:t>Fixed acidity - Quality</a:t>
+            </a:r>
+            <a:endParaRPr lang="zh-TW" altLang="en-US" dirty="0"/>
           </a:p>
         </p:txBody>
       </p:sp>
     </p:spTree>
     <p:extLst>
       <p:ext uri="{BB962C8B-B14F-4D97-AF65-F5344CB8AC3E}">
-        <p14:creationId xmlns:p14="http://schemas.microsoft.com/office/powerpoint/2010/main" val="4275227264"/>
+        <p14:creationId xmlns:p14="http://schemas.microsoft.com/office/powerpoint/2010/main" val="1507391236"/>
       </p:ext>
     </p:extLst>
   </p:cSld>
@@ -4851,7 +7020,7 @@
 </p:sld>
 </file>
 
-<file path=ppt/slides/slide17.xml><?xml version="1.0" encoding="utf-8"?>
+<file path=ppt/slides/slide6.xml><?xml version="1.0" encoding="utf-8"?>
 <p:sld xmlns:a="http://schemas.openxmlformats.org/drawingml/2006/main" xmlns:r="http://schemas.openxmlformats.org/officeDocument/2006/relationships" xmlns:p="http://schemas.openxmlformats.org/presentationml/2006/main">
   <p:cSld>
     <p:spTree>
@@ -4870,10 +7039,10 @@
       </p:grpSpPr>
       <p:sp>
         <p:nvSpPr>
-          <p:cNvPr id="2" name="標題 1">
-            <a:extLst>
-              <a:ext uri="{FF2B5EF4-FFF2-40B4-BE49-F238E27FC236}">
-                <a16:creationId xmlns:a16="http://schemas.microsoft.com/office/drawing/2014/main" id="{483CCDBC-9E8D-4074-AAE1-962160ECF1F5}"/>
+          <p:cNvPr id="5" name="標題 4">
+            <a:extLst>
+              <a:ext uri="{FF2B5EF4-FFF2-40B4-BE49-F238E27FC236}">
+                <a16:creationId xmlns:a16="http://schemas.microsoft.com/office/drawing/2014/main" id="{F7892C80-F652-40C1-983D-E3ED71E51A6A}"/>
               </a:ext>
             </a:extLst>
           </p:cNvPr>
@@ -4890,41 +7059,256 @@
           <a:lstStyle/>
           <a:p>
             <a:r>
-              <a:rPr lang="en-US" altLang="zh-TW" b="0" i="0" dirty="0">
-                <a:solidFill>
-                  <a:srgbClr val="D4D4D4"/>
-                </a:solidFill>
-                <a:effectLst/>
-                <a:latin typeface="-apple-system"/>
+              <a:rPr lang="en-US" altLang="zh-TW" spc="130" dirty="0">
+                <a:latin typeface="Adobe Gothic Std B" panose="020B0800000000000000" pitchFamily="34" charset="-128"/>
+                <a:ea typeface="Adobe Gothic Std B" panose="020B0800000000000000" pitchFamily="34" charset="-128"/>
+                <a:cs typeface="+mn-cs"/>
+              </a:rPr>
+              <a:t>The datamining strategy</a:t>
+            </a:r>
+            <a:endParaRPr lang="zh-TW" altLang="en-US" dirty="0"/>
+          </a:p>
+        </p:txBody>
+      </p:sp>
+      <p:sp>
+        <p:nvSpPr>
+          <p:cNvPr id="4" name="投影片編號版面配置區 3">
+            <a:extLst>
+              <a:ext uri="{FF2B5EF4-FFF2-40B4-BE49-F238E27FC236}">
+                <a16:creationId xmlns:a16="http://schemas.microsoft.com/office/drawing/2014/main" id="{574A9CF5-6F4F-4804-AAB0-C33B6A38101D}"/>
+              </a:ext>
+            </a:extLst>
+          </p:cNvPr>
+          <p:cNvSpPr>
+            <a:spLocks noGrp="1"/>
+          </p:cNvSpPr>
+          <p:nvPr>
+            <p:ph type="sldNum" sz="quarter" idx="12"/>
+          </p:nvPr>
+        </p:nvSpPr>
+        <p:spPr/>
+        <p:txBody>
+          <a:bodyPr/>
+          <a:lstStyle/>
+          <a:p>
+            <a:fld id="{3A98EE3D-8CD1-4C3F-BD1C-C98C9596463C}" type="slidenum">
+              <a:rPr lang="en-US" smtClean="0"/>
+              <a:t>6</a:t>
+            </a:fld>
+            <a:endParaRPr lang="en-US" dirty="0"/>
+          </a:p>
+        </p:txBody>
+      </p:sp>
+      <p:sp>
+        <p:nvSpPr>
+          <p:cNvPr id="6" name="內容版面配置區 5">
+            <a:extLst>
+              <a:ext uri="{FF2B5EF4-FFF2-40B4-BE49-F238E27FC236}">
+                <a16:creationId xmlns:a16="http://schemas.microsoft.com/office/drawing/2014/main" id="{824BDFD6-78B5-4562-BA9C-BCF5E4FAF2E1}"/>
+              </a:ext>
+            </a:extLst>
+          </p:cNvPr>
+          <p:cNvSpPr>
+            <a:spLocks noGrp="1"/>
+          </p:cNvSpPr>
+          <p:nvPr>
+            <p:ph idx="1"/>
+          </p:nvPr>
+        </p:nvSpPr>
+        <p:spPr/>
+        <p:txBody>
+          <a:bodyPr/>
+          <a:lstStyle/>
+          <a:p>
+            <a:pPr>
+              <a:buFont typeface="Wingdings" panose="05000000000000000000" pitchFamily="2" charset="2"/>
+              <a:buChar char="l"/>
+            </a:pPr>
+            <a:r>
+              <a:rPr lang="en-US" altLang="zh-TW" sz="2800" dirty="0">
+                <a:latin typeface="Adobe Gothic Std B" panose="020B0800000000000000" pitchFamily="34" charset="-128"/>
+                <a:ea typeface="Adobe Gothic Std B" panose="020B0800000000000000" pitchFamily="34" charset="-128"/>
+              </a:rPr>
+              <a:t>K-means with Classes to clusters evaluation</a:t>
+            </a:r>
+          </a:p>
+          <a:p>
+            <a:pPr>
+              <a:buFont typeface="Wingdings" panose="05000000000000000000" pitchFamily="2" charset="2"/>
+              <a:buChar char="l"/>
+            </a:pPr>
+            <a:r>
+              <a:rPr lang="en-US" altLang="zh-TW" sz="2800" dirty="0">
+                <a:latin typeface="Adobe Gothic Std B" panose="020B0800000000000000" pitchFamily="34" charset="-128"/>
+                <a:ea typeface="Adobe Gothic Std B" panose="020B0800000000000000" pitchFamily="34" charset="-128"/>
+              </a:rPr>
+              <a:t> </a:t>
+            </a:r>
+            <a:r>
+              <a:rPr lang="en-US" altLang="zh-TW" sz="2800" dirty="0" err="1">
+                <a:latin typeface="Adobe Gothic Std B" panose="020B0800000000000000" pitchFamily="34" charset="-128"/>
+                <a:ea typeface="Adobe Gothic Std B" panose="020B0800000000000000" pitchFamily="34" charset="-128"/>
+              </a:rPr>
+              <a:t>MultiLayerPerceptron</a:t>
+            </a:r>
+            <a:r>
+              <a:rPr lang="en-US" altLang="zh-TW" sz="2800" dirty="0">
+                <a:latin typeface="Adobe Gothic Std B" panose="020B0800000000000000" pitchFamily="34" charset="-128"/>
+                <a:ea typeface="Adobe Gothic Std B" panose="020B0800000000000000" pitchFamily="34" charset="-128"/>
               </a:rPr>
               <a:t> </a:t>
             </a:r>
             <a:r>
-              <a:rPr lang="en-US" altLang="zh-TW" dirty="0"/>
-              <a:t>Simple K Means</a:t>
-            </a:r>
+              <a:rPr lang="en-US" altLang="zh-TW" sz="2200" dirty="0">
+                <a:solidFill>
+                  <a:schemeClr val="bg1">
+                    <a:lumMod val="75000"/>
+                  </a:schemeClr>
+                </a:solidFill>
+                <a:latin typeface="Adobe Gothic Std B" panose="020B0800000000000000" pitchFamily="34" charset="-128"/>
+                <a:ea typeface="Adobe Gothic Std B" panose="020B0800000000000000" pitchFamily="34" charset="-128"/>
+              </a:rPr>
+              <a:t>(Neural Network)</a:t>
+            </a:r>
+          </a:p>
+          <a:p>
+            <a:pPr>
+              <a:buFont typeface="Wingdings" panose="05000000000000000000" pitchFamily="2" charset="2"/>
+              <a:buChar char="l"/>
+            </a:pPr>
+            <a:r>
+              <a:rPr lang="en-US" altLang="zh-TW" dirty="0">
+                <a:latin typeface="Adobe Gothic Std B" panose="020B0800000000000000" pitchFamily="34" charset="-128"/>
+                <a:ea typeface="Adobe Gothic Std B" panose="020B0800000000000000" pitchFamily="34" charset="-128"/>
+              </a:rPr>
+              <a:t> </a:t>
+            </a:r>
+            <a:r>
+              <a:rPr lang="en-US" altLang="zh-TW" sz="2800" dirty="0">
+                <a:latin typeface="Adobe Gothic Std B" panose="020B0800000000000000" pitchFamily="34" charset="-128"/>
+                <a:ea typeface="Adobe Gothic Std B" panose="020B0800000000000000" pitchFamily="34" charset="-128"/>
+              </a:rPr>
+              <a:t>IBK</a:t>
+            </a:r>
+            <a:r>
+              <a:rPr lang="en-US" altLang="zh-TW" dirty="0">
+                <a:latin typeface="Adobe Gothic Std B" panose="020B0800000000000000" pitchFamily="34" charset="-128"/>
+                <a:ea typeface="Adobe Gothic Std B" panose="020B0800000000000000" pitchFamily="34" charset="-128"/>
+              </a:rPr>
+              <a:t> </a:t>
+            </a:r>
+            <a:r>
+              <a:rPr lang="en-US" altLang="zh-TW" sz="2200" dirty="0">
+                <a:solidFill>
+                  <a:schemeClr val="bg1">
+                    <a:lumMod val="75000"/>
+                  </a:schemeClr>
+                </a:solidFill>
+                <a:latin typeface="Adobe Gothic Std B" panose="020B0800000000000000" pitchFamily="34" charset="-128"/>
+                <a:ea typeface="Adobe Gothic Std B" panose="020B0800000000000000" pitchFamily="34" charset="-128"/>
+              </a:rPr>
+              <a:t>(K-nearest)</a:t>
+            </a:r>
+          </a:p>
+          <a:p>
+            <a:pPr>
+              <a:buFont typeface="Wingdings" panose="05000000000000000000" pitchFamily="2" charset="2"/>
+              <a:buChar char="l"/>
+            </a:pPr>
+            <a:r>
+              <a:rPr lang="en-US" altLang="zh-TW" dirty="0">
+                <a:latin typeface="Adobe Gothic Std B" panose="020B0800000000000000" pitchFamily="34" charset="-128"/>
+                <a:ea typeface="Adobe Gothic Std B" panose="020B0800000000000000" pitchFamily="34" charset="-128"/>
+              </a:rPr>
+              <a:t> </a:t>
+            </a:r>
+            <a:r>
+              <a:rPr lang="en-US" altLang="zh-TW" sz="2800" dirty="0" err="1">
+                <a:latin typeface="Adobe Gothic Std B" panose="020B0800000000000000" pitchFamily="34" charset="-128"/>
+                <a:ea typeface="Adobe Gothic Std B" panose="020B0800000000000000" pitchFamily="34" charset="-128"/>
+              </a:rPr>
+              <a:t>RandomForest</a:t>
+            </a:r>
+            <a:r>
+              <a:rPr lang="zh-TW" altLang="en-US" dirty="0">
+                <a:latin typeface="Adobe Gothic Std B" panose="020B0800000000000000" pitchFamily="34" charset="-128"/>
+              </a:rPr>
+              <a:t> </a:t>
+            </a:r>
+            <a:r>
+              <a:rPr lang="en-US" altLang="zh-TW" sz="2200" dirty="0">
+                <a:solidFill>
+                  <a:schemeClr val="bg1">
+                    <a:lumMod val="75000"/>
+                  </a:schemeClr>
+                </a:solidFill>
+                <a:latin typeface="Adobe Gothic Std B" panose="020B0800000000000000" pitchFamily="34" charset="-128"/>
+                <a:ea typeface="Adobe Gothic Std B" panose="020B0800000000000000" pitchFamily="34" charset="-128"/>
+              </a:rPr>
+              <a:t>(Decision Forest)</a:t>
+            </a:r>
+          </a:p>
+          <a:p>
+            <a:pPr>
+              <a:buFont typeface="Wingdings" panose="05000000000000000000" pitchFamily="2" charset="2"/>
+              <a:buChar char="l"/>
+            </a:pPr>
+            <a:r>
+              <a:rPr lang="en-US" altLang="zh-TW" sz="2800" dirty="0">
+                <a:latin typeface="Adobe Gothic Std B" panose="020B0800000000000000" pitchFamily="34" charset="-128"/>
+                <a:ea typeface="Adobe Gothic Std B" panose="020B0800000000000000" pitchFamily="34" charset="-128"/>
+              </a:rPr>
+              <a:t> J48 </a:t>
+            </a:r>
+            <a:r>
+              <a:rPr lang="en-US" altLang="zh-TW" sz="2200" dirty="0">
+                <a:solidFill>
+                  <a:schemeClr val="bg1">
+                    <a:lumMod val="75000"/>
+                  </a:schemeClr>
+                </a:solidFill>
+                <a:latin typeface="Adobe Gothic Std B" panose="020B0800000000000000" pitchFamily="34" charset="-128"/>
+                <a:ea typeface="Adobe Gothic Std B" panose="020B0800000000000000" pitchFamily="34" charset="-128"/>
+              </a:rPr>
+              <a:t>(Decision Trees)</a:t>
+            </a:r>
+            <a:endParaRPr lang="zh-TW" altLang="en-US" sz="2200" dirty="0">
+              <a:solidFill>
+                <a:schemeClr val="bg1">
+                  <a:lumMod val="75000"/>
+                </a:schemeClr>
+              </a:solidFill>
+              <a:latin typeface="Adobe Gothic Std B" panose="020B0800000000000000" pitchFamily="34" charset="-128"/>
+            </a:endParaRPr>
+          </a:p>
+          <a:p>
             <a:endParaRPr lang="zh-TW" altLang="en-US" dirty="0"/>
           </a:p>
         </p:txBody>
       </p:sp>
       <p:pic>
         <p:nvPicPr>
-          <p:cNvPr id="5" name="內容版面配置區 4">
-            <a:extLst>
-              <a:ext uri="{FF2B5EF4-FFF2-40B4-BE49-F238E27FC236}">
-                <a16:creationId xmlns:a16="http://schemas.microsoft.com/office/drawing/2014/main" id="{1C192DA0-8A9C-43FD-B75E-1C8767C8221B}"/>
+          <p:cNvPr id="7" name="圖片 6">
+            <a:extLst>
+              <a:ext uri="{FF2B5EF4-FFF2-40B4-BE49-F238E27FC236}">
+                <a16:creationId xmlns:a16="http://schemas.microsoft.com/office/drawing/2014/main" id="{5D06CAE6-4E2C-4154-BBA0-958D880C3A24}"/>
               </a:ext>
             </a:extLst>
           </p:cNvPr>
           <p:cNvPicPr>
-            <a:picLocks noGrp="1" noChangeAspect="1"/>
+            <a:picLocks noChangeAspect="1"/>
           </p:cNvPicPr>
-          <p:nvPr>
-            <p:ph idx="1"/>
-          </p:nvPr>
+          <p:nvPr/>
         </p:nvPicPr>
         <p:blipFill>
           <a:blip r:embed="rId2">
+            <a:duotone>
+              <a:schemeClr val="accent2">
+                <a:shade val="45000"/>
+                <a:satMod val="135000"/>
+              </a:schemeClr>
+              <a:prstClr val="white"/>
+            </a:duotone>
             <a:extLst>
               <a:ext uri="{28A0092B-C50C-407E-A947-70E740481C1C}">
                 <a14:useLocalDpi xmlns:a14="http://schemas.microsoft.com/office/drawing/2010/main" val="0"/>
@@ -4937,15 +7321,22 @@
         </p:blipFill>
         <p:spPr>
           <a:xfrm>
-            <a:off x="1097280" y="2122416"/>
-            <a:ext cx="8839944" cy="3439485"/>
-          </a:xfrm>
+            <a:off x="9008426" y="3733101"/>
+            <a:ext cx="1986691" cy="1986691"/>
+          </a:xfrm>
+          <a:prstGeom prst="rect">
+            <a:avLst/>
+          </a:prstGeom>
+          <a:noFill/>
+          <a:ln>
+            <a:noFill/>
+          </a:ln>
         </p:spPr>
       </p:pic>
     </p:spTree>
     <p:extLst>
       <p:ext uri="{BB962C8B-B14F-4D97-AF65-F5344CB8AC3E}">
-        <p14:creationId xmlns:p14="http://schemas.microsoft.com/office/powerpoint/2010/main" val="3540380918"/>
+        <p14:creationId xmlns:p14="http://schemas.microsoft.com/office/powerpoint/2010/main" val="3626593733"/>
       </p:ext>
     </p:extLst>
   </p:cSld>
@@ -4955,7 +7346,7 @@
 </p:sld>
 </file>
 
-<file path=ppt/slides/slide18.xml><?xml version="1.0" encoding="utf-8"?>
+<file path=ppt/slides/slide7.xml><?xml version="1.0" encoding="utf-8"?>
 <p:sld xmlns:a="http://schemas.openxmlformats.org/drawingml/2006/main" xmlns:r="http://schemas.openxmlformats.org/officeDocument/2006/relationships" xmlns:p="http://schemas.openxmlformats.org/presentationml/2006/main">
   <p:cSld>
     <p:spTree>
@@ -4977,7 +7368,7 @@
           <p:cNvPr id="2" name="標題 1">
             <a:extLst>
               <a:ext uri="{FF2B5EF4-FFF2-40B4-BE49-F238E27FC236}">
-                <a16:creationId xmlns:a16="http://schemas.microsoft.com/office/drawing/2014/main" id="{396DFB6E-1A0E-439A-90FF-443FDA4255F9}"/>
+                <a16:creationId xmlns:a16="http://schemas.microsoft.com/office/drawing/2014/main" id="{483CCDBC-9E8D-4074-AAE1-962160ECF1F5}"/>
               </a:ext>
             </a:extLst>
           </p:cNvPr>
@@ -4994,10 +7385,56 @@
           <a:lstStyle/>
           <a:p>
             <a:r>
-              <a:rPr lang="en-US" altLang="zh-TW" dirty="0"/>
-              <a:t>Select highest accuracy method</a:t>
-            </a:r>
-            <a:endParaRPr lang="zh-TW" altLang="en-US" dirty="0"/>
+              <a:rPr lang="en-US" altLang="zh-TW" b="0" i="0" dirty="0">
+                <a:solidFill>
+                  <a:srgbClr val="D4D4D4"/>
+                </a:solidFill>
+                <a:effectLst/>
+                <a:latin typeface="-apple-system"/>
+              </a:rPr>
+              <a:t> </a:t>
+            </a:r>
+            <a:r>
+              <a:rPr lang="en-US" altLang="zh-TW" spc="130" dirty="0">
+                <a:latin typeface="Adobe Gothic Std B" panose="020B0800000000000000" pitchFamily="34" charset="-128"/>
+                <a:ea typeface="Adobe Gothic Std B" panose="020B0800000000000000" pitchFamily="34" charset="-128"/>
+                <a:cs typeface="+mn-cs"/>
+              </a:rPr>
+              <a:t>Simple K Means</a:t>
+            </a:r>
+            <a:endParaRPr lang="zh-TW" altLang="en-US" spc="130" dirty="0">
+              <a:latin typeface="Adobe Gothic Std B" panose="020B0800000000000000" pitchFamily="34" charset="-128"/>
+              <a:cs typeface="+mn-cs"/>
+            </a:endParaRPr>
+          </a:p>
+        </p:txBody>
+      </p:sp>
+      <p:sp>
+        <p:nvSpPr>
+          <p:cNvPr id="3" name="投影片編號版面配置區 2">
+            <a:extLst>
+              <a:ext uri="{FF2B5EF4-FFF2-40B4-BE49-F238E27FC236}">
+                <a16:creationId xmlns:a16="http://schemas.microsoft.com/office/drawing/2014/main" id="{AE97810A-895A-41B3-B506-57FBB98143CA}"/>
+              </a:ext>
+            </a:extLst>
+          </p:cNvPr>
+          <p:cNvSpPr>
+            <a:spLocks noGrp="1"/>
+          </p:cNvSpPr>
+          <p:nvPr>
+            <p:ph type="sldNum" sz="quarter" idx="12"/>
+          </p:nvPr>
+        </p:nvSpPr>
+        <p:spPr/>
+        <p:txBody>
+          <a:bodyPr/>
+          <a:lstStyle/>
+          <a:p>
+            <a:fld id="{3A98EE3D-8CD1-4C3F-BD1C-C98C9596463C}" type="slidenum">
+              <a:rPr lang="en-US" smtClean="0"/>
+              <a:t>7</a:t>
+            </a:fld>
+            <a:endParaRPr lang="en-US" dirty="0"/>
           </a:p>
         </p:txBody>
       </p:sp>
@@ -5006,7 +7443,7 @@
           <p:cNvPr id="5" name="內容版面配置區 4">
             <a:extLst>
               <a:ext uri="{FF2B5EF4-FFF2-40B4-BE49-F238E27FC236}">
-                <a16:creationId xmlns:a16="http://schemas.microsoft.com/office/drawing/2014/main" id="{ED9C3F89-4685-45C1-9354-7CD4069060A2}"/>
+                <a16:creationId xmlns:a16="http://schemas.microsoft.com/office/drawing/2014/main" id="{1C192DA0-8A9C-43FD-B75E-1C8767C8221B}"/>
               </a:ext>
             </a:extLst>
           </p:cNvPr>
@@ -5031,8 +7468,136 @@
         </p:blipFill>
         <p:spPr>
           <a:xfrm>
-            <a:off x="1097280" y="2603049"/>
-            <a:ext cx="9725038" cy="2265923"/>
+            <a:off x="968557" y="2044010"/>
+            <a:ext cx="10544174" cy="4109046"/>
+          </a:xfrm>
+        </p:spPr>
+      </p:pic>
+    </p:spTree>
+    <p:extLst>
+      <p:ext uri="{BB962C8B-B14F-4D97-AF65-F5344CB8AC3E}">
+        <p14:creationId xmlns:p14="http://schemas.microsoft.com/office/powerpoint/2010/main" val="3540380918"/>
+      </p:ext>
+    </p:extLst>
+  </p:cSld>
+  <p:clrMapOvr>
+    <a:masterClrMapping/>
+  </p:clrMapOvr>
+</p:sld>
+</file>
+
+<file path=ppt/slides/slide8.xml><?xml version="1.0" encoding="utf-8"?>
+<p:sld xmlns:a="http://schemas.openxmlformats.org/drawingml/2006/main" xmlns:r="http://schemas.openxmlformats.org/officeDocument/2006/relationships" xmlns:p="http://schemas.openxmlformats.org/presentationml/2006/main">
+  <p:cSld>
+    <p:spTree>
+      <p:nvGrpSpPr>
+        <p:cNvPr id="1" name=""/>
+        <p:cNvGrpSpPr/>
+        <p:nvPr/>
+      </p:nvGrpSpPr>
+      <p:grpSpPr>
+        <a:xfrm>
+          <a:off x="0" y="0"/>
+          <a:ext cx="0" cy="0"/>
+          <a:chOff x="0" y="0"/>
+          <a:chExt cx="0" cy="0"/>
+        </a:xfrm>
+      </p:grpSpPr>
+      <p:sp>
+        <p:nvSpPr>
+          <p:cNvPr id="2" name="標題 1">
+            <a:extLst>
+              <a:ext uri="{FF2B5EF4-FFF2-40B4-BE49-F238E27FC236}">
+                <a16:creationId xmlns:a16="http://schemas.microsoft.com/office/drawing/2014/main" id="{396DFB6E-1A0E-439A-90FF-443FDA4255F9}"/>
+              </a:ext>
+            </a:extLst>
+          </p:cNvPr>
+          <p:cNvSpPr>
+            <a:spLocks noGrp="1"/>
+          </p:cNvSpPr>
+          <p:nvPr>
+            <p:ph type="title"/>
+          </p:nvPr>
+        </p:nvSpPr>
+        <p:spPr/>
+        <p:txBody>
+          <a:bodyPr/>
+          <a:lstStyle/>
+          <a:p>
+            <a:r>
+              <a:rPr lang="en-US" altLang="zh-TW" spc="130" dirty="0">
+                <a:latin typeface="Adobe Gothic Std B" panose="020B0800000000000000" pitchFamily="34" charset="-128"/>
+                <a:ea typeface="Adobe Gothic Std B" panose="020B0800000000000000" pitchFamily="34" charset="-128"/>
+                <a:cs typeface="+mn-cs"/>
+              </a:rPr>
+              <a:t>Select highest accuracy</a:t>
+            </a:r>
+            <a:endParaRPr lang="zh-TW" altLang="en-US" spc="130" dirty="0">
+              <a:latin typeface="Adobe Gothic Std B" panose="020B0800000000000000" pitchFamily="34" charset="-128"/>
+              <a:cs typeface="+mn-cs"/>
+            </a:endParaRPr>
+          </a:p>
+        </p:txBody>
+      </p:sp>
+      <p:sp>
+        <p:nvSpPr>
+          <p:cNvPr id="3" name="投影片編號版面配置區 2">
+            <a:extLst>
+              <a:ext uri="{FF2B5EF4-FFF2-40B4-BE49-F238E27FC236}">
+                <a16:creationId xmlns:a16="http://schemas.microsoft.com/office/drawing/2014/main" id="{4863126B-7C61-44FA-9440-EE78FE1320FD}"/>
+              </a:ext>
+            </a:extLst>
+          </p:cNvPr>
+          <p:cNvSpPr>
+            <a:spLocks noGrp="1"/>
+          </p:cNvSpPr>
+          <p:nvPr>
+            <p:ph type="sldNum" sz="quarter" idx="12"/>
+          </p:nvPr>
+        </p:nvSpPr>
+        <p:spPr/>
+        <p:txBody>
+          <a:bodyPr/>
+          <a:lstStyle/>
+          <a:p>
+            <a:fld id="{3A98EE3D-8CD1-4C3F-BD1C-C98C9596463C}" type="slidenum">
+              <a:rPr lang="en-US" smtClean="0"/>
+              <a:t>8</a:t>
+            </a:fld>
+            <a:endParaRPr lang="en-US" dirty="0"/>
+          </a:p>
+        </p:txBody>
+      </p:sp>
+      <p:pic>
+        <p:nvPicPr>
+          <p:cNvPr id="5" name="內容版面配置區 4">
+            <a:extLst>
+              <a:ext uri="{FF2B5EF4-FFF2-40B4-BE49-F238E27FC236}">
+                <a16:creationId xmlns:a16="http://schemas.microsoft.com/office/drawing/2014/main" id="{ED9C3F89-4685-45C1-9354-7CD4069060A2}"/>
+              </a:ext>
+            </a:extLst>
+          </p:cNvPr>
+          <p:cNvPicPr>
+            <a:picLocks noGrp="1" noChangeAspect="1"/>
+          </p:cNvPicPr>
+          <p:nvPr>
+            <p:ph idx="1"/>
+          </p:nvPr>
+        </p:nvPicPr>
+        <p:blipFill rotWithShape="1">
+          <a:blip r:embed="rId2">
+            <a:extLst>
+              <a:ext uri="{28A0092B-C50C-407E-A947-70E740481C1C}">
+                <a14:useLocalDpi xmlns:a14="http://schemas.microsoft.com/office/drawing/2010/main" val="0"/>
+              </a:ext>
+            </a:extLst>
+          </a:blip>
+          <a:stretch/>
+        </p:blipFill>
+        <p:spPr>
+          <a:xfrm>
+            <a:off x="895039" y="2217182"/>
+            <a:ext cx="10480325" cy="2441904"/>
           </a:xfrm>
         </p:spPr>
       </p:pic>
@@ -5050,8 +7615,8 @@
         </p:nvSpPr>
         <p:spPr>
           <a:xfrm>
-            <a:off x="1249960" y="3833769"/>
-            <a:ext cx="9370502" cy="377504"/>
+            <a:off x="1066797" y="3553097"/>
+            <a:ext cx="10088881" cy="410181"/>
           </a:xfrm>
           <a:prstGeom prst="rect">
             <a:avLst/>
@@ -5187,1380 +7752,6 @@
 </p:sld>
 </file>
 
-<file path=ppt/slides/slide19.xml><?xml version="1.0" encoding="utf-8"?>
-<p:sld xmlns:a="http://schemas.openxmlformats.org/drawingml/2006/main" xmlns:r="http://schemas.openxmlformats.org/officeDocument/2006/relationships" xmlns:p="http://schemas.openxmlformats.org/presentationml/2006/main">
-  <p:cSld>
-    <p:spTree>
-      <p:nvGrpSpPr>
-        <p:cNvPr id="1" name=""/>
-        <p:cNvGrpSpPr/>
-        <p:nvPr/>
-      </p:nvGrpSpPr>
-      <p:grpSpPr>
-        <a:xfrm>
-          <a:off x="0" y="0"/>
-          <a:ext cx="0" cy="0"/>
-          <a:chOff x="0" y="0"/>
-          <a:chExt cx="0" cy="0"/>
-        </a:xfrm>
-      </p:grpSpPr>
-      <p:sp>
-        <p:nvSpPr>
-          <p:cNvPr id="2" name="標題 1">
-            <a:extLst>
-              <a:ext uri="{FF2B5EF4-FFF2-40B4-BE49-F238E27FC236}">
-                <a16:creationId xmlns:a16="http://schemas.microsoft.com/office/drawing/2014/main" id="{63D310DB-9C88-4372-9519-E76C1665370D}"/>
-              </a:ext>
-            </a:extLst>
-          </p:cNvPr>
-          <p:cNvSpPr>
-            <a:spLocks noGrp="1"/>
-          </p:cNvSpPr>
-          <p:nvPr>
-            <p:ph type="title"/>
-          </p:nvPr>
-        </p:nvSpPr>
-        <p:spPr/>
-        <p:txBody>
-          <a:bodyPr/>
-          <a:lstStyle/>
-          <a:p>
-            <a:r>
-              <a:rPr lang="en-US" altLang="zh-TW" dirty="0"/>
-              <a:t>Random Forest</a:t>
-            </a:r>
-            <a:endParaRPr lang="zh-TW" altLang="en-US" dirty="0"/>
-          </a:p>
-        </p:txBody>
-      </p:sp>
-      <p:pic>
-        <p:nvPicPr>
-          <p:cNvPr id="5" name="內容版面配置區 4">
-            <a:extLst>
-              <a:ext uri="{FF2B5EF4-FFF2-40B4-BE49-F238E27FC236}">
-                <a16:creationId xmlns:a16="http://schemas.microsoft.com/office/drawing/2014/main" id="{E1C8C3CE-8624-46AC-971F-ACAFCACB4801}"/>
-              </a:ext>
-            </a:extLst>
-          </p:cNvPr>
-          <p:cNvPicPr>
-            <a:picLocks noGrp="1" noChangeAspect="1"/>
-          </p:cNvPicPr>
-          <p:nvPr>
-            <p:ph idx="1"/>
-          </p:nvPr>
-        </p:nvPicPr>
-        <p:blipFill>
-          <a:blip r:embed="rId2">
-            <a:extLst>
-              <a:ext uri="{28A0092B-C50C-407E-A947-70E740481C1C}">
-                <a14:useLocalDpi xmlns:a14="http://schemas.microsoft.com/office/drawing/2010/main" val="0"/>
-              </a:ext>
-            </a:extLst>
-          </a:blip>
-          <a:stretch>
-            <a:fillRect/>
-          </a:stretch>
-        </p:blipFill>
-        <p:spPr>
-          <a:xfrm>
-            <a:off x="1097280" y="2323751"/>
-            <a:ext cx="9748729" cy="3432342"/>
-          </a:xfrm>
-        </p:spPr>
-      </p:pic>
-    </p:spTree>
-    <p:extLst>
-      <p:ext uri="{BB962C8B-B14F-4D97-AF65-F5344CB8AC3E}">
-        <p14:creationId xmlns:p14="http://schemas.microsoft.com/office/powerpoint/2010/main" val="1876124258"/>
-      </p:ext>
-    </p:extLst>
-  </p:cSld>
-  <p:clrMapOvr>
-    <a:masterClrMapping/>
-  </p:clrMapOvr>
-</p:sld>
-</file>
-
-<file path=ppt/slides/slide2.xml><?xml version="1.0" encoding="utf-8"?>
-<p:sld xmlns:a="http://schemas.openxmlformats.org/drawingml/2006/main" xmlns:r="http://schemas.openxmlformats.org/officeDocument/2006/relationships" xmlns:p="http://schemas.openxmlformats.org/presentationml/2006/main">
-  <p:cSld>
-    <p:spTree>
-      <p:nvGrpSpPr>
-        <p:cNvPr id="1" name=""/>
-        <p:cNvGrpSpPr/>
-        <p:nvPr/>
-      </p:nvGrpSpPr>
-      <p:grpSpPr>
-        <a:xfrm>
-          <a:off x="0" y="0"/>
-          <a:ext cx="0" cy="0"/>
-          <a:chOff x="0" y="0"/>
-          <a:chExt cx="0" cy="0"/>
-        </a:xfrm>
-      </p:grpSpPr>
-      <p:sp>
-        <p:nvSpPr>
-          <p:cNvPr id="2" name="標題 1">
-            <a:extLst>
-              <a:ext uri="{FF2B5EF4-FFF2-40B4-BE49-F238E27FC236}">
-                <a16:creationId xmlns:a16="http://schemas.microsoft.com/office/drawing/2014/main" id="{9A35690F-6561-46B2-B418-801FE179DEEA}"/>
-              </a:ext>
-            </a:extLst>
-          </p:cNvPr>
-          <p:cNvSpPr>
-            <a:spLocks noGrp="1"/>
-          </p:cNvSpPr>
-          <p:nvPr>
-            <p:ph type="title"/>
-          </p:nvPr>
-        </p:nvSpPr>
-        <p:spPr/>
-        <p:txBody>
-          <a:bodyPr/>
-          <a:lstStyle/>
-          <a:p>
-            <a:r>
-              <a:rPr lang="en-US" altLang="zh-TW" dirty="0"/>
-              <a:t>Introduction</a:t>
-            </a:r>
-            <a:endParaRPr lang="zh-TW" altLang="en-US" dirty="0"/>
-          </a:p>
-        </p:txBody>
-      </p:sp>
-      <p:sp>
-        <p:nvSpPr>
-          <p:cNvPr id="3" name="內容版面配置區 2">
-            <a:extLst>
-              <a:ext uri="{FF2B5EF4-FFF2-40B4-BE49-F238E27FC236}">
-                <a16:creationId xmlns:a16="http://schemas.microsoft.com/office/drawing/2014/main" id="{8CB3B4BA-DA54-4982-A072-A4036CF1C663}"/>
-              </a:ext>
-            </a:extLst>
-          </p:cNvPr>
-          <p:cNvSpPr>
-            <a:spLocks noGrp="1"/>
-          </p:cNvSpPr>
-          <p:nvPr>
-            <p:ph idx="1"/>
-          </p:nvPr>
-        </p:nvSpPr>
-        <p:spPr/>
-        <p:txBody>
-          <a:bodyPr/>
-          <a:lstStyle/>
-          <a:p>
-            <a:pPr>
-              <a:buFont typeface="Wingdings" panose="05000000000000000000" pitchFamily="2" charset="2"/>
-              <a:buChar char="l"/>
-            </a:pPr>
-            <a:r>
-              <a:rPr lang="en-US" altLang="zh-TW" sz="2800" b="1" dirty="0"/>
-              <a:t>Why we choice this dataset?</a:t>
-            </a:r>
-          </a:p>
-          <a:p>
-            <a:pPr>
-              <a:buFont typeface="Wingdings" panose="05000000000000000000" pitchFamily="2" charset="2"/>
-              <a:buChar char="l"/>
-            </a:pPr>
-            <a:r>
-              <a:rPr lang="en-US" altLang="zh-TW" sz="2800" b="1" dirty="0"/>
-              <a:t>What attribute we have?</a:t>
-            </a:r>
-          </a:p>
-          <a:p>
-            <a:pPr>
-              <a:buFont typeface="Wingdings" panose="05000000000000000000" pitchFamily="2" charset="2"/>
-              <a:buChar char="l"/>
-            </a:pPr>
-            <a:r>
-              <a:rPr lang="en-US" altLang="zh-TW" sz="2800" b="1" dirty="0"/>
-              <a:t>What attribute will affect our result?</a:t>
-            </a:r>
-          </a:p>
-          <a:p>
-            <a:pPr>
-              <a:buFont typeface="Wingdings" panose="05000000000000000000" pitchFamily="2" charset="2"/>
-              <a:buChar char="l"/>
-            </a:pPr>
-            <a:r>
-              <a:rPr lang="en-US" altLang="zh-TW" sz="2800" b="1" dirty="0"/>
-              <a:t>The problem we met.</a:t>
-            </a:r>
-          </a:p>
-          <a:p>
-            <a:pPr>
-              <a:buFont typeface="Wingdings" panose="05000000000000000000" pitchFamily="2" charset="2"/>
-              <a:buChar char="l"/>
-            </a:pPr>
-            <a:endParaRPr lang="en-US" altLang="zh-TW" dirty="0"/>
-          </a:p>
-        </p:txBody>
-      </p:sp>
-    </p:spTree>
-    <p:extLst>
-      <p:ext uri="{BB962C8B-B14F-4D97-AF65-F5344CB8AC3E}">
-        <p14:creationId xmlns:p14="http://schemas.microsoft.com/office/powerpoint/2010/main" val="3753964512"/>
-      </p:ext>
-    </p:extLst>
-  </p:cSld>
-  <p:clrMapOvr>
-    <a:masterClrMapping/>
-  </p:clrMapOvr>
-</p:sld>
-</file>
-
-<file path=ppt/slides/slide3.xml><?xml version="1.0" encoding="utf-8"?>
-<p:sld xmlns:a="http://schemas.openxmlformats.org/drawingml/2006/main" xmlns:r="http://schemas.openxmlformats.org/officeDocument/2006/relationships" xmlns:p="http://schemas.openxmlformats.org/presentationml/2006/main">
-  <p:cSld>
-    <p:spTree>
-      <p:nvGrpSpPr>
-        <p:cNvPr id="1" name=""/>
-        <p:cNvGrpSpPr/>
-        <p:nvPr/>
-      </p:nvGrpSpPr>
-      <p:grpSpPr>
-        <a:xfrm>
-          <a:off x="0" y="0"/>
-          <a:ext cx="0" cy="0"/>
-          <a:chOff x="0" y="0"/>
-          <a:chExt cx="0" cy="0"/>
-        </a:xfrm>
-      </p:grpSpPr>
-      <p:sp>
-        <p:nvSpPr>
-          <p:cNvPr id="9" name="標題 8">
-            <a:extLst>
-              <a:ext uri="{FF2B5EF4-FFF2-40B4-BE49-F238E27FC236}">
-                <a16:creationId xmlns:a16="http://schemas.microsoft.com/office/drawing/2014/main" id="{F2984D14-71D0-431A-88F5-5A3B2A1C5F56}"/>
-              </a:ext>
-            </a:extLst>
-          </p:cNvPr>
-          <p:cNvSpPr>
-            <a:spLocks noGrp="1"/>
-          </p:cNvSpPr>
-          <p:nvPr>
-            <p:ph type="title"/>
-          </p:nvPr>
-        </p:nvSpPr>
-        <p:spPr/>
-        <p:txBody>
-          <a:bodyPr/>
-          <a:lstStyle/>
-          <a:p>
-            <a:r>
-              <a:rPr lang="en-US" altLang="zh-TW" dirty="0"/>
-              <a:t>The Preprocess method we do</a:t>
-            </a:r>
-            <a:endParaRPr lang="zh-TW" altLang="en-US" dirty="0"/>
-          </a:p>
-        </p:txBody>
-      </p:sp>
-      <p:sp>
-        <p:nvSpPr>
-          <p:cNvPr id="10" name="內容版面配置區 9">
-            <a:extLst>
-              <a:ext uri="{FF2B5EF4-FFF2-40B4-BE49-F238E27FC236}">
-                <a16:creationId xmlns:a16="http://schemas.microsoft.com/office/drawing/2014/main" id="{B52E4455-0520-47D6-9568-886F758CAF8C}"/>
-              </a:ext>
-            </a:extLst>
-          </p:cNvPr>
-          <p:cNvSpPr>
-            <a:spLocks noGrp="1"/>
-          </p:cNvSpPr>
-          <p:nvPr>
-            <p:ph idx="1"/>
-          </p:nvPr>
-        </p:nvSpPr>
-        <p:spPr/>
-        <p:txBody>
-          <a:bodyPr/>
-          <a:lstStyle/>
-          <a:p>
-            <a:pPr>
-              <a:buFont typeface="Wingdings" panose="05000000000000000000" pitchFamily="2" charset="2"/>
-              <a:buChar char="l"/>
-            </a:pPr>
-            <a:r>
-              <a:rPr lang="en-US" altLang="zh-TW" sz="2800" b="1" dirty="0"/>
-              <a:t>Remove outliers</a:t>
-            </a:r>
-          </a:p>
-          <a:p>
-            <a:pPr>
-              <a:buFont typeface="Wingdings" panose="05000000000000000000" pitchFamily="2" charset="2"/>
-              <a:buChar char="l"/>
-            </a:pPr>
-            <a:r>
-              <a:rPr lang="en-US" altLang="zh-TW" sz="2800" b="1" dirty="0"/>
-              <a:t>Discretization</a:t>
-            </a:r>
-            <a:r>
-              <a:rPr lang="en-US" altLang="zh-TW" b="1" dirty="0"/>
-              <a:t>(separate with same number of data)</a:t>
-            </a:r>
-          </a:p>
-          <a:p>
-            <a:pPr>
-              <a:buFont typeface="Wingdings" panose="05000000000000000000" pitchFamily="2" charset="2"/>
-              <a:buChar char="l"/>
-            </a:pPr>
-            <a:r>
-              <a:rPr lang="en-US" altLang="zh-TW" sz="2800" b="1" dirty="0"/>
-              <a:t>Delete attribute</a:t>
-            </a:r>
-            <a:r>
-              <a:rPr lang="en-US" altLang="zh-TW" b="1" dirty="0"/>
-              <a:t>(</a:t>
-            </a:r>
-            <a:r>
-              <a:rPr lang="en-US" altLang="zh-TW" b="1" dirty="0" err="1"/>
-              <a:t>CfbsubsetEval</a:t>
-            </a:r>
-            <a:r>
-              <a:rPr lang="en-US" altLang="zh-TW" b="1" dirty="0"/>
-              <a:t> with </a:t>
-            </a:r>
-            <a:r>
-              <a:rPr lang="en-US" altLang="zh-TW" b="1" dirty="0" err="1"/>
-              <a:t>Bestfirst</a:t>
-            </a:r>
-            <a:r>
-              <a:rPr lang="en-US" altLang="zh-TW" b="1" dirty="0"/>
-              <a:t>)</a:t>
-            </a:r>
-          </a:p>
-          <a:p>
-            <a:pPr>
-              <a:buFont typeface="Wingdings" panose="05000000000000000000" pitchFamily="2" charset="2"/>
-              <a:buChar char="l"/>
-            </a:pPr>
-            <a:endParaRPr lang="en-US" altLang="zh-TW" sz="2800" b="1" dirty="0"/>
-          </a:p>
-          <a:p>
-            <a:pPr>
-              <a:buFont typeface="Wingdings" panose="05000000000000000000" pitchFamily="2" charset="2"/>
-              <a:buChar char="l"/>
-            </a:pPr>
-            <a:endParaRPr lang="zh-TW" altLang="en-US" sz="2800" b="1" dirty="0"/>
-          </a:p>
-        </p:txBody>
-      </p:sp>
-    </p:spTree>
-    <p:extLst>
-      <p:ext uri="{BB962C8B-B14F-4D97-AF65-F5344CB8AC3E}">
-        <p14:creationId xmlns:p14="http://schemas.microsoft.com/office/powerpoint/2010/main" val="3403171253"/>
-      </p:ext>
-    </p:extLst>
-  </p:cSld>
-  <p:clrMapOvr>
-    <a:masterClrMapping/>
-  </p:clrMapOvr>
-</p:sld>
-</file>
-
-<file path=ppt/slides/slide4.xml><?xml version="1.0" encoding="utf-8"?>
-<p:sld xmlns:a="http://schemas.openxmlformats.org/drawingml/2006/main" xmlns:r="http://schemas.openxmlformats.org/officeDocument/2006/relationships" xmlns:p="http://schemas.openxmlformats.org/presentationml/2006/main">
-  <p:cSld>
-    <p:spTree>
-      <p:nvGrpSpPr>
-        <p:cNvPr id="1" name=""/>
-        <p:cNvGrpSpPr/>
-        <p:nvPr/>
-      </p:nvGrpSpPr>
-      <p:grpSpPr>
-        <a:xfrm>
-          <a:off x="0" y="0"/>
-          <a:ext cx="0" cy="0"/>
-          <a:chOff x="0" y="0"/>
-          <a:chExt cx="0" cy="0"/>
-        </a:xfrm>
-      </p:grpSpPr>
-      <p:pic>
-        <p:nvPicPr>
-          <p:cNvPr id="5" name="圖片 4">
-            <a:extLst>
-              <a:ext uri="{FF2B5EF4-FFF2-40B4-BE49-F238E27FC236}">
-                <a16:creationId xmlns:a16="http://schemas.microsoft.com/office/drawing/2014/main" id="{073CD056-690E-4148-94CA-5F5F297BBA65}"/>
-              </a:ext>
-            </a:extLst>
-          </p:cNvPr>
-          <p:cNvPicPr>
-            <a:picLocks noChangeAspect="1"/>
-          </p:cNvPicPr>
-          <p:nvPr/>
-        </p:nvPicPr>
-        <p:blipFill>
-          <a:blip r:embed="rId2">
-            <a:extLst>
-              <a:ext uri="{28A0092B-C50C-407E-A947-70E740481C1C}">
-                <a14:useLocalDpi xmlns:a14="http://schemas.microsoft.com/office/drawing/2010/main" val="0"/>
-              </a:ext>
-            </a:extLst>
-          </a:blip>
-          <a:stretch>
-            <a:fillRect/>
-          </a:stretch>
-        </p:blipFill>
-        <p:spPr>
-          <a:xfrm>
-            <a:off x="740326" y="3716694"/>
-            <a:ext cx="10711348" cy="1946245"/>
-          </a:xfrm>
-          <a:prstGeom prst="rect">
-            <a:avLst/>
-          </a:prstGeom>
-        </p:spPr>
-      </p:pic>
-      <p:sp>
-        <p:nvSpPr>
-          <p:cNvPr id="14" name="文字方塊 13">
-            <a:extLst>
-              <a:ext uri="{FF2B5EF4-FFF2-40B4-BE49-F238E27FC236}">
-                <a16:creationId xmlns:a16="http://schemas.microsoft.com/office/drawing/2014/main" id="{836D3506-27BE-43C6-8120-798C9B640C30}"/>
-              </a:ext>
-            </a:extLst>
-          </p:cNvPr>
-          <p:cNvSpPr txBox="1"/>
-          <p:nvPr/>
-        </p:nvSpPr>
-        <p:spPr>
-          <a:xfrm>
-            <a:off x="740326" y="3128721"/>
-            <a:ext cx="6172202" cy="461665"/>
-          </a:xfrm>
-          <a:prstGeom prst="rect">
-            <a:avLst/>
-          </a:prstGeom>
-          <a:noFill/>
-        </p:spPr>
-        <p:txBody>
-          <a:bodyPr wrap="square" rtlCol="0">
-            <a:spAutoFit/>
-          </a:bodyPr>
-          <a:lstStyle/>
-          <a:p>
-            <a:r>
-              <a:rPr lang="en-US" altLang="zh-TW" sz="2400" b="1" dirty="0">
-                <a:solidFill>
-                  <a:schemeClr val="tx1">
-                    <a:lumMod val="75000"/>
-                    <a:lumOff val="25000"/>
-                  </a:schemeClr>
-                </a:solidFill>
-              </a:rPr>
-              <a:t>The accuracy always decrease after discretize</a:t>
-            </a:r>
-            <a:endParaRPr lang="zh-TW" altLang="en-US" sz="2400" b="1" dirty="0">
-              <a:solidFill>
-                <a:schemeClr val="tx1">
-                  <a:lumMod val="75000"/>
-                  <a:lumOff val="25000"/>
-                </a:schemeClr>
-              </a:solidFill>
-            </a:endParaRPr>
-          </a:p>
-        </p:txBody>
-      </p:sp>
-      <p:sp>
-        <p:nvSpPr>
-          <p:cNvPr id="19" name="流程圖: 程序 18">
-            <a:extLst>
-              <a:ext uri="{FF2B5EF4-FFF2-40B4-BE49-F238E27FC236}">
-                <a16:creationId xmlns:a16="http://schemas.microsoft.com/office/drawing/2014/main" id="{5D4EA485-A832-477B-B283-0FBA20C1CF0E}"/>
-              </a:ext>
-            </a:extLst>
-          </p:cNvPr>
-          <p:cNvSpPr/>
-          <p:nvPr/>
-        </p:nvSpPr>
-        <p:spPr>
-          <a:xfrm>
-            <a:off x="805342" y="4395830"/>
-            <a:ext cx="10646331" cy="293985"/>
-          </a:xfrm>
-          <a:prstGeom prst="flowChartProcess">
-            <a:avLst/>
-          </a:prstGeom>
-          <a:solidFill>
-            <a:srgbClr val="FF0000">
-              <a:alpha val="50000"/>
-            </a:srgbClr>
-          </a:solidFill>
-          <a:ln>
-            <a:solidFill>
-              <a:srgbClr val="FF0000"/>
-            </a:solidFill>
-          </a:ln>
-        </p:spPr>
-        <p:style>
-          <a:lnRef idx="0">
-            <a:scrgbClr r="0" g="0" b="0"/>
-          </a:lnRef>
-          <a:fillRef idx="0">
-            <a:scrgbClr r="0" g="0" b="0"/>
-          </a:fillRef>
-          <a:effectRef idx="0">
-            <a:scrgbClr r="0" g="0" b="0"/>
-          </a:effectRef>
-          <a:fontRef idx="minor">
-            <a:schemeClr val="lt1"/>
-          </a:fontRef>
-        </p:style>
-        <p:txBody>
-          <a:bodyPr rtlCol="0" anchor="ctr"/>
-          <a:lstStyle/>
-          <a:p>
-            <a:pPr algn="ctr"/>
-            <a:endParaRPr lang="zh-TW" altLang="en-US" dirty="0"/>
-          </a:p>
-        </p:txBody>
-      </p:sp>
-      <p:sp>
-        <p:nvSpPr>
-          <p:cNvPr id="21" name="矩形 20">
-            <a:extLst>
-              <a:ext uri="{FF2B5EF4-FFF2-40B4-BE49-F238E27FC236}">
-                <a16:creationId xmlns:a16="http://schemas.microsoft.com/office/drawing/2014/main" id="{0902B54D-893D-41FE-B916-4273DF24D94C}"/>
-              </a:ext>
-            </a:extLst>
-          </p:cNvPr>
-          <p:cNvSpPr/>
-          <p:nvPr/>
-        </p:nvSpPr>
-        <p:spPr>
-          <a:xfrm>
-            <a:off x="8741328" y="5301842"/>
-            <a:ext cx="2710346" cy="361097"/>
-          </a:xfrm>
-          <a:prstGeom prst="rect">
-            <a:avLst/>
-          </a:prstGeom>
-          <a:solidFill>
-            <a:srgbClr val="FF0000">
-              <a:alpha val="50000"/>
-            </a:srgbClr>
-          </a:solidFill>
-          <a:ln>
-            <a:noFill/>
-          </a:ln>
-        </p:spPr>
-        <p:style>
-          <a:lnRef idx="0">
-            <a:scrgbClr r="0" g="0" b="0"/>
-          </a:lnRef>
-          <a:fillRef idx="0">
-            <a:scrgbClr r="0" g="0" b="0"/>
-          </a:fillRef>
-          <a:effectRef idx="0">
-            <a:scrgbClr r="0" g="0" b="0"/>
-          </a:effectRef>
-          <a:fontRef idx="minor">
-            <a:schemeClr val="lt1"/>
-          </a:fontRef>
-        </p:style>
-        <p:txBody>
-          <a:bodyPr rtlCol="0" anchor="ctr"/>
-          <a:lstStyle/>
-          <a:p>
-            <a:pPr algn="ctr"/>
-            <a:endParaRPr lang="zh-TW" altLang="en-US"/>
-          </a:p>
-        </p:txBody>
-      </p:sp>
-      <p:sp>
-        <p:nvSpPr>
-          <p:cNvPr id="22" name="流程圖: 程序 21">
-            <a:extLst>
-              <a:ext uri="{FF2B5EF4-FFF2-40B4-BE49-F238E27FC236}">
-                <a16:creationId xmlns:a16="http://schemas.microsoft.com/office/drawing/2014/main" id="{655DE09C-7739-440F-B7F5-5166B5653039}"/>
-              </a:ext>
-            </a:extLst>
-          </p:cNvPr>
-          <p:cNvSpPr/>
-          <p:nvPr/>
-        </p:nvSpPr>
-        <p:spPr>
-          <a:xfrm>
-            <a:off x="805342" y="4101845"/>
-            <a:ext cx="10646331" cy="293985"/>
-          </a:xfrm>
-          <a:prstGeom prst="flowChartProcess">
-            <a:avLst/>
-          </a:prstGeom>
-          <a:solidFill>
-            <a:srgbClr val="92D050">
-              <a:alpha val="50000"/>
-            </a:srgbClr>
-          </a:solidFill>
-          <a:ln>
-            <a:solidFill>
-              <a:srgbClr val="92D050"/>
-            </a:solidFill>
-          </a:ln>
-        </p:spPr>
-        <p:style>
-          <a:lnRef idx="0">
-            <a:scrgbClr r="0" g="0" b="0"/>
-          </a:lnRef>
-          <a:fillRef idx="0">
-            <a:scrgbClr r="0" g="0" b="0"/>
-          </a:fillRef>
-          <a:effectRef idx="0">
-            <a:scrgbClr r="0" g="0" b="0"/>
-          </a:effectRef>
-          <a:fontRef idx="minor">
-            <a:schemeClr val="lt1"/>
-          </a:fontRef>
-        </p:style>
-        <p:txBody>
-          <a:bodyPr rtlCol="0" anchor="ctr"/>
-          <a:lstStyle/>
-          <a:p>
-            <a:pPr algn="ctr"/>
-            <a:endParaRPr lang="zh-TW" altLang="en-US" dirty="0"/>
-          </a:p>
-        </p:txBody>
-      </p:sp>
-      <p:sp>
-        <p:nvSpPr>
-          <p:cNvPr id="23" name="文字方塊 22">
-            <a:extLst>
-              <a:ext uri="{FF2B5EF4-FFF2-40B4-BE49-F238E27FC236}">
-                <a16:creationId xmlns:a16="http://schemas.microsoft.com/office/drawing/2014/main" id="{9D692525-4813-4028-9D38-E56EF9C5CE83}"/>
-              </a:ext>
-            </a:extLst>
-          </p:cNvPr>
-          <p:cNvSpPr txBox="1"/>
-          <p:nvPr/>
-        </p:nvSpPr>
-        <p:spPr>
-          <a:xfrm>
-            <a:off x="570451" y="671119"/>
-            <a:ext cx="9352432" cy="1938992"/>
-          </a:xfrm>
-          <a:prstGeom prst="rect">
-            <a:avLst/>
-          </a:prstGeom>
-          <a:noFill/>
-        </p:spPr>
-        <p:txBody>
-          <a:bodyPr wrap="none" rtlCol="0">
-            <a:spAutoFit/>
-          </a:bodyPr>
-          <a:lstStyle/>
-          <a:p>
-            <a:r>
-              <a:rPr lang="en-US" altLang="zh-TW" sz="2400" b="1" dirty="0">
-                <a:solidFill>
-                  <a:schemeClr val="tx1">
-                    <a:lumMod val="75000"/>
-                    <a:lumOff val="25000"/>
-                  </a:schemeClr>
-                </a:solidFill>
-              </a:rPr>
-              <a:t>Our hypothesis</a:t>
-            </a:r>
-            <a:r>
-              <a:rPr lang="zh-TW" altLang="en-US" sz="2400" b="1" dirty="0">
-                <a:solidFill>
-                  <a:schemeClr val="tx1">
-                    <a:lumMod val="75000"/>
-                    <a:lumOff val="25000"/>
-                  </a:schemeClr>
-                </a:solidFill>
-              </a:rPr>
-              <a:t>：</a:t>
-            </a:r>
-            <a:endParaRPr lang="en-US" altLang="zh-TW" sz="2400" b="1" dirty="0">
-              <a:solidFill>
-                <a:schemeClr val="tx1">
-                  <a:lumMod val="75000"/>
-                  <a:lumOff val="25000"/>
-                </a:schemeClr>
-              </a:solidFill>
-            </a:endParaRPr>
-          </a:p>
-          <a:p>
-            <a:r>
-              <a:rPr lang="en-US" altLang="zh-TW" sz="2400" b="1" dirty="0">
-                <a:solidFill>
-                  <a:schemeClr val="tx1">
-                    <a:lumMod val="75000"/>
-                    <a:lumOff val="25000"/>
-                  </a:schemeClr>
-                </a:solidFill>
-              </a:rPr>
-              <a:t>Discretize will separate data into different interval, </a:t>
-            </a:r>
-          </a:p>
-          <a:p>
-            <a:r>
-              <a:rPr lang="en-US" altLang="zh-TW" sz="2400" b="1" dirty="0">
-                <a:solidFill>
-                  <a:schemeClr val="tx1">
-                    <a:lumMod val="75000"/>
-                    <a:lumOff val="25000"/>
-                  </a:schemeClr>
-                </a:solidFill>
-              </a:rPr>
-              <a:t>and it can handle outliers very well.</a:t>
-            </a:r>
-          </a:p>
-          <a:p>
-            <a:r>
-              <a:rPr lang="en-US" altLang="zh-TW" sz="2400" b="1" dirty="0">
-                <a:solidFill>
-                  <a:schemeClr val="tx1">
-                    <a:lumMod val="75000"/>
-                    <a:lumOff val="25000"/>
-                  </a:schemeClr>
-                </a:solidFill>
-              </a:rPr>
-              <a:t>But there are few outliers in our dataset,</a:t>
-            </a:r>
-          </a:p>
-          <a:p>
-            <a:r>
-              <a:rPr lang="en-US" altLang="zh-TW" sz="2400" b="1" dirty="0">
-                <a:solidFill>
-                  <a:schemeClr val="tx1">
-                    <a:lumMod val="75000"/>
-                    <a:lumOff val="25000"/>
-                  </a:schemeClr>
-                </a:solidFill>
-              </a:rPr>
-              <a:t>and the same quality of wine is in a range, we don’t need to separate it.</a:t>
-            </a:r>
-            <a:endParaRPr lang="zh-TW" altLang="en-US" sz="2400" b="1" dirty="0">
-              <a:solidFill>
-                <a:schemeClr val="tx1">
-                  <a:lumMod val="75000"/>
-                  <a:lumOff val="25000"/>
-                </a:schemeClr>
-              </a:solidFill>
-            </a:endParaRPr>
-          </a:p>
-        </p:txBody>
-      </p:sp>
-    </p:spTree>
-    <p:extLst>
-      <p:ext uri="{BB962C8B-B14F-4D97-AF65-F5344CB8AC3E}">
-        <p14:creationId xmlns:p14="http://schemas.microsoft.com/office/powerpoint/2010/main" val="2441374425"/>
-      </p:ext>
-    </p:extLst>
-  </p:cSld>
-  <p:clrMapOvr>
-    <a:masterClrMapping/>
-  </p:clrMapOvr>
-  <p:timing>
-    <p:tnLst>
-      <p:par>
-        <p:cTn id="1" dur="indefinite" restart="never" nodeType="tmRoot">
-          <p:childTnLst>
-            <p:seq concurrent="1" nextAc="seek">
-              <p:cTn id="2" dur="indefinite" nodeType="mainSeq">
-                <p:childTnLst>
-                  <p:par>
-                    <p:cTn id="3" fill="hold">
-                      <p:stCondLst>
-                        <p:cond delay="indefinite"/>
-                      </p:stCondLst>
-                      <p:childTnLst>
-                        <p:par>
-                          <p:cTn id="4" fill="hold">
-                            <p:stCondLst>
-                              <p:cond delay="0"/>
-                            </p:stCondLst>
-                            <p:childTnLst>
-                              <p:par>
-                                <p:cTn id="5" presetID="10" presetClass="entr" presetSubtype="0" fill="hold" grpId="0" nodeType="clickEffect">
-                                  <p:stCondLst>
-                                    <p:cond delay="0"/>
-                                  </p:stCondLst>
-                                  <p:childTnLst>
-                                    <p:set>
-                                      <p:cBhvr>
-                                        <p:cTn id="6" dur="1" fill="hold">
-                                          <p:stCondLst>
-                                            <p:cond delay="0"/>
-                                          </p:stCondLst>
-                                        </p:cTn>
-                                        <p:tgtEl>
-                                          <p:spTgt spid="21"/>
-                                        </p:tgtEl>
-                                        <p:attrNameLst>
-                                          <p:attrName>style.visibility</p:attrName>
-                                        </p:attrNameLst>
-                                      </p:cBhvr>
-                                      <p:to>
-                                        <p:strVal val="visible"/>
-                                      </p:to>
-                                    </p:set>
-                                    <p:animEffect transition="in" filter="fade">
-                                      <p:cBhvr>
-                                        <p:cTn id="7" dur="500"/>
-                                        <p:tgtEl>
-                                          <p:spTgt spid="21"/>
-                                        </p:tgtEl>
-                                      </p:cBhvr>
-                                    </p:animEffect>
-                                  </p:childTnLst>
-                                </p:cTn>
-                              </p:par>
-                            </p:childTnLst>
-                          </p:cTn>
-                        </p:par>
-                      </p:childTnLst>
-                    </p:cTn>
-                  </p:par>
-                  <p:par>
-                    <p:cTn id="8" fill="hold">
-                      <p:stCondLst>
-                        <p:cond delay="indefinite"/>
-                      </p:stCondLst>
-                      <p:childTnLst>
-                        <p:par>
-                          <p:cTn id="9" fill="hold">
-                            <p:stCondLst>
-                              <p:cond delay="0"/>
-                            </p:stCondLst>
-                            <p:childTnLst>
-                              <p:par>
-                                <p:cTn id="10" presetID="10" presetClass="entr" presetSubtype="0" fill="hold" grpId="0" nodeType="clickEffect">
-                                  <p:stCondLst>
-                                    <p:cond delay="0"/>
-                                  </p:stCondLst>
-                                  <p:childTnLst>
-                                    <p:set>
-                                      <p:cBhvr>
-                                        <p:cTn id="11" dur="1" fill="hold">
-                                          <p:stCondLst>
-                                            <p:cond delay="0"/>
-                                          </p:stCondLst>
-                                        </p:cTn>
-                                        <p:tgtEl>
-                                          <p:spTgt spid="22"/>
-                                        </p:tgtEl>
-                                        <p:attrNameLst>
-                                          <p:attrName>style.visibility</p:attrName>
-                                        </p:attrNameLst>
-                                      </p:cBhvr>
-                                      <p:to>
-                                        <p:strVal val="visible"/>
-                                      </p:to>
-                                    </p:set>
-                                    <p:animEffect transition="in" filter="fade">
-                                      <p:cBhvr>
-                                        <p:cTn id="12" dur="500"/>
-                                        <p:tgtEl>
-                                          <p:spTgt spid="22"/>
-                                        </p:tgtEl>
-                                      </p:cBhvr>
-                                    </p:animEffect>
-                                  </p:childTnLst>
-                                </p:cTn>
-                              </p:par>
-                              <p:par>
-                                <p:cTn id="13" presetID="10" presetClass="entr" presetSubtype="0" fill="hold" grpId="0" nodeType="withEffect">
-                                  <p:stCondLst>
-                                    <p:cond delay="0"/>
-                                  </p:stCondLst>
-                                  <p:childTnLst>
-                                    <p:set>
-                                      <p:cBhvr>
-                                        <p:cTn id="14" dur="1" fill="hold">
-                                          <p:stCondLst>
-                                            <p:cond delay="0"/>
-                                          </p:stCondLst>
-                                        </p:cTn>
-                                        <p:tgtEl>
-                                          <p:spTgt spid="19"/>
-                                        </p:tgtEl>
-                                        <p:attrNameLst>
-                                          <p:attrName>style.visibility</p:attrName>
-                                        </p:attrNameLst>
-                                      </p:cBhvr>
-                                      <p:to>
-                                        <p:strVal val="visible"/>
-                                      </p:to>
-                                    </p:set>
-                                    <p:animEffect transition="in" filter="fade">
-                                      <p:cBhvr>
-                                        <p:cTn id="15" dur="500"/>
-                                        <p:tgtEl>
-                                          <p:spTgt spid="19"/>
-                                        </p:tgtEl>
-                                      </p:cBhvr>
-                                    </p:animEffect>
-                                  </p:childTnLst>
-                                </p:cTn>
-                              </p:par>
-                            </p:childTnLst>
-                          </p:cTn>
-                        </p:par>
-                      </p:childTnLst>
-                    </p:cTn>
-                  </p:par>
-                  <p:par>
-                    <p:cTn id="16" fill="hold">
-                      <p:stCondLst>
-                        <p:cond delay="indefinite"/>
-                      </p:stCondLst>
-                      <p:childTnLst>
-                        <p:par>
-                          <p:cTn id="17" fill="hold">
-                            <p:stCondLst>
-                              <p:cond delay="0"/>
-                            </p:stCondLst>
-                            <p:childTnLst>
-                              <p:par>
-                                <p:cTn id="18" presetID="10" presetClass="entr" presetSubtype="0" fill="hold" grpId="0" nodeType="clickEffect">
-                                  <p:stCondLst>
-                                    <p:cond delay="0"/>
-                                  </p:stCondLst>
-                                  <p:childTnLst>
-                                    <p:set>
-                                      <p:cBhvr>
-                                        <p:cTn id="19" dur="1" fill="hold">
-                                          <p:stCondLst>
-                                            <p:cond delay="0"/>
-                                          </p:stCondLst>
-                                        </p:cTn>
-                                        <p:tgtEl>
-                                          <p:spTgt spid="23"/>
-                                        </p:tgtEl>
-                                        <p:attrNameLst>
-                                          <p:attrName>style.visibility</p:attrName>
-                                        </p:attrNameLst>
-                                      </p:cBhvr>
-                                      <p:to>
-                                        <p:strVal val="visible"/>
-                                      </p:to>
-                                    </p:set>
-                                    <p:animEffect transition="in" filter="fade">
-                                      <p:cBhvr>
-                                        <p:cTn id="20" dur="500"/>
-                                        <p:tgtEl>
-                                          <p:spTgt spid="23"/>
-                                        </p:tgtEl>
-                                      </p:cBhvr>
-                                    </p:animEffect>
-                                  </p:childTnLst>
-                                </p:cTn>
-                              </p:par>
-                            </p:childTnLst>
-                          </p:cTn>
-                        </p:par>
-                      </p:childTnLst>
-                    </p:cTn>
-                  </p:par>
-                </p:childTnLst>
-              </p:cTn>
-              <p:prevCondLst>
-                <p:cond evt="onPrev" delay="0">
-                  <p:tgtEl>
-                    <p:sldTgt/>
-                  </p:tgtEl>
-                </p:cond>
-              </p:prevCondLst>
-              <p:nextCondLst>
-                <p:cond evt="onNext" delay="0">
-                  <p:tgtEl>
-                    <p:sldTgt/>
-                  </p:tgtEl>
-                </p:cond>
-              </p:nextCondLst>
-            </p:seq>
-          </p:childTnLst>
-        </p:cTn>
-      </p:par>
-    </p:tnLst>
-    <p:bldLst>
-      <p:bldP spid="19" grpId="0" animBg="1"/>
-      <p:bldP spid="21" grpId="0" animBg="1"/>
-      <p:bldP spid="22" grpId="0" animBg="1"/>
-      <p:bldP spid="23" grpId="0"/>
-    </p:bldLst>
-  </p:timing>
-</p:sld>
-</file>
-
-<file path=ppt/slides/slide5.xml><?xml version="1.0" encoding="utf-8"?>
-<p:sld xmlns:a="http://schemas.openxmlformats.org/drawingml/2006/main" xmlns:r="http://schemas.openxmlformats.org/officeDocument/2006/relationships" xmlns:p="http://schemas.openxmlformats.org/presentationml/2006/main">
-  <p:cSld>
-    <p:spTree>
-      <p:nvGrpSpPr>
-        <p:cNvPr id="1" name=""/>
-        <p:cNvGrpSpPr/>
-        <p:nvPr/>
-      </p:nvGrpSpPr>
-      <p:grpSpPr>
-        <a:xfrm>
-          <a:off x="0" y="0"/>
-          <a:ext cx="0" cy="0"/>
-          <a:chOff x="0" y="0"/>
-          <a:chExt cx="0" cy="0"/>
-        </a:xfrm>
-      </p:grpSpPr>
-      <p:sp>
-        <p:nvSpPr>
-          <p:cNvPr id="4" name="標題 3">
-            <a:extLst>
-              <a:ext uri="{FF2B5EF4-FFF2-40B4-BE49-F238E27FC236}">
-                <a16:creationId xmlns:a16="http://schemas.microsoft.com/office/drawing/2014/main" id="{20644D2D-1735-4228-8BAC-E0A1048CC3DB}"/>
-              </a:ext>
-            </a:extLst>
-          </p:cNvPr>
-          <p:cNvSpPr>
-            <a:spLocks noGrp="1"/>
-          </p:cNvSpPr>
-          <p:nvPr>
-            <p:ph type="title"/>
-          </p:nvPr>
-        </p:nvSpPr>
-        <p:spPr/>
-        <p:txBody>
-          <a:bodyPr/>
-          <a:lstStyle/>
-          <a:p>
-            <a:r>
-              <a:rPr lang="en-US" altLang="zh-TW" dirty="0"/>
-              <a:t>Alcohol - Quality</a:t>
-            </a:r>
-            <a:endParaRPr lang="zh-TW" altLang="en-US" dirty="0"/>
-          </a:p>
-        </p:txBody>
-      </p:sp>
-      <p:pic>
-        <p:nvPicPr>
-          <p:cNvPr id="13" name="內容版面配置區 12">
-            <a:extLst>
-              <a:ext uri="{FF2B5EF4-FFF2-40B4-BE49-F238E27FC236}">
-                <a16:creationId xmlns:a16="http://schemas.microsoft.com/office/drawing/2014/main" id="{6B44A836-E1F4-4A5E-ADD5-8469FD441F3F}"/>
-              </a:ext>
-            </a:extLst>
-          </p:cNvPr>
-          <p:cNvPicPr>
-            <a:picLocks noGrp="1" noChangeAspect="1"/>
-          </p:cNvPicPr>
-          <p:nvPr>
-            <p:ph idx="1"/>
-          </p:nvPr>
-        </p:nvPicPr>
-        <p:blipFill>
-          <a:blip r:embed="rId2">
-            <a:extLst>
-              <a:ext uri="{28A0092B-C50C-407E-A947-70E740481C1C}">
-                <a14:useLocalDpi xmlns:a14="http://schemas.microsoft.com/office/drawing/2010/main" val="0"/>
-              </a:ext>
-            </a:extLst>
-          </a:blip>
-          <a:stretch>
-            <a:fillRect/>
-          </a:stretch>
-        </p:blipFill>
-        <p:spPr>
-          <a:xfrm>
-            <a:off x="2867894" y="2108200"/>
-            <a:ext cx="6516537" cy="3760788"/>
-          </a:xfrm>
-        </p:spPr>
-      </p:pic>
-    </p:spTree>
-    <p:extLst>
-      <p:ext uri="{BB962C8B-B14F-4D97-AF65-F5344CB8AC3E}">
-        <p14:creationId xmlns:p14="http://schemas.microsoft.com/office/powerpoint/2010/main" val="1650592327"/>
-      </p:ext>
-    </p:extLst>
-  </p:cSld>
-  <p:clrMapOvr>
-    <a:masterClrMapping/>
-  </p:clrMapOvr>
-</p:sld>
-</file>
-
-<file path=ppt/slides/slide6.xml><?xml version="1.0" encoding="utf-8"?>
-<p:sld xmlns:a="http://schemas.openxmlformats.org/drawingml/2006/main" xmlns:r="http://schemas.openxmlformats.org/officeDocument/2006/relationships" xmlns:p="http://schemas.openxmlformats.org/presentationml/2006/main">
-  <p:cSld>
-    <p:spTree>
-      <p:nvGrpSpPr>
-        <p:cNvPr id="1" name=""/>
-        <p:cNvGrpSpPr/>
-        <p:nvPr/>
-      </p:nvGrpSpPr>
-      <p:grpSpPr>
-        <a:xfrm>
-          <a:off x="0" y="0"/>
-          <a:ext cx="0" cy="0"/>
-          <a:chOff x="0" y="0"/>
-          <a:chExt cx="0" cy="0"/>
-        </a:xfrm>
-      </p:grpSpPr>
-      <p:sp>
-        <p:nvSpPr>
-          <p:cNvPr id="2" name="標題 1">
-            <a:extLst>
-              <a:ext uri="{FF2B5EF4-FFF2-40B4-BE49-F238E27FC236}">
-                <a16:creationId xmlns:a16="http://schemas.microsoft.com/office/drawing/2014/main" id="{669E2E9A-ACBF-495F-A9B0-BA3E6162DCFC}"/>
-              </a:ext>
-            </a:extLst>
-          </p:cNvPr>
-          <p:cNvSpPr>
-            <a:spLocks noGrp="1"/>
-          </p:cNvSpPr>
-          <p:nvPr>
-            <p:ph type="title"/>
-          </p:nvPr>
-        </p:nvSpPr>
-        <p:spPr/>
-        <p:txBody>
-          <a:bodyPr/>
-          <a:lstStyle/>
-          <a:p>
-            <a:r>
-              <a:rPr lang="en-US" altLang="zh-TW" dirty="0"/>
-              <a:t>Chlorides - Quality</a:t>
-            </a:r>
-            <a:endParaRPr lang="zh-TW" altLang="en-US" dirty="0"/>
-          </a:p>
-        </p:txBody>
-      </p:sp>
-      <p:pic>
-        <p:nvPicPr>
-          <p:cNvPr id="9" name="內容版面配置區 8">
-            <a:extLst>
-              <a:ext uri="{FF2B5EF4-FFF2-40B4-BE49-F238E27FC236}">
-                <a16:creationId xmlns:a16="http://schemas.microsoft.com/office/drawing/2014/main" id="{98886252-CF75-4A18-B3F3-9F2DA0FCD535}"/>
-              </a:ext>
-            </a:extLst>
-          </p:cNvPr>
-          <p:cNvPicPr>
-            <a:picLocks noGrp="1" noChangeAspect="1"/>
-          </p:cNvPicPr>
-          <p:nvPr>
-            <p:ph idx="1"/>
-          </p:nvPr>
-        </p:nvPicPr>
-        <p:blipFill>
-          <a:blip r:embed="rId2">
-            <a:extLst>
-              <a:ext uri="{28A0092B-C50C-407E-A947-70E740481C1C}">
-                <a14:useLocalDpi xmlns:a14="http://schemas.microsoft.com/office/drawing/2010/main" val="0"/>
-              </a:ext>
-            </a:extLst>
-          </a:blip>
-          <a:stretch>
-            <a:fillRect/>
-          </a:stretch>
-        </p:blipFill>
-        <p:spPr>
-          <a:xfrm>
-            <a:off x="2878840" y="2108200"/>
-            <a:ext cx="6494645" cy="3760788"/>
-          </a:xfrm>
-        </p:spPr>
-      </p:pic>
-    </p:spTree>
-    <p:extLst>
-      <p:ext uri="{BB962C8B-B14F-4D97-AF65-F5344CB8AC3E}">
-        <p14:creationId xmlns:p14="http://schemas.microsoft.com/office/powerpoint/2010/main" val="1302403699"/>
-      </p:ext>
-    </p:extLst>
-  </p:cSld>
-  <p:clrMapOvr>
-    <a:masterClrMapping/>
-  </p:clrMapOvr>
-</p:sld>
-</file>
-
-<file path=ppt/slides/slide7.xml><?xml version="1.0" encoding="utf-8"?>
-<p:sld xmlns:a="http://schemas.openxmlformats.org/drawingml/2006/main" xmlns:r="http://schemas.openxmlformats.org/officeDocument/2006/relationships" xmlns:p="http://schemas.openxmlformats.org/presentationml/2006/main">
-  <p:cSld>
-    <p:spTree>
-      <p:nvGrpSpPr>
-        <p:cNvPr id="1" name=""/>
-        <p:cNvGrpSpPr/>
-        <p:nvPr/>
-      </p:nvGrpSpPr>
-      <p:grpSpPr>
-        <a:xfrm>
-          <a:off x="0" y="0"/>
-          <a:ext cx="0" cy="0"/>
-          <a:chOff x="0" y="0"/>
-          <a:chExt cx="0" cy="0"/>
-        </a:xfrm>
-      </p:grpSpPr>
-      <p:sp>
-        <p:nvSpPr>
-          <p:cNvPr id="2" name="標題 1">
-            <a:extLst>
-              <a:ext uri="{FF2B5EF4-FFF2-40B4-BE49-F238E27FC236}">
-                <a16:creationId xmlns:a16="http://schemas.microsoft.com/office/drawing/2014/main" id="{EF22B77A-9E4A-4D2F-A39C-C47097286CCF}"/>
-              </a:ext>
-            </a:extLst>
-          </p:cNvPr>
-          <p:cNvSpPr>
-            <a:spLocks noGrp="1"/>
-          </p:cNvSpPr>
-          <p:nvPr>
-            <p:ph type="title"/>
-          </p:nvPr>
-        </p:nvSpPr>
-        <p:spPr/>
-        <p:txBody>
-          <a:bodyPr/>
-          <a:lstStyle/>
-          <a:p>
-            <a:r>
-              <a:rPr lang="en-US" altLang="zh-TW" dirty="0"/>
-              <a:t>Citric acid - Quality</a:t>
-            </a:r>
-            <a:endParaRPr lang="zh-TW" altLang="en-US" dirty="0"/>
-          </a:p>
-        </p:txBody>
-      </p:sp>
-      <p:pic>
-        <p:nvPicPr>
-          <p:cNvPr id="9" name="內容版面配置區 8">
-            <a:extLst>
-              <a:ext uri="{FF2B5EF4-FFF2-40B4-BE49-F238E27FC236}">
-                <a16:creationId xmlns:a16="http://schemas.microsoft.com/office/drawing/2014/main" id="{CA6DD213-AB21-4973-A272-A7A8FED28482}"/>
-              </a:ext>
-            </a:extLst>
-          </p:cNvPr>
-          <p:cNvPicPr>
-            <a:picLocks noGrp="1" noChangeAspect="1"/>
-          </p:cNvPicPr>
-          <p:nvPr>
-            <p:ph idx="1"/>
-          </p:nvPr>
-        </p:nvPicPr>
-        <p:blipFill>
-          <a:blip r:embed="rId2">
-            <a:extLst>
-              <a:ext uri="{28A0092B-C50C-407E-A947-70E740481C1C}">
-                <a14:useLocalDpi xmlns:a14="http://schemas.microsoft.com/office/drawing/2010/main" val="0"/>
-              </a:ext>
-            </a:extLst>
-          </a:blip>
-          <a:stretch>
-            <a:fillRect/>
-          </a:stretch>
-        </p:blipFill>
-        <p:spPr>
-          <a:xfrm>
-            <a:off x="2861558" y="2108200"/>
-            <a:ext cx="6529210" cy="3760788"/>
-          </a:xfrm>
-        </p:spPr>
-      </p:pic>
-    </p:spTree>
-    <p:extLst>
-      <p:ext uri="{BB962C8B-B14F-4D97-AF65-F5344CB8AC3E}">
-        <p14:creationId xmlns:p14="http://schemas.microsoft.com/office/powerpoint/2010/main" val="2250541683"/>
-      </p:ext>
-    </p:extLst>
-  </p:cSld>
-  <p:clrMapOvr>
-    <a:masterClrMapping/>
-  </p:clrMapOvr>
-</p:sld>
-</file>
-
-<file path=ppt/slides/slide8.xml><?xml version="1.0" encoding="utf-8"?>
-<p:sld xmlns:a="http://schemas.openxmlformats.org/drawingml/2006/main" xmlns:r="http://schemas.openxmlformats.org/officeDocument/2006/relationships" xmlns:p="http://schemas.openxmlformats.org/presentationml/2006/main">
-  <p:cSld>
-    <p:spTree>
-      <p:nvGrpSpPr>
-        <p:cNvPr id="1" name=""/>
-        <p:cNvGrpSpPr/>
-        <p:nvPr/>
-      </p:nvGrpSpPr>
-      <p:grpSpPr>
-        <a:xfrm>
-          <a:off x="0" y="0"/>
-          <a:ext cx="0" cy="0"/>
-          <a:chOff x="0" y="0"/>
-          <a:chExt cx="0" cy="0"/>
-        </a:xfrm>
-      </p:grpSpPr>
-      <p:sp>
-        <p:nvSpPr>
-          <p:cNvPr id="2" name="標題 1">
-            <a:extLst>
-              <a:ext uri="{FF2B5EF4-FFF2-40B4-BE49-F238E27FC236}">
-                <a16:creationId xmlns:a16="http://schemas.microsoft.com/office/drawing/2014/main" id="{67BD68CD-E66B-411C-8556-AF4D65C31A20}"/>
-              </a:ext>
-            </a:extLst>
-          </p:cNvPr>
-          <p:cNvSpPr>
-            <a:spLocks noGrp="1"/>
-          </p:cNvSpPr>
-          <p:nvPr>
-            <p:ph type="title"/>
-          </p:nvPr>
-        </p:nvSpPr>
-        <p:spPr/>
-        <p:txBody>
-          <a:bodyPr/>
-          <a:lstStyle/>
-          <a:p>
-            <a:r>
-              <a:rPr lang="en-US" altLang="zh-TW" dirty="0"/>
-              <a:t>PH - Quality</a:t>
-            </a:r>
-            <a:endParaRPr lang="zh-TW" altLang="en-US" dirty="0"/>
-          </a:p>
-        </p:txBody>
-      </p:sp>
-      <p:pic>
-        <p:nvPicPr>
-          <p:cNvPr id="9" name="內容版面配置區 8">
-            <a:extLst>
-              <a:ext uri="{FF2B5EF4-FFF2-40B4-BE49-F238E27FC236}">
-                <a16:creationId xmlns:a16="http://schemas.microsoft.com/office/drawing/2014/main" id="{6D630B06-94CA-4D52-9EE5-6D6B88D0E77F}"/>
-              </a:ext>
-            </a:extLst>
-          </p:cNvPr>
-          <p:cNvPicPr>
-            <a:picLocks noGrp="1" noChangeAspect="1"/>
-          </p:cNvPicPr>
-          <p:nvPr>
-            <p:ph idx="1"/>
-          </p:nvPr>
-        </p:nvPicPr>
-        <p:blipFill>
-          <a:blip r:embed="rId2">
-            <a:extLst>
-              <a:ext uri="{28A0092B-C50C-407E-A947-70E740481C1C}">
-                <a14:useLocalDpi xmlns:a14="http://schemas.microsoft.com/office/drawing/2010/main" val="0"/>
-              </a:ext>
-            </a:extLst>
-          </a:blip>
-          <a:stretch>
-            <a:fillRect/>
-          </a:stretch>
-        </p:blipFill>
-        <p:spPr>
-          <a:xfrm>
-            <a:off x="2889760" y="2108200"/>
-            <a:ext cx="6472806" cy="3760788"/>
-          </a:xfrm>
-        </p:spPr>
-      </p:pic>
-    </p:spTree>
-    <p:extLst>
-      <p:ext uri="{BB962C8B-B14F-4D97-AF65-F5344CB8AC3E}">
-        <p14:creationId xmlns:p14="http://schemas.microsoft.com/office/powerpoint/2010/main" val="3035998424"/>
-      </p:ext>
-    </p:extLst>
-  </p:cSld>
-  <p:clrMapOvr>
-    <a:masterClrMapping/>
-  </p:clrMapOvr>
-</p:sld>
-</file>
-
 <file path=ppt/slides/slide9.xml><?xml version="1.0" encoding="utf-8"?>
 <p:sld xmlns:a="http://schemas.openxmlformats.org/drawingml/2006/main" xmlns:r="http://schemas.openxmlformats.org/officeDocument/2006/relationships" xmlns:p="http://schemas.openxmlformats.org/presentationml/2006/main">
   <p:cSld>
@@ -6583,7 +7774,7 @@
           <p:cNvPr id="2" name="標題 1">
             <a:extLst>
               <a:ext uri="{FF2B5EF4-FFF2-40B4-BE49-F238E27FC236}">
-                <a16:creationId xmlns:a16="http://schemas.microsoft.com/office/drawing/2014/main" id="{FF7659FC-E261-44BB-8492-C15460506F5C}"/>
+                <a16:creationId xmlns:a16="http://schemas.microsoft.com/office/drawing/2014/main" id="{63D310DB-9C88-4372-9519-E76C1665370D}"/>
               </a:ext>
             </a:extLst>
           </p:cNvPr>
@@ -6600,19 +7791,55 @@
           <a:lstStyle/>
           <a:p>
             <a:r>
-              <a:rPr lang="en-US" altLang="zh-TW" dirty="0"/>
-              <a:t>Density - Quality</a:t>
-            </a:r>
-            <a:endParaRPr lang="zh-TW" altLang="en-US" dirty="0"/>
+              <a:rPr lang="en-US" altLang="zh-TW" spc="130" dirty="0">
+                <a:latin typeface="Adobe Gothic Std B" panose="020B0800000000000000" pitchFamily="34" charset="-128"/>
+                <a:ea typeface="Adobe Gothic Std B" panose="020B0800000000000000" pitchFamily="34" charset="-128"/>
+                <a:cs typeface="+mn-cs"/>
+              </a:rPr>
+              <a:t>Random Forest</a:t>
+            </a:r>
+            <a:endParaRPr lang="zh-TW" altLang="en-US" spc="130" dirty="0">
+              <a:latin typeface="Adobe Gothic Std B" panose="020B0800000000000000" pitchFamily="34" charset="-128"/>
+              <a:cs typeface="+mn-cs"/>
+            </a:endParaRPr>
+          </a:p>
+        </p:txBody>
+      </p:sp>
+      <p:sp>
+        <p:nvSpPr>
+          <p:cNvPr id="3" name="投影片編號版面配置區 2">
+            <a:extLst>
+              <a:ext uri="{FF2B5EF4-FFF2-40B4-BE49-F238E27FC236}">
+                <a16:creationId xmlns:a16="http://schemas.microsoft.com/office/drawing/2014/main" id="{D9A95B28-7825-49C1-9D5B-37B68CE5D94C}"/>
+              </a:ext>
+            </a:extLst>
+          </p:cNvPr>
+          <p:cNvSpPr>
+            <a:spLocks noGrp="1"/>
+          </p:cNvSpPr>
+          <p:nvPr>
+            <p:ph type="sldNum" sz="quarter" idx="12"/>
+          </p:nvPr>
+        </p:nvSpPr>
+        <p:spPr/>
+        <p:txBody>
+          <a:bodyPr/>
+          <a:lstStyle/>
+          <a:p>
+            <a:fld id="{3A98EE3D-8CD1-4C3F-BD1C-C98C9596463C}" type="slidenum">
+              <a:rPr lang="en-US" smtClean="0"/>
+              <a:t>9</a:t>
+            </a:fld>
+            <a:endParaRPr lang="en-US" dirty="0"/>
           </a:p>
         </p:txBody>
       </p:sp>
       <p:pic>
         <p:nvPicPr>
-          <p:cNvPr id="9" name="內容版面配置區 8">
-            <a:extLst>
-              <a:ext uri="{FF2B5EF4-FFF2-40B4-BE49-F238E27FC236}">
-                <a16:creationId xmlns:a16="http://schemas.microsoft.com/office/drawing/2014/main" id="{D2937ED9-D2B0-4EA5-BB17-110C587BB370}"/>
+          <p:cNvPr id="5" name="內容版面配置區 4">
+            <a:extLst>
+              <a:ext uri="{FF2B5EF4-FFF2-40B4-BE49-F238E27FC236}">
+                <a16:creationId xmlns:a16="http://schemas.microsoft.com/office/drawing/2014/main" id="{E1C8C3CE-8624-46AC-971F-ACAFCACB4801}"/>
               </a:ext>
             </a:extLst>
           </p:cNvPr>
@@ -6637,15 +7864,15 @@
         </p:blipFill>
         <p:spPr>
           <a:xfrm>
-            <a:off x="2858136" y="2108200"/>
-            <a:ext cx="6536053" cy="3760788"/>
+            <a:off x="792957" y="2116183"/>
+            <a:ext cx="10734803" cy="3779520"/>
           </a:xfrm>
         </p:spPr>
       </p:pic>
     </p:spTree>
     <p:extLst>
       <p:ext uri="{BB962C8B-B14F-4D97-AF65-F5344CB8AC3E}">
-        <p14:creationId xmlns:p14="http://schemas.microsoft.com/office/powerpoint/2010/main" val="1880812948"/>
+        <p14:creationId xmlns:p14="http://schemas.microsoft.com/office/powerpoint/2010/main" val="1876124258"/>
       </p:ext>
     </p:extLst>
   </p:cSld>
@@ -6936,4 +8163,594 @@
     </a:ext>
   </a:extLst>
 </a:theme>
+</file>
+
+<file path=ppt/theme/theme2.xml><?xml version="1.0" encoding="utf-8"?>
+<a:theme xmlns:a="http://schemas.openxmlformats.org/drawingml/2006/main" name="Office 佈景主題">
+  <a:themeElements>
+    <a:clrScheme name="Office">
+      <a:dk1>
+        <a:sysClr val="windowText" lastClr="000000"/>
+      </a:dk1>
+      <a:lt1>
+        <a:sysClr val="window" lastClr="FFFFFF"/>
+      </a:lt1>
+      <a:dk2>
+        <a:srgbClr val="44546A"/>
+      </a:dk2>
+      <a:lt2>
+        <a:srgbClr val="E7E6E6"/>
+      </a:lt2>
+      <a:accent1>
+        <a:srgbClr val="4472C4"/>
+      </a:accent1>
+      <a:accent2>
+        <a:srgbClr val="ED7D31"/>
+      </a:accent2>
+      <a:accent3>
+        <a:srgbClr val="A5A5A5"/>
+      </a:accent3>
+      <a:accent4>
+        <a:srgbClr val="FFC000"/>
+      </a:accent4>
+      <a:accent5>
+        <a:srgbClr val="5B9BD5"/>
+      </a:accent5>
+      <a:accent6>
+        <a:srgbClr val="70AD47"/>
+      </a:accent6>
+      <a:hlink>
+        <a:srgbClr val="0563C1"/>
+      </a:hlink>
+      <a:folHlink>
+        <a:srgbClr val="954F72"/>
+      </a:folHlink>
+    </a:clrScheme>
+    <a:fontScheme name="Office">
+      <a:majorFont>
+        <a:latin typeface="Calibri Light" panose="020F0302020204030204"/>
+        <a:ea typeface=""/>
+        <a:cs typeface=""/>
+        <a:font script="Jpan" typeface="游ゴシック Light"/>
+        <a:font script="Hang" typeface="맑은 고딕"/>
+        <a:font script="Hans" typeface="等线 Light"/>
+        <a:font script="Hant" typeface="新細明體"/>
+        <a:font script="Arab" typeface="Times New Roman"/>
+        <a:font script="Hebr" typeface="Times New Roman"/>
+        <a:font script="Thai" typeface="Angsana New"/>
+        <a:font script="Ethi" typeface="Nyala"/>
+        <a:font script="Beng" typeface="Vrinda"/>
+        <a:font script="Gujr" typeface="Shruti"/>
+        <a:font script="Khmr" typeface="MoolBoran"/>
+        <a:font script="Knda" typeface="Tunga"/>
+        <a:font script="Guru" typeface="Raavi"/>
+        <a:font script="Cans" typeface="Euphemia"/>
+        <a:font script="Cher" typeface="Plantagenet Cherokee"/>
+        <a:font script="Yiii" typeface="Microsoft Yi Baiti"/>
+        <a:font script="Tibt" typeface="Microsoft Himalaya"/>
+        <a:font script="Thaa" typeface="MV Boli"/>
+        <a:font script="Deva" typeface="Mangal"/>
+        <a:font script="Telu" typeface="Gautami"/>
+        <a:font script="Taml" typeface="Latha"/>
+        <a:font script="Syrc" typeface="Estrangelo Edessa"/>
+        <a:font script="Orya" typeface="Kalinga"/>
+        <a:font script="Mlym" typeface="Kartika"/>
+        <a:font script="Laoo" typeface="DokChampa"/>
+        <a:font script="Sinh" typeface="Iskoola Pota"/>
+        <a:font script="Mong" typeface="Mongolian Baiti"/>
+        <a:font script="Viet" typeface="Times New Roman"/>
+        <a:font script="Uigh" typeface="Microsoft Uighur"/>
+        <a:font script="Geor" typeface="Sylfaen"/>
+        <a:font script="Armn" typeface="Arial"/>
+        <a:font script="Bugi" typeface="Leelawadee UI"/>
+        <a:font script="Bopo" typeface="Microsoft JhengHei"/>
+        <a:font script="Java" typeface="Javanese Text"/>
+        <a:font script="Lisu" typeface="Segoe UI"/>
+        <a:font script="Mymr" typeface="Myanmar Text"/>
+        <a:font script="Nkoo" typeface="Ebrima"/>
+        <a:font script="Olck" typeface="Nirmala UI"/>
+        <a:font script="Osma" typeface="Ebrima"/>
+        <a:font script="Phag" typeface="Phagspa"/>
+        <a:font script="Syrn" typeface="Estrangelo Edessa"/>
+        <a:font script="Syrj" typeface="Estrangelo Edessa"/>
+        <a:font script="Syre" typeface="Estrangelo Edessa"/>
+        <a:font script="Sora" typeface="Nirmala UI"/>
+        <a:font script="Tale" typeface="Microsoft Tai Le"/>
+        <a:font script="Talu" typeface="Microsoft New Tai Lue"/>
+        <a:font script="Tfng" typeface="Ebrima"/>
+      </a:majorFont>
+      <a:minorFont>
+        <a:latin typeface="Calibri" panose="020F0502020204030204"/>
+        <a:ea typeface=""/>
+        <a:cs typeface=""/>
+        <a:font script="Jpan" typeface="游ゴシック"/>
+        <a:font script="Hang" typeface="맑은 고딕"/>
+        <a:font script="Hans" typeface="等线"/>
+        <a:font script="Hant" typeface="新細明體"/>
+        <a:font script="Arab" typeface="Arial"/>
+        <a:font script="Hebr" typeface="Arial"/>
+        <a:font script="Thai" typeface="Cordia New"/>
+        <a:font script="Ethi" typeface="Nyala"/>
+        <a:font script="Beng" typeface="Vrinda"/>
+        <a:font script="Gujr" typeface="Shruti"/>
+        <a:font script="Khmr" typeface="DaunPenh"/>
+        <a:font script="Knda" typeface="Tunga"/>
+        <a:font script="Guru" typeface="Raavi"/>
+        <a:font script="Cans" typeface="Euphemia"/>
+        <a:font script="Cher" typeface="Plantagenet Cherokee"/>
+        <a:font script="Yiii" typeface="Microsoft Yi Baiti"/>
+        <a:font script="Tibt" typeface="Microsoft Himalaya"/>
+        <a:font script="Thaa" typeface="MV Boli"/>
+        <a:font script="Deva" typeface="Mangal"/>
+        <a:font script="Telu" typeface="Gautami"/>
+        <a:font script="Taml" typeface="Latha"/>
+        <a:font script="Syrc" typeface="Estrangelo Edessa"/>
+        <a:font script="Orya" typeface="Kalinga"/>
+        <a:font script="Mlym" typeface="Kartika"/>
+        <a:font script="Laoo" typeface="DokChampa"/>
+        <a:font script="Sinh" typeface="Iskoola Pota"/>
+        <a:font script="Mong" typeface="Mongolian Baiti"/>
+        <a:font script="Viet" typeface="Arial"/>
+        <a:font script="Uigh" typeface="Microsoft Uighur"/>
+        <a:font script="Geor" typeface="Sylfaen"/>
+        <a:font script="Armn" typeface="Arial"/>
+        <a:font script="Bugi" typeface="Leelawadee UI"/>
+        <a:font script="Bopo" typeface="Microsoft JhengHei"/>
+        <a:font script="Java" typeface="Javanese Text"/>
+        <a:font script="Lisu" typeface="Segoe UI"/>
+        <a:font script="Mymr" typeface="Myanmar Text"/>
+        <a:font script="Nkoo" typeface="Ebrima"/>
+        <a:font script="Olck" typeface="Nirmala UI"/>
+        <a:font script="Osma" typeface="Ebrima"/>
+        <a:font script="Phag" typeface="Phagspa"/>
+        <a:font script="Syrn" typeface="Estrangelo Edessa"/>
+        <a:font script="Syrj" typeface="Estrangelo Edessa"/>
+        <a:font script="Syre" typeface="Estrangelo Edessa"/>
+        <a:font script="Sora" typeface="Nirmala UI"/>
+        <a:font script="Tale" typeface="Microsoft Tai Le"/>
+        <a:font script="Talu" typeface="Microsoft New Tai Lue"/>
+        <a:font script="Tfng" typeface="Ebrima"/>
+      </a:minorFont>
+    </a:fontScheme>
+    <a:fmtScheme name="Office">
+      <a:fillStyleLst>
+        <a:solidFill>
+          <a:schemeClr val="phClr"/>
+        </a:solidFill>
+        <a:gradFill rotWithShape="1">
+          <a:gsLst>
+            <a:gs pos="0">
+              <a:schemeClr val="phClr">
+                <a:lumMod val="110000"/>
+                <a:satMod val="105000"/>
+                <a:tint val="67000"/>
+              </a:schemeClr>
+            </a:gs>
+            <a:gs pos="50000">
+              <a:schemeClr val="phClr">
+                <a:lumMod val="105000"/>
+                <a:satMod val="103000"/>
+                <a:tint val="73000"/>
+              </a:schemeClr>
+            </a:gs>
+            <a:gs pos="100000">
+              <a:schemeClr val="phClr">
+                <a:lumMod val="105000"/>
+                <a:satMod val="109000"/>
+                <a:tint val="81000"/>
+              </a:schemeClr>
+            </a:gs>
+          </a:gsLst>
+          <a:lin ang="5400000" scaled="0"/>
+        </a:gradFill>
+        <a:gradFill rotWithShape="1">
+          <a:gsLst>
+            <a:gs pos="0">
+              <a:schemeClr val="phClr">
+                <a:satMod val="103000"/>
+                <a:lumMod val="102000"/>
+                <a:tint val="94000"/>
+              </a:schemeClr>
+            </a:gs>
+            <a:gs pos="50000">
+              <a:schemeClr val="phClr">
+                <a:satMod val="110000"/>
+                <a:lumMod val="100000"/>
+                <a:shade val="100000"/>
+              </a:schemeClr>
+            </a:gs>
+            <a:gs pos="100000">
+              <a:schemeClr val="phClr">
+                <a:lumMod val="99000"/>
+                <a:satMod val="120000"/>
+                <a:shade val="78000"/>
+              </a:schemeClr>
+            </a:gs>
+          </a:gsLst>
+          <a:lin ang="5400000" scaled="0"/>
+        </a:gradFill>
+      </a:fillStyleLst>
+      <a:lnStyleLst>
+        <a:ln w="6350" cap="flat" cmpd="sng" algn="ctr">
+          <a:solidFill>
+            <a:schemeClr val="phClr"/>
+          </a:solidFill>
+          <a:prstDash val="solid"/>
+          <a:miter lim="800000"/>
+        </a:ln>
+        <a:ln w="12700" cap="flat" cmpd="sng" algn="ctr">
+          <a:solidFill>
+            <a:schemeClr val="phClr"/>
+          </a:solidFill>
+          <a:prstDash val="solid"/>
+          <a:miter lim="800000"/>
+        </a:ln>
+        <a:ln w="19050" cap="flat" cmpd="sng" algn="ctr">
+          <a:solidFill>
+            <a:schemeClr val="phClr"/>
+          </a:solidFill>
+          <a:prstDash val="solid"/>
+          <a:miter lim="800000"/>
+        </a:ln>
+      </a:lnStyleLst>
+      <a:effectStyleLst>
+        <a:effectStyle>
+          <a:effectLst/>
+        </a:effectStyle>
+        <a:effectStyle>
+          <a:effectLst/>
+        </a:effectStyle>
+        <a:effectStyle>
+          <a:effectLst>
+            <a:outerShdw blurRad="57150" dist="19050" dir="5400000" algn="ctr" rotWithShape="0">
+              <a:srgbClr val="000000">
+                <a:alpha val="63000"/>
+              </a:srgbClr>
+            </a:outerShdw>
+          </a:effectLst>
+        </a:effectStyle>
+      </a:effectStyleLst>
+      <a:bgFillStyleLst>
+        <a:solidFill>
+          <a:schemeClr val="phClr"/>
+        </a:solidFill>
+        <a:solidFill>
+          <a:schemeClr val="phClr">
+            <a:tint val="95000"/>
+            <a:satMod val="170000"/>
+          </a:schemeClr>
+        </a:solidFill>
+        <a:gradFill rotWithShape="1">
+          <a:gsLst>
+            <a:gs pos="0">
+              <a:schemeClr val="phClr">
+                <a:tint val="93000"/>
+                <a:satMod val="150000"/>
+                <a:shade val="98000"/>
+                <a:lumMod val="102000"/>
+              </a:schemeClr>
+            </a:gs>
+            <a:gs pos="50000">
+              <a:schemeClr val="phClr">
+                <a:tint val="98000"/>
+                <a:satMod val="130000"/>
+                <a:shade val="90000"/>
+                <a:lumMod val="103000"/>
+              </a:schemeClr>
+            </a:gs>
+            <a:gs pos="100000">
+              <a:schemeClr val="phClr">
+                <a:shade val="63000"/>
+                <a:satMod val="120000"/>
+              </a:schemeClr>
+            </a:gs>
+          </a:gsLst>
+          <a:lin ang="5400000" scaled="0"/>
+        </a:gradFill>
+      </a:bgFillStyleLst>
+    </a:fmtScheme>
+  </a:themeElements>
+  <a:objectDefaults/>
+  <a:extraClrSchemeLst/>
+  <a:extLst>
+    <a:ext uri="{05A4C25C-085E-4340-85A3-A5531E510DB2}">
+      <thm15:themeFamily xmlns:thm15="http://schemas.microsoft.com/office/thememl/2012/main" name="Office Theme" id="{62F939B6-93AF-4DB8-9C6B-D6C7DFDC589F}" vid="{4A3C46E8-61CC-4603-A589-7422A47A8E4A}"/>
+    </a:ext>
+  </a:extLst>
+</a:theme>
+</file>
+
+<file path=ppt/theme/theme3.xml><?xml version="1.0" encoding="utf-8"?>
+<a:theme xmlns:a="http://schemas.openxmlformats.org/drawingml/2006/main" name="Office 佈景主題">
+  <a:themeElements>
+    <a:clrScheme name="Office">
+      <a:dk1>
+        <a:sysClr val="windowText" lastClr="000000"/>
+      </a:dk1>
+      <a:lt1>
+        <a:sysClr val="window" lastClr="FFFFFF"/>
+      </a:lt1>
+      <a:dk2>
+        <a:srgbClr val="44546A"/>
+      </a:dk2>
+      <a:lt2>
+        <a:srgbClr val="E7E6E6"/>
+      </a:lt2>
+      <a:accent1>
+        <a:srgbClr val="4472C4"/>
+      </a:accent1>
+      <a:accent2>
+        <a:srgbClr val="ED7D31"/>
+      </a:accent2>
+      <a:accent3>
+        <a:srgbClr val="A5A5A5"/>
+      </a:accent3>
+      <a:accent4>
+        <a:srgbClr val="FFC000"/>
+      </a:accent4>
+      <a:accent5>
+        <a:srgbClr val="5B9BD5"/>
+      </a:accent5>
+      <a:accent6>
+        <a:srgbClr val="70AD47"/>
+      </a:accent6>
+      <a:hlink>
+        <a:srgbClr val="0563C1"/>
+      </a:hlink>
+      <a:folHlink>
+        <a:srgbClr val="954F72"/>
+      </a:folHlink>
+    </a:clrScheme>
+    <a:fontScheme name="Office">
+      <a:majorFont>
+        <a:latin typeface="Calibri Light" panose="020F0302020204030204"/>
+        <a:ea typeface=""/>
+        <a:cs typeface=""/>
+        <a:font script="Jpan" typeface="游ゴシック Light"/>
+        <a:font script="Hang" typeface="맑은 고딕"/>
+        <a:font script="Hans" typeface="等线 Light"/>
+        <a:font script="Hant" typeface="新細明體"/>
+        <a:font script="Arab" typeface="Times New Roman"/>
+        <a:font script="Hebr" typeface="Times New Roman"/>
+        <a:font script="Thai" typeface="Angsana New"/>
+        <a:font script="Ethi" typeface="Nyala"/>
+        <a:font script="Beng" typeface="Vrinda"/>
+        <a:font script="Gujr" typeface="Shruti"/>
+        <a:font script="Khmr" typeface="MoolBoran"/>
+        <a:font script="Knda" typeface="Tunga"/>
+        <a:font script="Guru" typeface="Raavi"/>
+        <a:font script="Cans" typeface="Euphemia"/>
+        <a:font script="Cher" typeface="Plantagenet Cherokee"/>
+        <a:font script="Yiii" typeface="Microsoft Yi Baiti"/>
+        <a:font script="Tibt" typeface="Microsoft Himalaya"/>
+        <a:font script="Thaa" typeface="MV Boli"/>
+        <a:font script="Deva" typeface="Mangal"/>
+        <a:font script="Telu" typeface="Gautami"/>
+        <a:font script="Taml" typeface="Latha"/>
+        <a:font script="Syrc" typeface="Estrangelo Edessa"/>
+        <a:font script="Orya" typeface="Kalinga"/>
+        <a:font script="Mlym" typeface="Kartika"/>
+        <a:font script="Laoo" typeface="DokChampa"/>
+        <a:font script="Sinh" typeface="Iskoola Pota"/>
+        <a:font script="Mong" typeface="Mongolian Baiti"/>
+        <a:font script="Viet" typeface="Times New Roman"/>
+        <a:font script="Uigh" typeface="Microsoft Uighur"/>
+        <a:font script="Geor" typeface="Sylfaen"/>
+        <a:font script="Armn" typeface="Arial"/>
+        <a:font script="Bugi" typeface="Leelawadee UI"/>
+        <a:font script="Bopo" typeface="Microsoft JhengHei"/>
+        <a:font script="Java" typeface="Javanese Text"/>
+        <a:font script="Lisu" typeface="Segoe UI"/>
+        <a:font script="Mymr" typeface="Myanmar Text"/>
+        <a:font script="Nkoo" typeface="Ebrima"/>
+        <a:font script="Olck" typeface="Nirmala UI"/>
+        <a:font script="Osma" typeface="Ebrima"/>
+        <a:font script="Phag" typeface="Phagspa"/>
+        <a:font script="Syrn" typeface="Estrangelo Edessa"/>
+        <a:font script="Syrj" typeface="Estrangelo Edessa"/>
+        <a:font script="Syre" typeface="Estrangelo Edessa"/>
+        <a:font script="Sora" typeface="Nirmala UI"/>
+        <a:font script="Tale" typeface="Microsoft Tai Le"/>
+        <a:font script="Talu" typeface="Microsoft New Tai Lue"/>
+        <a:font script="Tfng" typeface="Ebrima"/>
+      </a:majorFont>
+      <a:minorFont>
+        <a:latin typeface="Calibri" panose="020F0502020204030204"/>
+        <a:ea typeface=""/>
+        <a:cs typeface=""/>
+        <a:font script="Jpan" typeface="游ゴシック"/>
+        <a:font script="Hang" typeface="맑은 고딕"/>
+        <a:font script="Hans" typeface="等线"/>
+        <a:font script="Hant" typeface="新細明體"/>
+        <a:font script="Arab" typeface="Arial"/>
+        <a:font script="Hebr" typeface="Arial"/>
+        <a:font script="Thai" typeface="Cordia New"/>
+        <a:font script="Ethi" typeface="Nyala"/>
+        <a:font script="Beng" typeface="Vrinda"/>
+        <a:font script="Gujr" typeface="Shruti"/>
+        <a:font script="Khmr" typeface="DaunPenh"/>
+        <a:font script="Knda" typeface="Tunga"/>
+        <a:font script="Guru" typeface="Raavi"/>
+        <a:font script="Cans" typeface="Euphemia"/>
+        <a:font script="Cher" typeface="Plantagenet Cherokee"/>
+        <a:font script="Yiii" typeface="Microsoft Yi Baiti"/>
+        <a:font script="Tibt" typeface="Microsoft Himalaya"/>
+        <a:font script="Thaa" typeface="MV Boli"/>
+        <a:font script="Deva" typeface="Mangal"/>
+        <a:font script="Telu" typeface="Gautami"/>
+        <a:font script="Taml" typeface="Latha"/>
+        <a:font script="Syrc" typeface="Estrangelo Edessa"/>
+        <a:font script="Orya" typeface="Kalinga"/>
+        <a:font script="Mlym" typeface="Kartika"/>
+        <a:font script="Laoo" typeface="DokChampa"/>
+        <a:font script="Sinh" typeface="Iskoola Pota"/>
+        <a:font script="Mong" typeface="Mongolian Baiti"/>
+        <a:font script="Viet" typeface="Arial"/>
+        <a:font script="Uigh" typeface="Microsoft Uighur"/>
+        <a:font script="Geor" typeface="Sylfaen"/>
+        <a:font script="Armn" typeface="Arial"/>
+        <a:font script="Bugi" typeface="Leelawadee UI"/>
+        <a:font script="Bopo" typeface="Microsoft JhengHei"/>
+        <a:font script="Java" typeface="Javanese Text"/>
+        <a:font script="Lisu" typeface="Segoe UI"/>
+        <a:font script="Mymr" typeface="Myanmar Text"/>
+        <a:font script="Nkoo" typeface="Ebrima"/>
+        <a:font script="Olck" typeface="Nirmala UI"/>
+        <a:font script="Osma" typeface="Ebrima"/>
+        <a:font script="Phag" typeface="Phagspa"/>
+        <a:font script="Syrn" typeface="Estrangelo Edessa"/>
+        <a:font script="Syrj" typeface="Estrangelo Edessa"/>
+        <a:font script="Syre" typeface="Estrangelo Edessa"/>
+        <a:font script="Sora" typeface="Nirmala UI"/>
+        <a:font script="Tale" typeface="Microsoft Tai Le"/>
+        <a:font script="Talu" typeface="Microsoft New Tai Lue"/>
+        <a:font script="Tfng" typeface="Ebrima"/>
+      </a:minorFont>
+    </a:fontScheme>
+    <a:fmtScheme name="Office">
+      <a:fillStyleLst>
+        <a:solidFill>
+          <a:schemeClr val="phClr"/>
+        </a:solidFill>
+        <a:gradFill rotWithShape="1">
+          <a:gsLst>
+            <a:gs pos="0">
+              <a:schemeClr val="phClr">
+                <a:lumMod val="110000"/>
+                <a:satMod val="105000"/>
+                <a:tint val="67000"/>
+              </a:schemeClr>
+            </a:gs>
+            <a:gs pos="50000">
+              <a:schemeClr val="phClr">
+                <a:lumMod val="105000"/>
+                <a:satMod val="103000"/>
+                <a:tint val="73000"/>
+              </a:schemeClr>
+            </a:gs>
+            <a:gs pos="100000">
+              <a:schemeClr val="phClr">
+                <a:lumMod val="105000"/>
+                <a:satMod val="109000"/>
+                <a:tint val="81000"/>
+              </a:schemeClr>
+            </a:gs>
+          </a:gsLst>
+          <a:lin ang="5400000" scaled="0"/>
+        </a:gradFill>
+        <a:gradFill rotWithShape="1">
+          <a:gsLst>
+            <a:gs pos="0">
+              <a:schemeClr val="phClr">
+                <a:satMod val="103000"/>
+                <a:lumMod val="102000"/>
+                <a:tint val="94000"/>
+              </a:schemeClr>
+            </a:gs>
+            <a:gs pos="50000">
+              <a:schemeClr val="phClr">
+                <a:satMod val="110000"/>
+                <a:lumMod val="100000"/>
+                <a:shade val="100000"/>
+              </a:schemeClr>
+            </a:gs>
+            <a:gs pos="100000">
+              <a:schemeClr val="phClr">
+                <a:lumMod val="99000"/>
+                <a:satMod val="120000"/>
+                <a:shade val="78000"/>
+              </a:schemeClr>
+            </a:gs>
+          </a:gsLst>
+          <a:lin ang="5400000" scaled="0"/>
+        </a:gradFill>
+      </a:fillStyleLst>
+      <a:lnStyleLst>
+        <a:ln w="6350" cap="flat" cmpd="sng" algn="ctr">
+          <a:solidFill>
+            <a:schemeClr val="phClr"/>
+          </a:solidFill>
+          <a:prstDash val="solid"/>
+          <a:miter lim="800000"/>
+        </a:ln>
+        <a:ln w="12700" cap="flat" cmpd="sng" algn="ctr">
+          <a:solidFill>
+            <a:schemeClr val="phClr"/>
+          </a:solidFill>
+          <a:prstDash val="solid"/>
+          <a:miter lim="800000"/>
+        </a:ln>
+        <a:ln w="19050" cap="flat" cmpd="sng" algn="ctr">
+          <a:solidFill>
+            <a:schemeClr val="phClr"/>
+          </a:solidFill>
+          <a:prstDash val="solid"/>
+          <a:miter lim="800000"/>
+        </a:ln>
+      </a:lnStyleLst>
+      <a:effectStyleLst>
+        <a:effectStyle>
+          <a:effectLst/>
+        </a:effectStyle>
+        <a:effectStyle>
+          <a:effectLst/>
+        </a:effectStyle>
+        <a:effectStyle>
+          <a:effectLst>
+            <a:outerShdw blurRad="57150" dist="19050" dir="5400000" algn="ctr" rotWithShape="0">
+              <a:srgbClr val="000000">
+                <a:alpha val="63000"/>
+              </a:srgbClr>
+            </a:outerShdw>
+          </a:effectLst>
+        </a:effectStyle>
+      </a:effectStyleLst>
+      <a:bgFillStyleLst>
+        <a:solidFill>
+          <a:schemeClr val="phClr"/>
+        </a:solidFill>
+        <a:solidFill>
+          <a:schemeClr val="phClr">
+            <a:tint val="95000"/>
+            <a:satMod val="170000"/>
+          </a:schemeClr>
+        </a:solidFill>
+        <a:gradFill rotWithShape="1">
+          <a:gsLst>
+            <a:gs pos="0">
+              <a:schemeClr val="phClr">
+                <a:tint val="93000"/>
+                <a:satMod val="150000"/>
+                <a:shade val="98000"/>
+                <a:lumMod val="102000"/>
+              </a:schemeClr>
+            </a:gs>
+            <a:gs pos="50000">
+              <a:schemeClr val="phClr">
+                <a:tint val="98000"/>
+                <a:satMod val="130000"/>
+                <a:shade val="90000"/>
+                <a:lumMod val="103000"/>
+              </a:schemeClr>
+            </a:gs>
+            <a:gs pos="100000">
+              <a:schemeClr val="phClr">
+                <a:shade val="63000"/>
+                <a:satMod val="120000"/>
+              </a:schemeClr>
+            </a:gs>
+          </a:gsLst>
+          <a:lin ang="5400000" scaled="0"/>
+        </a:gradFill>
+      </a:bgFillStyleLst>
+    </a:fmtScheme>
+  </a:themeElements>
+  <a:objectDefaults/>
+  <a:extraClrSchemeLst/>
+  <a:extLst>
+    <a:ext uri="{05A4C25C-085E-4340-85A3-A5531E510DB2}">
+      <thm15:themeFamily xmlns:thm15="http://schemas.microsoft.com/office/thememl/2012/main" name="Office Theme" id="{62F939B6-93AF-4DB8-9C6B-D6C7DFDC589F}" vid="{4A3C46E8-61CC-4603-A589-7422A47A8E4A}"/>
+    </a:ext>
+  </a:extLst>
+</a:theme>
 </file>